--- a/output/minimalistSalePitchThemePresentation.pptx
+++ b/output/minimalistSalePitchThemePresentation.pptx
@@ -4,9 +4,6 @@
   <p:sldMasterIdLst>
     <p:sldMasterId id="2147483648" r:id="rId1"/>
   </p:sldMasterIdLst>
-  <p:notesMasterIdLst>
-    <p:notesMasterId r:id="rId18"/>
-  </p:notesMasterIdLst>
   <p:sldIdLst>
     <p:sldId id="256" r:id="rId2"/>
     <p:sldId id="257" r:id="rId3"/>
@@ -24,7 +21,11 @@
     <p:sldId id="269" r:id="rId15"/>
     <p:sldId id="270" r:id="rId16"/>
     <p:sldId id="271" r:id="rId17"/>
+    <p:sldId id="272" r:id="rId18"/>
   </p:sldIdLst>
+  <p:notesMasterIdLst>
+    <p:notesMasterId r:id="rId19"/>
+  </p:notesMasterIdLst>
   <p:sldSz cx="12192000" cy="6858000"/>
   <p:notesSz cx="6858000" cy="12192000"/>
   <p:defaultTextStyle>
@@ -119,11 +120,6 @@
       </a:defRPr>
     </a:lvl9pPr>
   </p:defaultTextStyle>
-  <p:extLst>
-    <p:ext uri="{EFAFB233-063F-42B5-8137-9DF3F51BA10A}">
-      <p15:sldGuideLst xmlns:p15="http://schemas.microsoft.com/office/powerpoint/2012/main"/>
-    </p:ext>
-  </p:extLst>
 </p:presentation>
 </file>
 
@@ -149,10 +145,234 @@
           <a:chExt cx="0" cy="0"/>
         </a:xfrm>
       </p:grpSpPr>
+      <p:sp>
+        <p:nvSpPr>
+          <p:cNvPr id="2" name="Header Placeholder 1"/>
+          <p:cNvSpPr>
+            <a:spLocks noGrp="1"/>
+          </p:cNvSpPr>
+          <p:nvPr>
+            <p:ph type="hdr" sz="quarter"/>
+          </p:nvPr>
+        </p:nvSpPr>
+        <p:spPr>
+          <a:xfrm>
+            <a:off x="0" y="0"/>
+            <a:ext cx="2971800" cy="458788"/>
+          </a:xfrm>
+          <a:prstGeom prst="rect">
+            <a:avLst/>
+          </a:prstGeom>
+        </p:spPr>
+        <p:txBody>
+          <a:bodyPr vert="horz" lIns="91440" tIns="45720" rIns="91440" bIns="45720" rtlCol="0"/>
+          <a:lstStyle>
+            <a:lvl1pPr algn="l">
+              <a:defRPr sz="1200"/>
+            </a:lvl1pPr>
+          </a:lstStyle>
+          <a:p>
+            <a:endParaRPr lang="en-US"/>
+          </a:p>
+        </p:txBody>
+      </p:sp>
+      <p:sp>
+        <p:nvSpPr>
+          <p:cNvPr id="3" name="Date Placeholder 2"/>
+          <p:cNvSpPr>
+            <a:spLocks noGrp="1"/>
+          </p:cNvSpPr>
+          <p:nvPr>
+            <p:ph type="dt" idx="1"/>
+          </p:nvPr>
+        </p:nvSpPr>
+        <p:spPr>
+          <a:xfrm>
+            <a:off x="3884613" y="0"/>
+            <a:ext cx="2971800" cy="458788"/>
+          </a:xfrm>
+          <a:prstGeom prst="rect">
+            <a:avLst/>
+          </a:prstGeom>
+        </p:spPr>
+        <p:txBody>
+          <a:bodyPr vert="horz" lIns="91440" tIns="45720" rIns="91440" bIns="45720" rtlCol="0"/>
+          <a:lstStyle>
+            <a:lvl1pPr algn="r">
+              <a:defRPr sz="1200"/>
+            </a:lvl1pPr>
+          </a:lstStyle>
+          <a:p>
+            <a:fld id="{5282F153-3F37-0F45-9E97-73ACFA13230C}" type="datetimeFigureOut">
+              <a:rPr lang="en-US"/>
+              <a:t>7/23/19</a:t>
+            </a:fld>
+            <a:endParaRPr lang="en-US"/>
+          </a:p>
+        </p:txBody>
+      </p:sp>
+      <p:sp>
+        <p:nvSpPr>
+          <p:cNvPr id="4" name="Slide Image Placeholder 3"/>
+          <p:cNvSpPr>
+            <a:spLocks noGrp="1" noRot="1" noChangeAspect="1"/>
+          </p:cNvSpPr>
+          <p:nvPr>
+            <p:ph type="sldImg" idx="2"/>
+          </p:nvPr>
+        </p:nvSpPr>
+        <p:spPr>
+          <a:xfrm>
+            <a:off x="685800" y="1143000"/>
+            <a:ext cx="5486400" cy="3086100"/>
+          </a:xfrm>
+          <a:prstGeom prst="rect">
+            <a:avLst/>
+          </a:prstGeom>
+          <a:noFill/>
+          <a:ln w="12700">
+            <a:solidFill>
+              <a:prstClr val="black"/>
+            </a:solidFill>
+          </a:ln>
+        </p:spPr>
+        <p:txBody>
+          <a:bodyPr vert="horz" lIns="91440" tIns="45720" rIns="91440" bIns="45720" rtlCol="0" anchor="ctr"/>
+          <a:lstStyle/>
+          <a:p>
+            <a:endParaRPr lang="en-US"/>
+          </a:p>
+        </p:txBody>
+      </p:sp>
+      <p:sp>
+        <p:nvSpPr>
+          <p:cNvPr id="5" name="Notes Placeholder 4"/>
+          <p:cNvSpPr>
+            <a:spLocks noGrp="1"/>
+          </p:cNvSpPr>
+          <p:nvPr>
+            <p:ph type="body" sz="quarter" idx="3"/>
+          </p:nvPr>
+        </p:nvSpPr>
+        <p:spPr>
+          <a:xfrm>
+            <a:off x="685800" y="4400550"/>
+            <a:ext cx="5486400" cy="3600450"/>
+          </a:xfrm>
+          <a:prstGeom prst="rect">
+            <a:avLst/>
+          </a:prstGeom>
+        </p:spPr>
+        <p:txBody>
+          <a:bodyPr vert="horz" lIns="91440" tIns="45720" rIns="91440" bIns="45720" rtlCol="0"/>
+          <a:lstStyle/>
+          <a:p>
+            <a:pPr lvl="0"/>
+            <a:r>
+              <a:rPr lang="en-US"/>
+              <a:t>Click to edit Master text styles</a:t>
+            </a:r>
+          </a:p>
+          <a:p>
+            <a:pPr lvl="1"/>
+            <a:r>
+              <a:rPr lang="en-US"/>
+              <a:t>Second level</a:t>
+            </a:r>
+          </a:p>
+          <a:p>
+            <a:pPr lvl="2"/>
+            <a:r>
+              <a:rPr lang="en-US"/>
+              <a:t>Third level</a:t>
+            </a:r>
+          </a:p>
+          <a:p>
+            <a:pPr lvl="3"/>
+            <a:r>
+              <a:rPr lang="en-US"/>
+              <a:t>Fourth level</a:t>
+            </a:r>
+          </a:p>
+          <a:p>
+            <a:pPr lvl="4"/>
+            <a:r>
+              <a:rPr lang="en-US"/>
+              <a:t>Fifth level</a:t>
+            </a:r>
+          </a:p>
+        </p:txBody>
+      </p:sp>
+      <p:sp>
+        <p:nvSpPr>
+          <p:cNvPr id="6" name="Footer Placeholder 5"/>
+          <p:cNvSpPr>
+            <a:spLocks noGrp="1"/>
+          </p:cNvSpPr>
+          <p:nvPr>
+            <p:ph type="ftr" sz="quarter" idx="4"/>
+          </p:nvPr>
+        </p:nvSpPr>
+        <p:spPr>
+          <a:xfrm>
+            <a:off x="0" y="8685213"/>
+            <a:ext cx="2971800" cy="458787"/>
+          </a:xfrm>
+          <a:prstGeom prst="rect">
+            <a:avLst/>
+          </a:prstGeom>
+        </p:spPr>
+        <p:txBody>
+          <a:bodyPr vert="horz" lIns="91440" tIns="45720" rIns="91440" bIns="45720" rtlCol="0" anchor="b"/>
+          <a:lstStyle>
+            <a:lvl1pPr algn="l">
+              <a:defRPr sz="1200"/>
+            </a:lvl1pPr>
+          </a:lstStyle>
+          <a:p>
+            <a:endParaRPr lang="en-US"/>
+          </a:p>
+        </p:txBody>
+      </p:sp>
+      <p:sp>
+        <p:nvSpPr>
+          <p:cNvPr id="7" name="Slide Number Placeholder 6"/>
+          <p:cNvSpPr>
+            <a:spLocks noGrp="1"/>
+          </p:cNvSpPr>
+          <p:nvPr>
+            <p:ph type="sldNum" sz="quarter" idx="5"/>
+          </p:nvPr>
+        </p:nvSpPr>
+        <p:spPr>
+          <a:xfrm>
+            <a:off x="3884613" y="8685213"/>
+            <a:ext cx="2971800" cy="458787"/>
+          </a:xfrm>
+          <a:prstGeom prst="rect">
+            <a:avLst/>
+          </a:prstGeom>
+        </p:spPr>
+        <p:txBody>
+          <a:bodyPr vert="horz" lIns="91440" tIns="45720" rIns="91440" bIns="45720" rtlCol="0" anchor="b"/>
+          <a:lstStyle>
+            <a:lvl1pPr algn="r">
+              <a:defRPr sz="1200"/>
+            </a:lvl1pPr>
+          </a:lstStyle>
+          <a:p>
+            <a:fld id="{CE5E9CC1-C706-0F49-92D6-E571CC5EEA8F}" type="slidenum">
+              <a:rPr lang="en-US"/>
+              <a:t>‹#›</a:t>
+            </a:fld>
+            <a:endParaRPr lang="en-US"/>
+          </a:p>
+        </p:txBody>
+      </p:sp>
     </p:spTree>
     <p:extLst>
       <p:ext uri="{BB962C8B-B14F-4D97-AF65-F5344CB8AC3E}">
-        <p14:creationId xmlns:p14="http://schemas.microsoft.com/office/powerpoint/2010/main" val="3305935890"/>
+        <p14:creationId xmlns:p14="http://schemas.microsoft.com/office/powerpoint/2010/main" val="1024086991"/>
       </p:ext>
     </p:extLst>
   </p:cSld>
@@ -296,6 +516,10 @@
           <a:bodyPr/>
           <a:lstStyle/>
           <a:p>
+            <a:r>
+              <a:rPr lang="en-US" dirty="0"/>
+              <a:t/>
+            </a:r>
             <a:endParaRPr lang="en-US" dirty="0"/>
           </a:p>
         </p:txBody>
@@ -380,6 +604,10 @@
           <a:bodyPr/>
           <a:lstStyle/>
           <a:p>
+            <a:r>
+              <a:rPr lang="en-US" dirty="0"/>
+              <a:t/>
+            </a:r>
             <a:endParaRPr lang="en-US" dirty="0"/>
           </a:p>
         </p:txBody>
@@ -464,6 +692,10 @@
           <a:bodyPr/>
           <a:lstStyle/>
           <a:p>
+            <a:r>
+              <a:rPr lang="en-US" dirty="0"/>
+              <a:t/>
+            </a:r>
             <a:endParaRPr lang="en-US" dirty="0"/>
           </a:p>
         </p:txBody>
@@ -548,6 +780,10 @@
           <a:bodyPr/>
           <a:lstStyle/>
           <a:p>
+            <a:r>
+              <a:rPr lang="en-US" dirty="0"/>
+              <a:t/>
+            </a:r>
             <a:endParaRPr lang="en-US" dirty="0"/>
           </a:p>
         </p:txBody>
@@ -632,6 +868,10 @@
           <a:bodyPr/>
           <a:lstStyle/>
           <a:p>
+            <a:r>
+              <a:rPr lang="en-US" dirty="0"/>
+              <a:t/>
+            </a:r>
             <a:endParaRPr lang="en-US" dirty="0"/>
           </a:p>
         </p:txBody>
@@ -716,6 +956,10 @@
           <a:bodyPr/>
           <a:lstStyle/>
           <a:p>
+            <a:r>
+              <a:rPr lang="en-US" dirty="0"/>
+              <a:t/>
+            </a:r>
             <a:endParaRPr lang="en-US" dirty="0"/>
           </a:p>
         </p:txBody>
@@ -800,6 +1044,10 @@
           <a:bodyPr/>
           <a:lstStyle/>
           <a:p>
+            <a:r>
+              <a:rPr lang="en-US" dirty="0"/>
+              <a:t/>
+            </a:r>
             <a:endParaRPr lang="en-US" dirty="0"/>
           </a:p>
         </p:txBody>
@@ -884,6 +1132,10 @@
           <a:bodyPr/>
           <a:lstStyle/>
           <a:p>
+            <a:r>
+              <a:rPr lang="en-US" dirty="0"/>
+              <a:t/>
+            </a:r>
             <a:endParaRPr lang="en-US" dirty="0"/>
           </a:p>
         </p:txBody>
@@ -906,6 +1158,94 @@
             <a:fld id="{F7021451-1387-4CA6-816F-3879F97B5CBC}" type="slidenum">
               <a:rPr lang="en-US"/>
               <a:t>16</a:t>
+            </a:fld>
+            <a:endParaRPr lang="en-US"/>
+          </a:p>
+        </p:txBody>
+      </p:sp>
+    </p:spTree>
+    <p:extLst>
+      <p:ext uri="{BB962C8B-B14F-4D97-AF65-F5344CB8AC3E}">
+        <p14:creationId xmlns:p14="http://schemas.microsoft.com/office/powerpoint/2010/main" val="1024086991"/>
+      </p:ext>
+    </p:extLst>
+  </p:cSld>
+  <p:clrMapOvr>
+    <a:masterClrMapping/>
+  </p:clrMapOvr>
+</p:notes>
+</file>
+
+<file path=ppt/notesSlides/notesSlide17.xml><?xml version="1.0" encoding="utf-8"?>
+<p:notes xmlns:a="http://schemas.openxmlformats.org/drawingml/2006/main" xmlns:r="http://schemas.openxmlformats.org/officeDocument/2006/relationships" xmlns:p="http://schemas.openxmlformats.org/presentationml/2006/main">
+  <p:cSld>
+    <p:spTree>
+      <p:nvGrpSpPr>
+        <p:cNvPr id="1" name=""/>
+        <p:cNvGrpSpPr/>
+        <p:nvPr/>
+      </p:nvGrpSpPr>
+      <p:grpSpPr>
+        <a:xfrm>
+          <a:off x="0" y="0"/>
+          <a:ext cx="0" cy="0"/>
+          <a:chOff x="0" y="0"/>
+          <a:chExt cx="0" cy="0"/>
+        </a:xfrm>
+      </p:grpSpPr>
+      <p:sp>
+        <p:nvSpPr>
+          <p:cNvPr id="2" name="Slide Image Placeholder 1"/>
+          <p:cNvSpPr>
+            <a:spLocks noGrp="1" noRot="1" noChangeAspect="1"/>
+          </p:cNvSpPr>
+          <p:nvPr>
+            <p:ph type="sldImg"/>
+          </p:nvPr>
+        </p:nvSpPr>
+        <p:spPr/>
+      </p:sp>
+      <p:sp>
+        <p:nvSpPr>
+          <p:cNvPr id="3" name="Notes Placeholder 2"/>
+          <p:cNvSpPr>
+            <a:spLocks noGrp="1"/>
+          </p:cNvSpPr>
+          <p:nvPr>
+            <p:ph type="body" idx="1"/>
+          </p:nvPr>
+        </p:nvSpPr>
+        <p:spPr/>
+        <p:txBody>
+          <a:bodyPr/>
+          <a:lstStyle/>
+          <a:p>
+            <a:r>
+              <a:rPr lang="en-US" dirty="0"/>
+              <a:t/>
+            </a:r>
+            <a:endParaRPr lang="en-US" dirty="0"/>
+          </a:p>
+        </p:txBody>
+      </p:sp>
+      <p:sp>
+        <p:nvSpPr>
+          <p:cNvPr id="4" name="Slide Number Placeholder 3"/>
+          <p:cNvSpPr>
+            <a:spLocks noGrp="1"/>
+          </p:cNvSpPr>
+          <p:nvPr>
+            <p:ph type="sldNum" sz="quarter" idx="10"/>
+          </p:nvPr>
+        </p:nvSpPr>
+        <p:spPr/>
+        <p:txBody>
+          <a:bodyPr/>
+          <a:lstStyle/>
+          <a:p>
+            <a:fld id="{F7021451-1387-4CA6-816F-3879F97B5CBC}" type="slidenum">
+              <a:rPr lang="en-US"/>
+              <a:t>17</a:t>
             </a:fld>
             <a:endParaRPr lang="en-US"/>
           </a:p>
@@ -968,6 +1308,10 @@
           <a:bodyPr/>
           <a:lstStyle/>
           <a:p>
+            <a:r>
+              <a:rPr lang="en-US" dirty="0"/>
+              <a:t/>
+            </a:r>
             <a:endParaRPr lang="en-US" dirty="0"/>
           </a:p>
         </p:txBody>
@@ -1052,6 +1396,10 @@
           <a:bodyPr/>
           <a:lstStyle/>
           <a:p>
+            <a:r>
+              <a:rPr lang="en-US" dirty="0"/>
+              <a:t/>
+            </a:r>
             <a:endParaRPr lang="en-US" dirty="0"/>
           </a:p>
         </p:txBody>
@@ -1136,6 +1484,10 @@
           <a:bodyPr/>
           <a:lstStyle/>
           <a:p>
+            <a:r>
+              <a:rPr lang="en-US" dirty="0"/>
+              <a:t/>
+            </a:r>
             <a:endParaRPr lang="en-US" dirty="0"/>
           </a:p>
         </p:txBody>
@@ -1220,6 +1572,10 @@
           <a:bodyPr/>
           <a:lstStyle/>
           <a:p>
+            <a:r>
+              <a:rPr lang="en-US" dirty="0"/>
+              <a:t/>
+            </a:r>
             <a:endParaRPr lang="en-US" dirty="0"/>
           </a:p>
         </p:txBody>
@@ -1304,6 +1660,10 @@
           <a:bodyPr/>
           <a:lstStyle/>
           <a:p>
+            <a:r>
+              <a:rPr lang="en-US" dirty="0"/>
+              <a:t/>
+            </a:r>
             <a:endParaRPr lang="en-US" dirty="0"/>
           </a:p>
         </p:txBody>
@@ -1388,6 +1748,10 @@
           <a:bodyPr/>
           <a:lstStyle/>
           <a:p>
+            <a:r>
+              <a:rPr lang="en-US" dirty="0"/>
+              <a:t/>
+            </a:r>
             <a:endParaRPr lang="en-US" dirty="0"/>
           </a:p>
         </p:txBody>
@@ -1472,6 +1836,10 @@
           <a:bodyPr/>
           <a:lstStyle/>
           <a:p>
+            <a:r>
+              <a:rPr lang="en-US" dirty="0"/>
+              <a:t/>
+            </a:r>
             <a:endParaRPr lang="en-US" dirty="0"/>
           </a:p>
         </p:txBody>
@@ -1556,6 +1924,10 @@
           <a:bodyPr/>
           <a:lstStyle/>
           <a:p>
+            <a:r>
+              <a:rPr lang="en-US" dirty="0"/>
+              <a:t/>
+            </a:r>
             <a:endParaRPr lang="en-US" dirty="0"/>
           </a:p>
         </p:txBody>
@@ -1628,6 +2000,248 @@
 
 <file path=ppt/slideLayouts/slideLayout10.xml><?xml version="1.0" encoding="utf-8"?>
 <p:sldLayout xmlns:a="http://schemas.openxmlformats.org/drawingml/2006/main" xmlns:r="http://schemas.openxmlformats.org/officeDocument/2006/relationships" xmlns:p="http://schemas.openxmlformats.org/presentationml/2006/main" preserve="1">
+  <p:cSld name="twoContent">
+    <p:spTree>
+      <p:nvGrpSpPr>
+        <p:cNvPr id="1" name=""/>
+        <p:cNvGrpSpPr/>
+        <p:nvPr/>
+      </p:nvGrpSpPr>
+      <p:grpSpPr>
+        <a:xfrm>
+          <a:off x="0" y="0"/>
+          <a:ext cx="0" cy="0"/>
+          <a:chOff x="0" y="0"/>
+          <a:chExt cx="0" cy="0"/>
+        </a:xfrm>
+      </p:grpSpPr>
+      <p:sp>
+        <p:nvSpPr>
+          <p:cNvPr id="2" name="Text 0"/>
+          <p:cNvSpPr/>
+          <p:nvPr>
+            <p:ph idx="100" type="title" hasCustomPrompt="1"/>
+          </p:nvPr>
+        </p:nvSpPr>
+        <p:spPr>
+          <a:xfrm>
+            <a:off x="914400" y="365760"/>
+            <a:ext cx="10360152" cy="1627632"/>
+          </a:xfrm>
+          <a:prstGeom prst="rect">
+            <a:avLst/>
+          </a:prstGeom>
+          <a:noFill/>
+          <a:ln/>
+        </p:spPr>
+        <p:txBody>
+          <a:bodyPr wrap="square" rtlCol="0"/>
+          <a:lstStyle>
+            <a:lvl1pPr algn="l" indent="0" marL="0">
+              <a:buNone/>
+              <a:defRPr lang="en-US" sz="3200" b="1" dirty="0">
+                <a:latin typeface="Tenorite (Headings)" pitchFamily="34" charset="0"/>
+                <a:ea typeface="Tenorite (Headings)" pitchFamily="34" charset="-122"/>
+                <a:cs typeface="Tenorite (Headings)" pitchFamily="34" charset="-120"/>
+              </a:defRPr>
+            </a:lvl1pPr>
+          </a:lstStyle>
+          <a:p>
+            <a:pPr algn="l" indent="0" marL="0">
+              <a:buNone/>
+            </a:pPr>
+            <a:r>
+              <a:rPr lang="en-US" sz="3200" b="1" dirty="0">
+                <a:solidFill>
+                  <a:srgbClr val="000000"/>
+                </a:solidFill>
+                <a:latin typeface="Tenorite (Headings)" pitchFamily="34" charset="0"/>
+                <a:ea typeface="Tenorite (Headings)" pitchFamily="34" charset="-122"/>
+                <a:cs typeface="Tenorite (Headings)" pitchFamily="34" charset="-120"/>
+              </a:rPr>
+              <a:t>Title Placeholder</a:t>
+            </a:r>
+            <a:endParaRPr lang="en-US" sz="3200" dirty="0"/>
+          </a:p>
+        </p:txBody>
+      </p:sp>
+      <p:sp>
+        <p:nvSpPr>
+          <p:cNvPr id="3" name="Text 0"/>
+          <p:cNvSpPr/>
+          <p:nvPr>
+            <p:ph idx="101" type="body" hasCustomPrompt="1"/>
+          </p:nvPr>
+        </p:nvSpPr>
+        <p:spPr>
+          <a:xfrm>
+            <a:off x="914400" y="2020824"/>
+            <a:ext cx="4992624" cy="3749040"/>
+          </a:xfrm>
+          <a:prstGeom prst="rect">
+            <a:avLst/>
+          </a:prstGeom>
+          <a:noFill/>
+          <a:ln/>
+        </p:spPr>
+        <p:txBody>
+          <a:bodyPr wrap="square" rtlCol="0"/>
+          <a:lstStyle>
+            <a:lvl1pPr algn="l" indent="0" marL="0">
+              <a:buNone/>
+              <a:defRPr lang="en-US" sz="1600" dirty="0">
+                <a:latin typeface="Tenorite (Body)" pitchFamily="34" charset="0"/>
+                <a:ea typeface="Tenorite (Body)" pitchFamily="34" charset="-122"/>
+                <a:cs typeface="Tenorite (Body)" pitchFamily="34" charset="-120"/>
+              </a:defRPr>
+            </a:lvl1pPr>
+          </a:lstStyle>
+          <a:p>
+            <a:pPr algn="l" indent="0" marL="0">
+              <a:buNone/>
+            </a:pPr>
+            <a:endParaRPr lang="en-US" sz="1600" dirty="0"/>
+          </a:p>
+        </p:txBody>
+      </p:sp>
+      <p:sp>
+        <p:nvSpPr>
+          <p:cNvPr id="4" name="Text 0"/>
+          <p:cNvSpPr/>
+          <p:nvPr>
+            <p:ph idx="102" type="body" hasCustomPrompt="1"/>
+          </p:nvPr>
+        </p:nvSpPr>
+        <p:spPr>
+          <a:xfrm>
+            <a:off x="6281928" y="2020824"/>
+            <a:ext cx="4992624" cy="3749040"/>
+          </a:xfrm>
+          <a:prstGeom prst="rect">
+            <a:avLst/>
+          </a:prstGeom>
+          <a:noFill/>
+          <a:ln/>
+        </p:spPr>
+        <p:txBody>
+          <a:bodyPr wrap="square" rtlCol="0"/>
+          <a:lstStyle>
+            <a:lvl1pPr algn="l" indent="0" marL="0">
+              <a:buNone/>
+              <a:defRPr lang="en-US" sz="1600" dirty="0">
+                <a:latin typeface="Tenorite (Body)" pitchFamily="34" charset="0"/>
+                <a:ea typeface="Tenorite (Body)" pitchFamily="34" charset="-122"/>
+                <a:cs typeface="Tenorite (Body)" pitchFamily="34" charset="-120"/>
+              </a:defRPr>
+            </a:lvl1pPr>
+          </a:lstStyle>
+          <a:p>
+            <a:pPr algn="l" indent="0" marL="0">
+              <a:buNone/>
+            </a:pPr>
+            <a:endParaRPr lang="en-US" sz="1600" dirty="0"/>
+          </a:p>
+        </p:txBody>
+      </p:sp>
+      <p:sp>
+        <p:nvSpPr>
+          <p:cNvPr id="5" name="Text 0"/>
+          <p:cNvSpPr/>
+          <p:nvPr/>
+        </p:nvSpPr>
+        <p:spPr>
+          <a:xfrm>
+            <a:off x="9144000" y="3657600"/>
+            <a:ext cx="3017520" cy="5943600"/>
+          </a:xfrm>
+          <a:prstGeom prst="rect">
+            <a:avLst/>
+          </a:prstGeom>
+          <a:noFill/>
+          <a:ln/>
+        </p:spPr>
+        <p:txBody>
+          <a:bodyPr wrap="square" rtlCol="0" anchor="ctr"/>
+          <a:lstStyle/>
+          <a:p>
+            <a:pPr algn="r" indent="0" marL="0">
+              <a:buNone/>
+            </a:pPr>
+            <a:r>
+              <a:rPr lang="en-US" sz="1400" b="1" dirty="0">
+                <a:solidFill>
+                  <a:srgbClr val="F41C76"/>
+                </a:solidFill>
+                <a:latin typeface="Tenorite (Body)" pitchFamily="34" charset="0"/>
+                <a:ea typeface="Tenorite (Body)" pitchFamily="34" charset="-122"/>
+                <a:cs typeface="Tenorite (Body)" pitchFamily="34" charset="-120"/>
+              </a:rPr>
+              <a:t>Made with Ai Flavoured</a:t>
+            </a:r>
+            <a:endParaRPr lang="en-US" sz="1400" dirty="0"/>
+          </a:p>
+        </p:txBody>
+      </p:sp>
+      <p:sp>
+        <p:nvSpPr>
+          <p:cNvPr id="6" name="Text 1"/>
+          <p:cNvSpPr/>
+          <p:nvPr>
+            <p:ph idx="104" type="body" hasCustomPrompt="1"/>
+          </p:nvPr>
+        </p:nvSpPr>
+        <p:spPr>
+          <a:xfrm>
+            <a:off x="457200" y="6446520"/>
+            <a:ext cx="640080" cy="365760"/>
+          </a:xfrm>
+          <a:prstGeom prst="rect">
+            <a:avLst/>
+          </a:prstGeom>
+          <a:noFill/>
+          <a:ln/>
+        </p:spPr>
+        <p:txBody>
+          <a:bodyPr wrap="square" rtlCol="0"/>
+          <a:lstStyle>
+            <a:lvl1pPr algn="ctr" indent="0" marL="0">
+              <a:buNone/>
+              <a:defRPr lang="en-US" sz="1200" dirty="0">
+                <a:latin typeface="Tenorite (Body)" pitchFamily="34" charset="0"/>
+                <a:ea typeface="Tenorite (Body)" pitchFamily="34" charset="-122"/>
+                <a:cs typeface="Tenorite (Body)" pitchFamily="34" charset="-120"/>
+              </a:defRPr>
+            </a:lvl1pPr>
+          </a:lstStyle>
+          <a:p>
+            <a:pPr algn="ctr" indent="0" marL="0">
+              <a:buNone/>
+            </a:pPr>
+            <a:r>
+              <a:rPr lang="en-US" sz="1200" dirty="0">
+                <a:solidFill>
+                  <a:srgbClr val="000000"/>
+                </a:solidFill>
+                <a:latin typeface="Tenorite (Body)" pitchFamily="34" charset="0"/>
+                <a:ea typeface="Tenorite (Body)" pitchFamily="34" charset="-122"/>
+                <a:cs typeface="Tenorite (Body)" pitchFamily="34" charset="-120"/>
+              </a:rPr>
+              <a:t>SlideNumber Placeholder</a:t>
+            </a:r>
+            <a:endParaRPr lang="en-US" sz="1200" dirty="0"/>
+          </a:p>
+        </p:txBody>
+      </p:sp>
+    </p:spTree>
+  </p:cSld>
+  <p:clrMapOvr>
+    <a:masterClrMapping/>
+  </p:clrMapOvr>
+</p:sldLayout>
+</file>
+
+<file path=ppt/slideLayouts/slideLayout11.xml><?xml version="1.0" encoding="utf-8"?>
+<p:sldLayout xmlns:a="http://schemas.openxmlformats.org/drawingml/2006/main" xmlns:r="http://schemas.openxmlformats.org/officeDocument/2006/relationships" xmlns:p="http://schemas.openxmlformats.org/presentationml/2006/main" preserve="1">
   <p:cSld name="comparison">
     <p:spTree>
       <p:nvGrpSpPr>
@@ -1646,11 +2260,9 @@
       <p:sp>
         <p:nvSpPr>
           <p:cNvPr id="2" name="Text 0"/>
-          <p:cNvSpPr>
-            <a:spLocks noGrp="1"/>
-          </p:cNvSpPr>
-          <p:nvPr>
-            <p:ph type="title" idx="100" hasCustomPrompt="1"/>
+          <p:cNvSpPr/>
+          <p:nvPr>
+            <p:ph idx="100" type="title" hasCustomPrompt="1"/>
           </p:nvPr>
         </p:nvSpPr>
         <p:spPr>
@@ -1667,7 +2279,7 @@
         <p:txBody>
           <a:bodyPr wrap="square" rtlCol="0"/>
           <a:lstStyle>
-            <a:lvl1pPr marL="0" indent="0" algn="ctr">
+            <a:lvl1pPr algn="ctr" indent="0" marL="0">
               <a:buNone/>
               <a:defRPr lang="en-US" sz="3200" b="1" dirty="0">
                 <a:latin typeface="Tenorite (Headings)" pitchFamily="34" charset="0"/>
@@ -1677,7 +2289,7 @@
             </a:lvl1pPr>
           </a:lstStyle>
           <a:p>
-            <a:pPr marL="0" indent="0" algn="ctr">
+            <a:pPr algn="ctr" indent="0" marL="0">
               <a:buNone/>
             </a:pPr>
             <a:r>
@@ -1698,11 +2310,9 @@
       <p:sp>
         <p:nvSpPr>
           <p:cNvPr id="3" name="Text 0"/>
-          <p:cNvSpPr>
-            <a:spLocks noGrp="1"/>
-          </p:cNvSpPr>
-          <p:nvPr>
-            <p:ph type="body" idx="101" hasCustomPrompt="1"/>
+          <p:cNvSpPr/>
+          <p:nvPr>
+            <p:ph idx="101" type="body" hasCustomPrompt="1"/>
           </p:nvPr>
         </p:nvSpPr>
         <p:spPr>
@@ -1719,7 +2329,7 @@
         <p:txBody>
           <a:bodyPr wrap="square" rtlCol="0"/>
           <a:lstStyle>
-            <a:lvl1pPr marL="0" indent="0" algn="ctr">
+            <a:lvl1pPr algn="ctr" indent="0" marL="0">
               <a:buNone/>
               <a:defRPr lang="en-US" sz="2400" b="1" dirty="0">
                 <a:latin typeface="Tenorite (Body)" pitchFamily="34" charset="0"/>
@@ -1729,7 +2339,7 @@
             </a:lvl1pPr>
           </a:lstStyle>
           <a:p>
-            <a:pPr marL="0" indent="0" algn="ctr">
+            <a:pPr algn="ctr" indent="0" marL="0">
               <a:buNone/>
             </a:pPr>
             <a:r>
@@ -1750,11 +2360,9 @@
       <p:sp>
         <p:nvSpPr>
           <p:cNvPr id="4" name="Text 0"/>
-          <p:cNvSpPr>
-            <a:spLocks noGrp="1"/>
-          </p:cNvSpPr>
-          <p:nvPr>
-            <p:ph type="body" idx="102" hasCustomPrompt="1"/>
+          <p:cNvSpPr/>
+          <p:nvPr>
+            <p:ph idx="102" type="body" hasCustomPrompt="1"/>
           </p:nvPr>
         </p:nvSpPr>
         <p:spPr>
@@ -1771,7 +2379,7 @@
         <p:txBody>
           <a:bodyPr wrap="square" rtlCol="0"/>
           <a:lstStyle>
-            <a:lvl1pPr marL="0" indent="0" algn="ctr">
+            <a:lvl1pPr algn="ctr" indent="0" marL="0">
               <a:buNone/>
               <a:defRPr lang="en-US" sz="2400" b="1" dirty="0">
                 <a:latin typeface="Tenorite (Body)" pitchFamily="34" charset="0"/>
@@ -1781,7 +2389,7 @@
             </a:lvl1pPr>
           </a:lstStyle>
           <a:p>
-            <a:pPr marL="0" indent="0" algn="ctr">
+            <a:pPr algn="ctr" indent="0" marL="0">
               <a:buNone/>
             </a:pPr>
             <a:r>
@@ -1802,11 +2410,9 @@
       <p:sp>
         <p:nvSpPr>
           <p:cNvPr id="5" name="Text 0"/>
-          <p:cNvSpPr>
-            <a:spLocks noGrp="1"/>
-          </p:cNvSpPr>
-          <p:nvPr>
-            <p:ph type="body" idx="103" hasCustomPrompt="1"/>
+          <p:cNvSpPr/>
+          <p:nvPr>
+            <p:ph idx="103" type="body" hasCustomPrompt="1"/>
           </p:nvPr>
         </p:nvSpPr>
         <p:spPr>
@@ -1823,7 +2429,7 @@
         <p:txBody>
           <a:bodyPr wrap="square" rtlCol="0"/>
           <a:lstStyle>
-            <a:lvl1pPr marL="0" indent="0" algn="l">
+            <a:lvl1pPr algn="l" indent="0" marL="0">
               <a:buNone/>
               <a:defRPr lang="en-US" sz="1800" dirty="0">
                 <a:latin typeface="Tenorite (Body)" pitchFamily="34" charset="0"/>
@@ -1833,7 +2439,7 @@
             </a:lvl1pPr>
           </a:lstStyle>
           <a:p>
-            <a:pPr marL="0" indent="0" algn="l">
+            <a:pPr algn="l" indent="0" marL="0">
               <a:buNone/>
             </a:pPr>
             <a:r>
@@ -1854,11 +2460,9 @@
       <p:sp>
         <p:nvSpPr>
           <p:cNvPr id="6" name="Text 0"/>
-          <p:cNvSpPr>
-            <a:spLocks noGrp="1"/>
-          </p:cNvSpPr>
-          <p:nvPr>
-            <p:ph type="body" idx="104" hasCustomPrompt="1"/>
+          <p:cNvSpPr/>
+          <p:nvPr>
+            <p:ph idx="104" type="body" hasCustomPrompt="1"/>
           </p:nvPr>
         </p:nvSpPr>
         <p:spPr>
@@ -1875,7 +2479,7 @@
         <p:txBody>
           <a:bodyPr wrap="square" rtlCol="0"/>
           <a:lstStyle>
-            <a:lvl1pPr marL="0" indent="0" algn="l">
+            <a:lvl1pPr algn="l" indent="0" marL="0">
               <a:buNone/>
               <a:defRPr lang="en-US" sz="1800" dirty="0">
                 <a:latin typeface="Tenorite (Body)" pitchFamily="34" charset="0"/>
@@ -1885,7 +2489,7 @@
             </a:lvl1pPr>
           </a:lstStyle>
           <a:p>
-            <a:pPr marL="0" indent="0" algn="l">
+            <a:pPr algn="l" indent="0" marL="0">
               <a:buNone/>
             </a:pPr>
             <a:r>
@@ -1924,9 +2528,20 @@
           <a:bodyPr wrap="square" rtlCol="0" anchor="ctr"/>
           <a:lstStyle/>
           <a:p>
-            <a:pPr marL="0" indent="0" algn="r">
-              <a:buNone/>
-            </a:pPr>
+            <a:pPr algn="r" indent="0" marL="0">
+              <a:buNone/>
+            </a:pPr>
+            <a:r>
+              <a:rPr lang="en-US" sz="1400" b="1" dirty="0">
+                <a:solidFill>
+                  <a:srgbClr val="F41C76"/>
+                </a:solidFill>
+                <a:latin typeface="Tenorite (Body)" pitchFamily="34" charset="0"/>
+                <a:ea typeface="Tenorite (Body)" pitchFamily="34" charset="-122"/>
+                <a:cs typeface="Tenorite (Body)" pitchFamily="34" charset="-120"/>
+              </a:rPr>
+              <a:t>Made with Ai Flavoured</a:t>
+            </a:r>
             <a:endParaRPr lang="en-US" sz="1400" dirty="0"/>
           </a:p>
         </p:txBody>
@@ -1934,11 +2549,9 @@
       <p:sp>
         <p:nvSpPr>
           <p:cNvPr id="8" name="Text 1"/>
-          <p:cNvSpPr>
-            <a:spLocks noGrp="1"/>
-          </p:cNvSpPr>
-          <p:nvPr>
-            <p:ph type="body" idx="106" hasCustomPrompt="1"/>
+          <p:cNvSpPr/>
+          <p:nvPr>
+            <p:ph idx="106" type="body" hasCustomPrompt="1"/>
           </p:nvPr>
         </p:nvSpPr>
         <p:spPr>
@@ -1955,7 +2568,7 @@
         <p:txBody>
           <a:bodyPr wrap="square" rtlCol="0"/>
           <a:lstStyle>
-            <a:lvl1pPr marL="0" indent="0" algn="ctr">
+            <a:lvl1pPr algn="ctr" indent="0" marL="0">
               <a:buNone/>
               <a:defRPr lang="en-US" sz="1200" dirty="0">
                 <a:latin typeface="Tenorite (Body)" pitchFamily="34" charset="0"/>
@@ -1965,7 +2578,7 @@
             </a:lvl1pPr>
           </a:lstStyle>
           <a:p>
-            <a:pPr marL="0" indent="0" algn="ctr">
+            <a:pPr algn="ctr" indent="0" marL="0">
               <a:buNone/>
             </a:pPr>
             <a:r>
@@ -1991,7 +2604,7 @@
 </p:sldLayout>
 </file>
 
-<file path=ppt/slideLayouts/slideLayout11.xml><?xml version="1.0" encoding="utf-8"?>
+<file path=ppt/slideLayouts/slideLayout12.xml><?xml version="1.0" encoding="utf-8"?>
 <p:sldLayout xmlns:a="http://schemas.openxmlformats.org/drawingml/2006/main" xmlns:r="http://schemas.openxmlformats.org/officeDocument/2006/relationships" xmlns:p="http://schemas.openxmlformats.org/presentationml/2006/main" preserve="1">
   <p:cSld name="team">
     <p:spTree>
@@ -2011,11 +2624,9 @@
       <p:sp>
         <p:nvSpPr>
           <p:cNvPr id="2" name="Text 0"/>
-          <p:cNvSpPr>
-            <a:spLocks noGrp="1"/>
-          </p:cNvSpPr>
-          <p:nvPr>
-            <p:ph type="title" idx="100" hasCustomPrompt="1"/>
+          <p:cNvSpPr/>
+          <p:nvPr>
+            <p:ph idx="100" type="title" hasCustomPrompt="1"/>
           </p:nvPr>
         </p:nvSpPr>
         <p:spPr>
@@ -2032,7 +2643,7 @@
         <p:txBody>
           <a:bodyPr wrap="square" rtlCol="0"/>
           <a:lstStyle>
-            <a:lvl1pPr marL="0" indent="0" algn="ctr">
+            <a:lvl1pPr algn="ctr" indent="0" marL="0">
               <a:buNone/>
               <a:defRPr lang="en-US" sz="3600" b="1" dirty="0">
                 <a:latin typeface="Tenorite (Headings)" pitchFamily="34" charset="0"/>
@@ -2042,7 +2653,7 @@
             </a:lvl1pPr>
           </a:lstStyle>
           <a:p>
-            <a:pPr marL="0" indent="0" algn="ctr">
+            <a:pPr algn="ctr" indent="0" marL="0">
               <a:buNone/>
             </a:pPr>
             <a:r>
@@ -2063,11 +2674,9 @@
       <p:sp>
         <p:nvSpPr>
           <p:cNvPr id="3" name="Text 0"/>
-          <p:cNvSpPr>
-            <a:spLocks noGrp="1"/>
-          </p:cNvSpPr>
-          <p:nvPr>
-            <p:ph type="body" idx="101" hasCustomPrompt="1"/>
+          <p:cNvSpPr/>
+          <p:nvPr>
+            <p:ph idx="101" type="body" hasCustomPrompt="1"/>
           </p:nvPr>
         </p:nvSpPr>
         <p:spPr>
@@ -2084,7 +2693,7 @@
         <p:txBody>
           <a:bodyPr wrap="square" rtlCol="0"/>
           <a:lstStyle>
-            <a:lvl1pPr marL="0" indent="0" algn="ctr">
+            <a:lvl1pPr algn="ctr" indent="0" marL="0">
               <a:buNone/>
               <a:defRPr lang="en-US" sz="2000" dirty="0">
                 <a:latin typeface="Tenorite (Headings)" pitchFamily="34" charset="0"/>
@@ -2094,7 +2703,7 @@
             </a:lvl1pPr>
           </a:lstStyle>
           <a:p>
-            <a:pPr marL="0" indent="0" algn="ctr">
+            <a:pPr algn="ctr" indent="0" marL="0">
               <a:buNone/>
             </a:pPr>
             <a:endParaRPr lang="en-US" sz="2000" dirty="0"/>
@@ -2104,9 +2713,7 @@
       <p:sp>
         <p:nvSpPr>
           <p:cNvPr id="4" name="Text 0"/>
-          <p:cNvSpPr>
-            <a:spLocks noGrp="1"/>
-          </p:cNvSpPr>
+          <p:cNvSpPr/>
           <p:nvPr>
             <p:ph idx="102" hasCustomPrompt="1"/>
           </p:nvPr>
@@ -2125,13 +2732,13 @@
         <p:txBody>
           <a:bodyPr wrap="square" rtlCol="0"/>
           <a:lstStyle>
-            <a:lvl1pPr marL="0" indent="0">
+            <a:lvl1pPr indent="0" marL="0">
               <a:buNone/>
               <a:defRPr lang="en-US" dirty="0"/>
             </a:lvl1pPr>
           </a:lstStyle>
           <a:p>
-            <a:pPr marL="0" indent="0">
+            <a:pPr indent="0" marL="0">
               <a:buNone/>
             </a:pPr>
             <a:r>
@@ -2149,11 +2756,9 @@
       <p:sp>
         <p:nvSpPr>
           <p:cNvPr id="5" name="Text 0"/>
-          <p:cNvSpPr>
-            <a:spLocks noGrp="1"/>
-          </p:cNvSpPr>
-          <p:nvPr>
-            <p:ph type="body" idx="103" hasCustomPrompt="1"/>
+          <p:cNvSpPr/>
+          <p:nvPr>
+            <p:ph idx="103" type="body" hasCustomPrompt="1"/>
           </p:nvPr>
         </p:nvSpPr>
         <p:spPr>
@@ -2170,7 +2775,7 @@
         <p:txBody>
           <a:bodyPr wrap="square" rtlCol="0"/>
           <a:lstStyle>
-            <a:lvl1pPr marL="0" indent="0" algn="ctr">
+            <a:lvl1pPr algn="ctr" indent="0" marL="0">
               <a:buNone/>
               <a:defRPr lang="en-US" sz="2000" dirty="0">
                 <a:latin typeface="Tenorite (Headings)" pitchFamily="34" charset="0"/>
@@ -2180,7 +2785,7 @@
             </a:lvl1pPr>
           </a:lstStyle>
           <a:p>
-            <a:pPr marL="0" indent="0" algn="ctr">
+            <a:pPr algn="ctr" indent="0" marL="0">
               <a:buNone/>
             </a:pPr>
             <a:endParaRPr lang="en-US" sz="2000" dirty="0"/>
@@ -2190,9 +2795,7 @@
       <p:sp>
         <p:nvSpPr>
           <p:cNvPr id="6" name="Text 0"/>
-          <p:cNvSpPr>
-            <a:spLocks noGrp="1"/>
-          </p:cNvSpPr>
+          <p:cNvSpPr/>
           <p:nvPr>
             <p:ph idx="104" hasCustomPrompt="1"/>
           </p:nvPr>
@@ -2211,13 +2814,13 @@
         <p:txBody>
           <a:bodyPr wrap="square" rtlCol="0"/>
           <a:lstStyle>
-            <a:lvl1pPr marL="0" indent="0">
+            <a:lvl1pPr indent="0" marL="0">
               <a:buNone/>
               <a:defRPr lang="en-US" dirty="0"/>
             </a:lvl1pPr>
           </a:lstStyle>
           <a:p>
-            <a:pPr marL="0" indent="0">
+            <a:pPr indent="0" marL="0">
               <a:buNone/>
             </a:pPr>
             <a:r>
@@ -2235,11 +2838,9 @@
       <p:sp>
         <p:nvSpPr>
           <p:cNvPr id="7" name="Text 0"/>
-          <p:cNvSpPr>
-            <a:spLocks noGrp="1"/>
-          </p:cNvSpPr>
-          <p:nvPr>
-            <p:ph type="body" idx="105" hasCustomPrompt="1"/>
+          <p:cNvSpPr/>
+          <p:nvPr>
+            <p:ph idx="105" type="body" hasCustomPrompt="1"/>
           </p:nvPr>
         </p:nvSpPr>
         <p:spPr>
@@ -2256,7 +2857,7 @@
         <p:txBody>
           <a:bodyPr wrap="square" rtlCol="0"/>
           <a:lstStyle>
-            <a:lvl1pPr marL="0" indent="0" algn="ctr">
+            <a:lvl1pPr algn="ctr" indent="0" marL="0">
               <a:buNone/>
               <a:defRPr lang="en-US" sz="2000" dirty="0">
                 <a:latin typeface="Tenorite (Headings)" pitchFamily="34" charset="0"/>
@@ -2266,7 +2867,7 @@
             </a:lvl1pPr>
           </a:lstStyle>
           <a:p>
-            <a:pPr marL="0" indent="0" algn="ctr">
+            <a:pPr algn="ctr" indent="0" marL="0">
               <a:buNone/>
             </a:pPr>
             <a:endParaRPr lang="en-US" sz="2000" dirty="0"/>
@@ -2276,9 +2877,7 @@
       <p:sp>
         <p:nvSpPr>
           <p:cNvPr id="8" name="Text 0"/>
-          <p:cNvSpPr>
-            <a:spLocks noGrp="1"/>
-          </p:cNvSpPr>
+          <p:cNvSpPr/>
           <p:nvPr>
             <p:ph idx="106" hasCustomPrompt="1"/>
           </p:nvPr>
@@ -2297,13 +2896,13 @@
         <p:txBody>
           <a:bodyPr wrap="square" rtlCol="0"/>
           <a:lstStyle>
-            <a:lvl1pPr marL="0" indent="0">
+            <a:lvl1pPr indent="0" marL="0">
               <a:buNone/>
               <a:defRPr lang="en-US" dirty="0"/>
             </a:lvl1pPr>
           </a:lstStyle>
           <a:p>
-            <a:pPr marL="0" indent="0">
+            <a:pPr indent="0" marL="0">
               <a:buNone/>
             </a:pPr>
             <a:r>
@@ -2339,9 +2938,20 @@
           <a:bodyPr wrap="square" rtlCol="0" anchor="ctr"/>
           <a:lstStyle/>
           <a:p>
-            <a:pPr marL="0" indent="0" algn="r">
-              <a:buNone/>
-            </a:pPr>
+            <a:pPr algn="r" indent="0" marL="0">
+              <a:buNone/>
+            </a:pPr>
+            <a:r>
+              <a:rPr lang="en-US" sz="1400" b="1" dirty="0">
+                <a:solidFill>
+                  <a:srgbClr val="F41C76"/>
+                </a:solidFill>
+                <a:latin typeface="Tenorite (Body)" pitchFamily="34" charset="0"/>
+                <a:ea typeface="Tenorite (Body)" pitchFamily="34" charset="-122"/>
+                <a:cs typeface="Tenorite (Body)" pitchFamily="34" charset="-120"/>
+              </a:rPr>
+              <a:t>Made with Ai Flavoured</a:t>
+            </a:r>
             <a:endParaRPr lang="en-US" sz="1400" dirty="0"/>
           </a:p>
         </p:txBody>
@@ -2349,11 +2959,9 @@
       <p:sp>
         <p:nvSpPr>
           <p:cNvPr id="10" name="Text 1"/>
-          <p:cNvSpPr>
-            <a:spLocks noGrp="1"/>
-          </p:cNvSpPr>
-          <p:nvPr>
-            <p:ph type="body" idx="108" hasCustomPrompt="1"/>
+          <p:cNvSpPr/>
+          <p:nvPr>
+            <p:ph idx="108" type="body" hasCustomPrompt="1"/>
           </p:nvPr>
         </p:nvSpPr>
         <p:spPr>
@@ -2370,7 +2978,7 @@
         <p:txBody>
           <a:bodyPr wrap="square" rtlCol="0"/>
           <a:lstStyle>
-            <a:lvl1pPr marL="0" indent="0" algn="ctr">
+            <a:lvl1pPr algn="ctr" indent="0" marL="0">
               <a:buNone/>
               <a:defRPr lang="en-US" sz="1200" dirty="0">
                 <a:latin typeface="Tenorite (Body)" pitchFamily="34" charset="0"/>
@@ -2380,268 +2988,7 @@
             </a:lvl1pPr>
           </a:lstStyle>
           <a:p>
-            <a:pPr marL="0" indent="0" algn="ctr">
-              <a:buNone/>
-            </a:pPr>
-            <a:r>
-              <a:rPr lang="en-US" sz="1200" dirty="0">
-                <a:solidFill>
-                  <a:srgbClr val="000000"/>
-                </a:solidFill>
-                <a:latin typeface="Tenorite (Body)" pitchFamily="34" charset="0"/>
-                <a:ea typeface="Tenorite (Body)" pitchFamily="34" charset="-122"/>
-                <a:cs typeface="Tenorite (Body)" pitchFamily="34" charset="-120"/>
-              </a:rPr>
-              <a:t>SlideNumber Placeholder</a:t>
-            </a:r>
-            <a:endParaRPr lang="en-US" sz="1200" dirty="0"/>
-          </a:p>
-        </p:txBody>
-      </p:sp>
-    </p:spTree>
-  </p:cSld>
-  <p:clrMapOvr>
-    <a:masterClrMapping/>
-  </p:clrMapOvr>
-</p:sldLayout>
-</file>
-
-<file path=ppt/slideLayouts/slideLayout12.xml><?xml version="1.0" encoding="utf-8"?>
-<p:sldLayout xmlns:a="http://schemas.openxmlformats.org/drawingml/2006/main" xmlns:r="http://schemas.openxmlformats.org/officeDocument/2006/relationships" xmlns:p="http://schemas.openxmlformats.org/presentationml/2006/main" preserve="1">
-  <p:cSld name="contentWithCaption">
-    <p:spTree>
-      <p:nvGrpSpPr>
-        <p:cNvPr id="1" name=""/>
-        <p:cNvGrpSpPr/>
-        <p:nvPr/>
-      </p:nvGrpSpPr>
-      <p:grpSpPr>
-        <a:xfrm>
-          <a:off x="0" y="0"/>
-          <a:ext cx="0" cy="0"/>
-          <a:chOff x="0" y="0"/>
-          <a:chExt cx="0" cy="0"/>
-        </a:xfrm>
-      </p:grpSpPr>
-      <p:sp>
-        <p:nvSpPr>
-          <p:cNvPr id="2" name="Text 0"/>
-          <p:cNvSpPr>
-            <a:spLocks noGrp="1"/>
-          </p:cNvSpPr>
-          <p:nvPr>
-            <p:ph type="title" idx="100" hasCustomPrompt="1"/>
-          </p:nvPr>
-        </p:nvSpPr>
-        <p:spPr>
-          <a:xfrm>
-            <a:off x="914400" y="365760"/>
-            <a:ext cx="10442448" cy="1618488"/>
-          </a:xfrm>
-          <a:prstGeom prst="rect">
-            <a:avLst/>
-          </a:prstGeom>
-          <a:noFill/>
-          <a:ln/>
-        </p:spPr>
-        <p:txBody>
-          <a:bodyPr wrap="square" rtlCol="0"/>
-          <a:lstStyle>
-            <a:lvl1pPr marL="0" indent="0" algn="l">
-              <a:buNone/>
-              <a:defRPr lang="en-US" sz="2800" b="1" dirty="0">
-                <a:latin typeface="Tenorite (Headings)" pitchFamily="34" charset="0"/>
-                <a:ea typeface="Tenorite (Headings)" pitchFamily="34" charset="-122"/>
-                <a:cs typeface="Tenorite (Headings)" pitchFamily="34" charset="-120"/>
-              </a:defRPr>
-            </a:lvl1pPr>
-          </a:lstStyle>
-          <a:p>
-            <a:pPr marL="0" indent="0" algn="l">
-              <a:buNone/>
-            </a:pPr>
-            <a:r>
-              <a:rPr lang="en-US" sz="2800" b="1" dirty="0">
-                <a:solidFill>
-                  <a:srgbClr val="000000"/>
-                </a:solidFill>
-                <a:latin typeface="Tenorite (Headings)" pitchFamily="34" charset="0"/>
-                <a:ea typeface="Tenorite (Headings)" pitchFamily="34" charset="-122"/>
-                <a:cs typeface="Tenorite (Headings)" pitchFamily="34" charset="-120"/>
-              </a:rPr>
-              <a:t>Title Placeholder</a:t>
-            </a:r>
-            <a:endParaRPr lang="en-US" sz="2800" dirty="0"/>
-          </a:p>
-        </p:txBody>
-      </p:sp>
-      <p:sp>
-        <p:nvSpPr>
-          <p:cNvPr id="3" name="Text 0"/>
-          <p:cNvSpPr>
-            <a:spLocks noGrp="1"/>
-          </p:cNvSpPr>
-          <p:nvPr>
-            <p:ph type="body" idx="101" hasCustomPrompt="1"/>
-          </p:nvPr>
-        </p:nvSpPr>
-        <p:spPr>
-          <a:xfrm>
-            <a:off x="4599432" y="2020824"/>
-            <a:ext cx="6748272" cy="3749040"/>
-          </a:xfrm>
-          <a:prstGeom prst="rect">
-            <a:avLst/>
-          </a:prstGeom>
-          <a:noFill/>
-          <a:ln/>
-        </p:spPr>
-        <p:txBody>
-          <a:bodyPr wrap="square" rtlCol="0"/>
-          <a:lstStyle>
-            <a:lvl1pPr marL="0" indent="0" algn="l">
-              <a:buNone/>
-              <a:defRPr lang="en-US" sz="1800" dirty="0">
-                <a:latin typeface="Tenorite (Body)" pitchFamily="34" charset="0"/>
-                <a:ea typeface="Tenorite (Body)" pitchFamily="34" charset="-122"/>
-                <a:cs typeface="Tenorite (Body)" pitchFamily="34" charset="-120"/>
-              </a:defRPr>
-            </a:lvl1pPr>
-          </a:lstStyle>
-          <a:p>
-            <a:pPr marL="0" indent="0" algn="l">
-              <a:buNone/>
-            </a:pPr>
-            <a:r>
-              <a:rPr lang="en-US" sz="1800" dirty="0">
-                <a:solidFill>
-                  <a:srgbClr val="000000"/>
-                </a:solidFill>
-                <a:latin typeface="Tenorite (Body)" pitchFamily="34" charset="0"/>
-                <a:ea typeface="Tenorite (Body)" pitchFamily="34" charset="-122"/>
-                <a:cs typeface="Tenorite (Body)" pitchFamily="34" charset="-120"/>
-              </a:rPr>
-              <a:t>Content Placeholder</a:t>
-            </a:r>
-            <a:endParaRPr lang="en-US" sz="1800" dirty="0"/>
-          </a:p>
-        </p:txBody>
-      </p:sp>
-      <p:sp>
-        <p:nvSpPr>
-          <p:cNvPr id="4" name="Text 0"/>
-          <p:cNvSpPr>
-            <a:spLocks noGrp="1"/>
-          </p:cNvSpPr>
-          <p:nvPr>
-            <p:ph type="body" idx="102" hasCustomPrompt="1"/>
-          </p:nvPr>
-        </p:nvSpPr>
-        <p:spPr>
-          <a:xfrm>
-            <a:off x="914400" y="2020824"/>
-            <a:ext cx="3310128" cy="3749040"/>
-          </a:xfrm>
-          <a:prstGeom prst="rect">
-            <a:avLst/>
-          </a:prstGeom>
-          <a:noFill/>
-          <a:ln/>
-        </p:spPr>
-        <p:txBody>
-          <a:bodyPr wrap="square" rtlCol="0"/>
-          <a:lstStyle>
-            <a:lvl1pPr marL="0" indent="0" algn="l">
-              <a:buNone/>
-              <a:defRPr lang="en-US" sz="1600" b="1" dirty="0">
-                <a:latin typeface="Tenorite (Body)" pitchFamily="34" charset="0"/>
-                <a:ea typeface="Tenorite (Body)" pitchFamily="34" charset="-122"/>
-                <a:cs typeface="Tenorite (Body)" pitchFamily="34" charset="-120"/>
-              </a:defRPr>
-            </a:lvl1pPr>
-          </a:lstStyle>
-          <a:p>
-            <a:pPr marL="0" indent="0" algn="l">
-              <a:buNone/>
-            </a:pPr>
-            <a:r>
-              <a:rPr lang="en-US" sz="1600" b="1" dirty="0">
-                <a:solidFill>
-                  <a:srgbClr val="000000"/>
-                </a:solidFill>
-                <a:latin typeface="Tenorite (Body)" pitchFamily="34" charset="0"/>
-                <a:ea typeface="Tenorite (Body)" pitchFamily="34" charset="-122"/>
-                <a:cs typeface="Tenorite (Body)" pitchFamily="34" charset="-120"/>
-              </a:rPr>
-              <a:t>Caption Placeholder</a:t>
-            </a:r>
-            <a:endParaRPr lang="en-US" sz="1600" dirty="0"/>
-          </a:p>
-        </p:txBody>
-      </p:sp>
-      <p:sp>
-        <p:nvSpPr>
-          <p:cNvPr id="5" name="Text 0"/>
-          <p:cNvSpPr/>
-          <p:nvPr/>
-        </p:nvSpPr>
-        <p:spPr>
-          <a:xfrm>
-            <a:off x="9144000" y="3657600"/>
-            <a:ext cx="3017520" cy="5943600"/>
-          </a:xfrm>
-          <a:prstGeom prst="rect">
-            <a:avLst/>
-          </a:prstGeom>
-          <a:noFill/>
-          <a:ln/>
-        </p:spPr>
-        <p:txBody>
-          <a:bodyPr wrap="square" rtlCol="0" anchor="ctr"/>
-          <a:lstStyle/>
-          <a:p>
-            <a:pPr marL="0" indent="0" algn="r">
-              <a:buNone/>
-            </a:pPr>
-            <a:endParaRPr lang="en-US" sz="1400" dirty="0"/>
-          </a:p>
-        </p:txBody>
-      </p:sp>
-      <p:sp>
-        <p:nvSpPr>
-          <p:cNvPr id="6" name="Text 1"/>
-          <p:cNvSpPr>
-            <a:spLocks noGrp="1"/>
-          </p:cNvSpPr>
-          <p:nvPr>
-            <p:ph type="body" idx="104" hasCustomPrompt="1"/>
-          </p:nvPr>
-        </p:nvSpPr>
-        <p:spPr>
-          <a:xfrm>
-            <a:off x="457200" y="6446520"/>
-            <a:ext cx="640080" cy="365760"/>
-          </a:xfrm>
-          <a:prstGeom prst="rect">
-            <a:avLst/>
-          </a:prstGeom>
-          <a:noFill/>
-          <a:ln/>
-        </p:spPr>
-        <p:txBody>
-          <a:bodyPr wrap="square" rtlCol="0"/>
-          <a:lstStyle>
-            <a:lvl1pPr marL="0" indent="0" algn="ctr">
-              <a:buNone/>
-              <a:defRPr lang="en-US" sz="1200" dirty="0">
-                <a:latin typeface="Tenorite (Body)" pitchFamily="34" charset="0"/>
-                <a:ea typeface="Tenorite (Body)" pitchFamily="34" charset="-122"/>
-                <a:cs typeface="Tenorite (Body)" pitchFamily="34" charset="-120"/>
-              </a:defRPr>
-            </a:lvl1pPr>
-          </a:lstStyle>
-          <a:p>
-            <a:pPr marL="0" indent="0" algn="ctr">
+            <a:pPr algn="ctr" indent="0" marL="0">
               <a:buNone/>
             </a:pPr>
             <a:r>
@@ -2687,11 +3034,9 @@
       <p:sp>
         <p:nvSpPr>
           <p:cNvPr id="2" name="Text 0"/>
-          <p:cNvSpPr>
-            <a:spLocks noGrp="1"/>
-          </p:cNvSpPr>
-          <p:nvPr>
-            <p:ph type="title" idx="100" hasCustomPrompt="1"/>
+          <p:cNvSpPr/>
+          <p:nvPr>
+            <p:ph idx="100" type="title" hasCustomPrompt="1"/>
           </p:nvPr>
         </p:nvSpPr>
         <p:spPr>
@@ -2708,7 +3053,7 @@
         <p:txBody>
           <a:bodyPr wrap="square" rtlCol="0"/>
           <a:lstStyle>
-            <a:lvl1pPr marL="0" indent="0" algn="l">
+            <a:lvl1pPr algn="l" indent="0" marL="0">
               <a:buNone/>
               <a:defRPr lang="en-US" sz="2800" b="1" dirty="0">
                 <a:latin typeface="Tenorite (Headings)" pitchFamily="34" charset="0"/>
@@ -2718,7 +3063,7 @@
             </a:lvl1pPr>
           </a:lstStyle>
           <a:p>
-            <a:pPr marL="0" indent="0" algn="l">
+            <a:pPr algn="l" indent="0" marL="0">
               <a:buNone/>
             </a:pPr>
             <a:r>
@@ -2739,11 +3084,9 @@
       <p:sp>
         <p:nvSpPr>
           <p:cNvPr id="3" name="Text 0"/>
-          <p:cNvSpPr>
-            <a:spLocks noGrp="1"/>
-          </p:cNvSpPr>
-          <p:nvPr>
-            <p:ph type="body" idx="101" hasCustomPrompt="1"/>
+          <p:cNvSpPr/>
+          <p:nvPr>
+            <p:ph idx="101" type="body" hasCustomPrompt="1"/>
           </p:nvPr>
         </p:nvSpPr>
         <p:spPr>
@@ -2760,7 +3103,7 @@
         <p:txBody>
           <a:bodyPr wrap="square" rtlCol="0"/>
           <a:lstStyle>
-            <a:lvl1pPr marL="0" indent="0" algn="l">
+            <a:lvl1pPr algn="l" indent="0" marL="0">
               <a:buNone/>
               <a:defRPr lang="en-US" sz="1800" dirty="0">
                 <a:latin typeface="Tenorite (Body)" pitchFamily="34" charset="0"/>
@@ -2770,7 +3113,7 @@
             </a:lvl1pPr>
           </a:lstStyle>
           <a:p>
-            <a:pPr marL="0" indent="0" algn="l">
+            <a:pPr algn="l" indent="0" marL="0">
               <a:buNone/>
             </a:pPr>
             <a:r>
@@ -2791,11 +3134,9 @@
       <p:sp>
         <p:nvSpPr>
           <p:cNvPr id="4" name="Text 0"/>
-          <p:cNvSpPr>
-            <a:spLocks noGrp="1"/>
-          </p:cNvSpPr>
-          <p:nvPr>
-            <p:ph type="body" idx="102" hasCustomPrompt="1"/>
+          <p:cNvSpPr/>
+          <p:nvPr>
+            <p:ph idx="102" type="body" hasCustomPrompt="1"/>
           </p:nvPr>
         </p:nvSpPr>
         <p:spPr>
@@ -2812,7 +3153,7 @@
         <p:txBody>
           <a:bodyPr wrap="square" rtlCol="0"/>
           <a:lstStyle>
-            <a:lvl1pPr marL="0" indent="0" algn="l">
+            <a:lvl1pPr algn="l" indent="0" marL="0">
               <a:buNone/>
               <a:defRPr lang="en-US" sz="1600" b="1" dirty="0">
                 <a:latin typeface="Tenorite (Body)" pitchFamily="34" charset="0"/>
@@ -2822,7 +3163,7 @@
             </a:lvl1pPr>
           </a:lstStyle>
           <a:p>
-            <a:pPr marL="0" indent="0" algn="l">
+            <a:pPr algn="l" indent="0" marL="0">
               <a:buNone/>
             </a:pPr>
             <a:r>
@@ -2861,9 +3202,20 @@
           <a:bodyPr wrap="square" rtlCol="0" anchor="ctr"/>
           <a:lstStyle/>
           <a:p>
-            <a:pPr marL="0" indent="0" algn="r">
-              <a:buNone/>
-            </a:pPr>
+            <a:pPr algn="r" indent="0" marL="0">
+              <a:buNone/>
+            </a:pPr>
+            <a:r>
+              <a:rPr lang="en-US" sz="1400" b="1" dirty="0">
+                <a:solidFill>
+                  <a:srgbClr val="F41C76"/>
+                </a:solidFill>
+                <a:latin typeface="Tenorite (Body)" pitchFamily="34" charset="0"/>
+                <a:ea typeface="Tenorite (Body)" pitchFamily="34" charset="-122"/>
+                <a:cs typeface="Tenorite (Body)" pitchFamily="34" charset="-120"/>
+              </a:rPr>
+              <a:t>Made with Ai Flavoured</a:t>
+            </a:r>
             <a:endParaRPr lang="en-US" sz="1400" dirty="0"/>
           </a:p>
         </p:txBody>
@@ -2871,11 +3223,9 @@
       <p:sp>
         <p:nvSpPr>
           <p:cNvPr id="6" name="Text 1"/>
-          <p:cNvSpPr>
-            <a:spLocks noGrp="1"/>
-          </p:cNvSpPr>
-          <p:nvPr>
-            <p:ph type="body" idx="104" hasCustomPrompt="1"/>
+          <p:cNvSpPr/>
+          <p:nvPr>
+            <p:ph idx="104" type="body" hasCustomPrompt="1"/>
           </p:nvPr>
         </p:nvSpPr>
         <p:spPr>
@@ -2892,7 +3242,7 @@
         <p:txBody>
           <a:bodyPr wrap="square" rtlCol="0"/>
           <a:lstStyle>
-            <a:lvl1pPr marL="0" indent="0" algn="ctr">
+            <a:lvl1pPr algn="ctr" indent="0" marL="0">
               <a:buNone/>
               <a:defRPr lang="en-US" sz="1200" dirty="0">
                 <a:latin typeface="Tenorite (Body)" pitchFamily="34" charset="0"/>
@@ -2902,7 +3252,7 @@
             </a:lvl1pPr>
           </a:lstStyle>
           <a:p>
-            <a:pPr marL="0" indent="0" algn="ctr">
+            <a:pPr algn="ctr" indent="0" marL="0">
               <a:buNone/>
             </a:pPr>
             <a:r>
@@ -2948,11 +3298,9 @@
       <p:sp>
         <p:nvSpPr>
           <p:cNvPr id="2" name="Text 0"/>
-          <p:cNvSpPr>
-            <a:spLocks noGrp="1"/>
-          </p:cNvSpPr>
-          <p:nvPr>
-            <p:ph type="title" idx="100" hasCustomPrompt="1"/>
+          <p:cNvSpPr/>
+          <p:nvPr>
+            <p:ph idx="100" type="title" hasCustomPrompt="1"/>
           </p:nvPr>
         </p:nvSpPr>
         <p:spPr>
@@ -2969,7 +3317,7 @@
         <p:txBody>
           <a:bodyPr wrap="square" rtlCol="0"/>
           <a:lstStyle>
-            <a:lvl1pPr marL="0" indent="0" algn="l">
+            <a:lvl1pPr algn="l" indent="0" marL="0">
               <a:buNone/>
               <a:defRPr lang="en-US" sz="2800" b="1" dirty="0">
                 <a:latin typeface="Tenorite (Headings)" pitchFamily="34" charset="0"/>
@@ -2979,7 +3327,7 @@
             </a:lvl1pPr>
           </a:lstStyle>
           <a:p>
-            <a:pPr marL="0" indent="0" algn="l">
+            <a:pPr algn="l" indent="0" marL="0">
               <a:buNone/>
             </a:pPr>
             <a:r>
@@ -3000,11 +3348,9 @@
       <p:sp>
         <p:nvSpPr>
           <p:cNvPr id="3" name="Text 0"/>
-          <p:cNvSpPr>
-            <a:spLocks noGrp="1"/>
-          </p:cNvSpPr>
-          <p:nvPr>
-            <p:ph type="body" idx="101" hasCustomPrompt="1"/>
+          <p:cNvSpPr/>
+          <p:nvPr>
+            <p:ph idx="101" type="body" hasCustomPrompt="1"/>
           </p:nvPr>
         </p:nvSpPr>
         <p:spPr>
@@ -3021,7 +3367,7 @@
         <p:txBody>
           <a:bodyPr wrap="square" rtlCol="0"/>
           <a:lstStyle>
-            <a:lvl1pPr marL="0" indent="0" algn="l">
+            <a:lvl1pPr algn="l" indent="0" marL="0">
               <a:buNone/>
               <a:defRPr lang="en-US" sz="1800" dirty="0">
                 <a:latin typeface="Tenorite (Body)" pitchFamily="34" charset="0"/>
@@ -3031,7 +3377,7 @@
             </a:lvl1pPr>
           </a:lstStyle>
           <a:p>
-            <a:pPr marL="0" indent="0" algn="l">
+            <a:pPr algn="l" indent="0" marL="0">
               <a:buNone/>
             </a:pPr>
             <a:r>
@@ -3052,11 +3398,9 @@
       <p:sp>
         <p:nvSpPr>
           <p:cNvPr id="4" name="Text 0"/>
-          <p:cNvSpPr>
-            <a:spLocks noGrp="1"/>
-          </p:cNvSpPr>
-          <p:nvPr>
-            <p:ph type="body" idx="102" hasCustomPrompt="1"/>
+          <p:cNvSpPr/>
+          <p:nvPr>
+            <p:ph idx="102" type="body" hasCustomPrompt="1"/>
           </p:nvPr>
         </p:nvSpPr>
         <p:spPr>
@@ -3073,7 +3417,7 @@
         <p:txBody>
           <a:bodyPr wrap="square" rtlCol="0"/>
           <a:lstStyle>
-            <a:lvl1pPr marL="0" indent="0" algn="l">
+            <a:lvl1pPr algn="l" indent="0" marL="0">
               <a:buNone/>
               <a:defRPr lang="en-US" sz="1600" b="1" dirty="0">
                 <a:latin typeface="Tenorite (Body)" pitchFamily="34" charset="0"/>
@@ -3083,7 +3427,7 @@
             </a:lvl1pPr>
           </a:lstStyle>
           <a:p>
-            <a:pPr marL="0" indent="0" algn="l">
+            <a:pPr algn="l" indent="0" marL="0">
               <a:buNone/>
             </a:pPr>
             <a:r>
@@ -3122,9 +3466,20 @@
           <a:bodyPr wrap="square" rtlCol="0" anchor="ctr"/>
           <a:lstStyle/>
           <a:p>
-            <a:pPr marL="0" indent="0" algn="r">
-              <a:buNone/>
-            </a:pPr>
+            <a:pPr algn="r" indent="0" marL="0">
+              <a:buNone/>
+            </a:pPr>
+            <a:r>
+              <a:rPr lang="en-US" sz="1400" b="1" dirty="0">
+                <a:solidFill>
+                  <a:srgbClr val="F41C76"/>
+                </a:solidFill>
+                <a:latin typeface="Tenorite (Body)" pitchFamily="34" charset="0"/>
+                <a:ea typeface="Tenorite (Body)" pitchFamily="34" charset="-122"/>
+                <a:cs typeface="Tenorite (Body)" pitchFamily="34" charset="-120"/>
+              </a:rPr>
+              <a:t>Made with Ai Flavoured</a:t>
+            </a:r>
             <a:endParaRPr lang="en-US" sz="1400" dirty="0"/>
           </a:p>
         </p:txBody>
@@ -3132,11 +3487,9 @@
       <p:sp>
         <p:nvSpPr>
           <p:cNvPr id="6" name="Text 1"/>
-          <p:cNvSpPr>
-            <a:spLocks noGrp="1"/>
-          </p:cNvSpPr>
-          <p:nvPr>
-            <p:ph type="body" idx="104" hasCustomPrompt="1"/>
+          <p:cNvSpPr/>
+          <p:nvPr>
+            <p:ph idx="104" type="body" hasCustomPrompt="1"/>
           </p:nvPr>
         </p:nvSpPr>
         <p:spPr>
@@ -3153,7 +3506,7 @@
         <p:txBody>
           <a:bodyPr wrap="square" rtlCol="0"/>
           <a:lstStyle>
-            <a:lvl1pPr marL="0" indent="0" algn="ctr">
+            <a:lvl1pPr algn="ctr" indent="0" marL="0">
               <a:buNone/>
               <a:defRPr lang="en-US" sz="1200" dirty="0">
                 <a:latin typeface="Tenorite (Body)" pitchFamily="34" charset="0"/>
@@ -3163,7 +3516,7 @@
             </a:lvl1pPr>
           </a:lstStyle>
           <a:p>
-            <a:pPr marL="0" indent="0" algn="ctr">
+            <a:pPr algn="ctr" indent="0" marL="0">
               <a:buNone/>
             </a:pPr>
             <a:r>
@@ -3209,11 +3562,9 @@
       <p:sp>
         <p:nvSpPr>
           <p:cNvPr id="2" name="Text 0"/>
-          <p:cNvSpPr>
-            <a:spLocks noGrp="1"/>
-          </p:cNvSpPr>
-          <p:nvPr>
-            <p:ph type="title" idx="100" hasCustomPrompt="1"/>
+          <p:cNvSpPr/>
+          <p:nvPr>
+            <p:ph idx="100" type="title" hasCustomPrompt="1"/>
           </p:nvPr>
         </p:nvSpPr>
         <p:spPr>
@@ -3230,7 +3581,7 @@
         <p:txBody>
           <a:bodyPr wrap="square" rtlCol="0"/>
           <a:lstStyle>
-            <a:lvl1pPr marL="0" indent="0" algn="l">
+            <a:lvl1pPr algn="l" indent="0" marL="0">
               <a:buNone/>
               <a:defRPr lang="en-US" sz="2800" b="1" dirty="0">
                 <a:latin typeface="Tenorite (Headings)" pitchFamily="34" charset="0"/>
@@ -3240,7 +3591,7 @@
             </a:lvl1pPr>
           </a:lstStyle>
           <a:p>
-            <a:pPr marL="0" indent="0" algn="l">
+            <a:pPr algn="l" indent="0" marL="0">
               <a:buNone/>
             </a:pPr>
             <a:r>
@@ -3261,11 +3612,9 @@
       <p:sp>
         <p:nvSpPr>
           <p:cNvPr id="3" name="Text 0"/>
-          <p:cNvSpPr>
-            <a:spLocks noGrp="1"/>
-          </p:cNvSpPr>
-          <p:nvPr>
-            <p:ph type="body" idx="101" hasCustomPrompt="1"/>
+          <p:cNvSpPr/>
+          <p:nvPr>
+            <p:ph idx="101" type="body" hasCustomPrompt="1"/>
           </p:nvPr>
         </p:nvSpPr>
         <p:spPr>
@@ -3282,7 +3631,7 @@
         <p:txBody>
           <a:bodyPr wrap="square" rtlCol="0"/>
           <a:lstStyle>
-            <a:lvl1pPr marL="0" indent="0" algn="l">
+            <a:lvl1pPr algn="l" indent="0" marL="0">
               <a:buNone/>
               <a:defRPr lang="en-US" sz="1800" dirty="0">
                 <a:latin typeface="Tenorite (Body)" pitchFamily="34" charset="0"/>
@@ -3292,7 +3641,7 @@
             </a:lvl1pPr>
           </a:lstStyle>
           <a:p>
-            <a:pPr marL="0" indent="0" algn="l">
+            <a:pPr algn="l" indent="0" marL="0">
               <a:buNone/>
             </a:pPr>
             <a:r>
@@ -3313,11 +3662,9 @@
       <p:sp>
         <p:nvSpPr>
           <p:cNvPr id="4" name="Text 0"/>
-          <p:cNvSpPr>
-            <a:spLocks noGrp="1"/>
-          </p:cNvSpPr>
-          <p:nvPr>
-            <p:ph type="body" idx="102" hasCustomPrompt="1"/>
+          <p:cNvSpPr/>
+          <p:nvPr>
+            <p:ph idx="102" type="body" hasCustomPrompt="1"/>
           </p:nvPr>
         </p:nvSpPr>
         <p:spPr>
@@ -3334,7 +3681,7 @@
         <p:txBody>
           <a:bodyPr wrap="square" rtlCol="0"/>
           <a:lstStyle>
-            <a:lvl1pPr marL="0" indent="0" algn="l">
+            <a:lvl1pPr algn="l" indent="0" marL="0">
               <a:buNone/>
               <a:defRPr lang="en-US" sz="1600" b="1" dirty="0">
                 <a:latin typeface="Tenorite (Body)" pitchFamily="34" charset="0"/>
@@ -3344,7 +3691,7 @@
             </a:lvl1pPr>
           </a:lstStyle>
           <a:p>
-            <a:pPr marL="0" indent="0" algn="l">
+            <a:pPr algn="l" indent="0" marL="0">
               <a:buNone/>
             </a:pPr>
             <a:r>
@@ -3383,9 +3730,20 @@
           <a:bodyPr wrap="square" rtlCol="0" anchor="ctr"/>
           <a:lstStyle/>
           <a:p>
-            <a:pPr marL="0" indent="0" algn="r">
-              <a:buNone/>
-            </a:pPr>
+            <a:pPr algn="r" indent="0" marL="0">
+              <a:buNone/>
+            </a:pPr>
+            <a:r>
+              <a:rPr lang="en-US" sz="1400" b="1" dirty="0">
+                <a:solidFill>
+                  <a:srgbClr val="F41C76"/>
+                </a:solidFill>
+                <a:latin typeface="Tenorite (Body)" pitchFamily="34" charset="0"/>
+                <a:ea typeface="Tenorite (Body)" pitchFamily="34" charset="-122"/>
+                <a:cs typeface="Tenorite (Body)" pitchFamily="34" charset="-120"/>
+              </a:rPr>
+              <a:t>Made with Ai Flavoured</a:t>
+            </a:r>
             <a:endParaRPr lang="en-US" sz="1400" dirty="0"/>
           </a:p>
         </p:txBody>
@@ -3393,11 +3751,9 @@
       <p:sp>
         <p:nvSpPr>
           <p:cNvPr id="6" name="Text 1"/>
-          <p:cNvSpPr>
-            <a:spLocks noGrp="1"/>
-          </p:cNvSpPr>
-          <p:nvPr>
-            <p:ph type="body" idx="104" hasCustomPrompt="1"/>
+          <p:cNvSpPr/>
+          <p:nvPr>
+            <p:ph idx="104" type="body" hasCustomPrompt="1"/>
           </p:nvPr>
         </p:nvSpPr>
         <p:spPr>
@@ -3414,7 +3770,7 @@
         <p:txBody>
           <a:bodyPr wrap="square" rtlCol="0"/>
           <a:lstStyle>
-            <a:lvl1pPr marL="0" indent="0" algn="ctr">
+            <a:lvl1pPr algn="ctr" indent="0" marL="0">
               <a:buNone/>
               <a:defRPr lang="en-US" sz="1200" dirty="0">
                 <a:latin typeface="Tenorite (Body)" pitchFamily="34" charset="0"/>
@@ -3424,7 +3780,7 @@
             </a:lvl1pPr>
           </a:lstStyle>
           <a:p>
-            <a:pPr marL="0" indent="0" algn="ctr">
+            <a:pPr algn="ctr" indent="0" marL="0">
               <a:buNone/>
             </a:pPr>
             <a:r>
@@ -3451,6 +3807,270 @@
 </file>
 
 <file path=ppt/slideLayouts/slideLayout16.xml><?xml version="1.0" encoding="utf-8"?>
+<p:sldLayout xmlns:a="http://schemas.openxmlformats.org/drawingml/2006/main" xmlns:r="http://schemas.openxmlformats.org/officeDocument/2006/relationships" xmlns:p="http://schemas.openxmlformats.org/presentationml/2006/main" preserve="1">
+  <p:cSld name="contentWithCaption">
+    <p:spTree>
+      <p:nvGrpSpPr>
+        <p:cNvPr id="1" name=""/>
+        <p:cNvGrpSpPr/>
+        <p:nvPr/>
+      </p:nvGrpSpPr>
+      <p:grpSpPr>
+        <a:xfrm>
+          <a:off x="0" y="0"/>
+          <a:ext cx="0" cy="0"/>
+          <a:chOff x="0" y="0"/>
+          <a:chExt cx="0" cy="0"/>
+        </a:xfrm>
+      </p:grpSpPr>
+      <p:sp>
+        <p:nvSpPr>
+          <p:cNvPr id="2" name="Text 0"/>
+          <p:cNvSpPr/>
+          <p:nvPr>
+            <p:ph idx="100" type="title" hasCustomPrompt="1"/>
+          </p:nvPr>
+        </p:nvSpPr>
+        <p:spPr>
+          <a:xfrm>
+            <a:off x="914400" y="365760"/>
+            <a:ext cx="10442448" cy="1618488"/>
+          </a:xfrm>
+          <a:prstGeom prst="rect">
+            <a:avLst/>
+          </a:prstGeom>
+          <a:noFill/>
+          <a:ln/>
+        </p:spPr>
+        <p:txBody>
+          <a:bodyPr wrap="square" rtlCol="0"/>
+          <a:lstStyle>
+            <a:lvl1pPr algn="l" indent="0" marL="0">
+              <a:buNone/>
+              <a:defRPr lang="en-US" sz="2800" b="1" dirty="0">
+                <a:latin typeface="Tenorite (Headings)" pitchFamily="34" charset="0"/>
+                <a:ea typeface="Tenorite (Headings)" pitchFamily="34" charset="-122"/>
+                <a:cs typeface="Tenorite (Headings)" pitchFamily="34" charset="-120"/>
+              </a:defRPr>
+            </a:lvl1pPr>
+          </a:lstStyle>
+          <a:p>
+            <a:pPr algn="l" indent="0" marL="0">
+              <a:buNone/>
+            </a:pPr>
+            <a:r>
+              <a:rPr lang="en-US" sz="2800" b="1" dirty="0">
+                <a:solidFill>
+                  <a:srgbClr val="000000"/>
+                </a:solidFill>
+                <a:latin typeface="Tenorite (Headings)" pitchFamily="34" charset="0"/>
+                <a:ea typeface="Tenorite (Headings)" pitchFamily="34" charset="-122"/>
+                <a:cs typeface="Tenorite (Headings)" pitchFamily="34" charset="-120"/>
+              </a:rPr>
+              <a:t>Title Placeholder</a:t>
+            </a:r>
+            <a:endParaRPr lang="en-US" sz="2800" dirty="0"/>
+          </a:p>
+        </p:txBody>
+      </p:sp>
+      <p:sp>
+        <p:nvSpPr>
+          <p:cNvPr id="3" name="Text 0"/>
+          <p:cNvSpPr/>
+          <p:nvPr>
+            <p:ph idx="101" type="body" hasCustomPrompt="1"/>
+          </p:nvPr>
+        </p:nvSpPr>
+        <p:spPr>
+          <a:xfrm>
+            <a:off x="4599432" y="2020824"/>
+            <a:ext cx="6748272" cy="3749040"/>
+          </a:xfrm>
+          <a:prstGeom prst="rect">
+            <a:avLst/>
+          </a:prstGeom>
+          <a:noFill/>
+          <a:ln/>
+        </p:spPr>
+        <p:txBody>
+          <a:bodyPr wrap="square" rtlCol="0"/>
+          <a:lstStyle>
+            <a:lvl1pPr algn="l" indent="0" marL="0">
+              <a:buNone/>
+              <a:defRPr lang="en-US" sz="1800" dirty="0">
+                <a:latin typeface="Tenorite (Body)" pitchFamily="34" charset="0"/>
+                <a:ea typeface="Tenorite (Body)" pitchFamily="34" charset="-122"/>
+                <a:cs typeface="Tenorite (Body)" pitchFamily="34" charset="-120"/>
+              </a:defRPr>
+            </a:lvl1pPr>
+          </a:lstStyle>
+          <a:p>
+            <a:pPr algn="l" indent="0" marL="0">
+              <a:buNone/>
+            </a:pPr>
+            <a:r>
+              <a:rPr lang="en-US" sz="1800" dirty="0">
+                <a:solidFill>
+                  <a:srgbClr val="000000"/>
+                </a:solidFill>
+                <a:latin typeface="Tenorite (Body)" pitchFamily="34" charset="0"/>
+                <a:ea typeface="Tenorite (Body)" pitchFamily="34" charset="-122"/>
+                <a:cs typeface="Tenorite (Body)" pitchFamily="34" charset="-120"/>
+              </a:rPr>
+              <a:t>Content Placeholder</a:t>
+            </a:r>
+            <a:endParaRPr lang="en-US" sz="1800" dirty="0"/>
+          </a:p>
+        </p:txBody>
+      </p:sp>
+      <p:sp>
+        <p:nvSpPr>
+          <p:cNvPr id="4" name="Text 0"/>
+          <p:cNvSpPr/>
+          <p:nvPr>
+            <p:ph idx="102" type="body" hasCustomPrompt="1"/>
+          </p:nvPr>
+        </p:nvSpPr>
+        <p:spPr>
+          <a:xfrm>
+            <a:off x="914400" y="2020824"/>
+            <a:ext cx="3310128" cy="3749040"/>
+          </a:xfrm>
+          <a:prstGeom prst="rect">
+            <a:avLst/>
+          </a:prstGeom>
+          <a:noFill/>
+          <a:ln/>
+        </p:spPr>
+        <p:txBody>
+          <a:bodyPr wrap="square" rtlCol="0"/>
+          <a:lstStyle>
+            <a:lvl1pPr algn="l" indent="0" marL="0">
+              <a:buNone/>
+              <a:defRPr lang="en-US" sz="1600" b="1" dirty="0">
+                <a:latin typeface="Tenorite (Body)" pitchFamily="34" charset="0"/>
+                <a:ea typeface="Tenorite (Body)" pitchFamily="34" charset="-122"/>
+                <a:cs typeface="Tenorite (Body)" pitchFamily="34" charset="-120"/>
+              </a:defRPr>
+            </a:lvl1pPr>
+          </a:lstStyle>
+          <a:p>
+            <a:pPr algn="l" indent="0" marL="0">
+              <a:buNone/>
+            </a:pPr>
+            <a:r>
+              <a:rPr lang="en-US" sz="1600" b="1" dirty="0">
+                <a:solidFill>
+                  <a:srgbClr val="000000"/>
+                </a:solidFill>
+                <a:latin typeface="Tenorite (Body)" pitchFamily="34" charset="0"/>
+                <a:ea typeface="Tenorite (Body)" pitchFamily="34" charset="-122"/>
+                <a:cs typeface="Tenorite (Body)" pitchFamily="34" charset="-120"/>
+              </a:rPr>
+              <a:t>Caption Placeholder</a:t>
+            </a:r>
+            <a:endParaRPr lang="en-US" sz="1600" dirty="0"/>
+          </a:p>
+        </p:txBody>
+      </p:sp>
+      <p:sp>
+        <p:nvSpPr>
+          <p:cNvPr id="5" name="Text 0"/>
+          <p:cNvSpPr/>
+          <p:nvPr/>
+        </p:nvSpPr>
+        <p:spPr>
+          <a:xfrm>
+            <a:off x="9144000" y="3657600"/>
+            <a:ext cx="3017520" cy="5943600"/>
+          </a:xfrm>
+          <a:prstGeom prst="rect">
+            <a:avLst/>
+          </a:prstGeom>
+          <a:noFill/>
+          <a:ln/>
+        </p:spPr>
+        <p:txBody>
+          <a:bodyPr wrap="square" rtlCol="0" anchor="ctr"/>
+          <a:lstStyle/>
+          <a:p>
+            <a:pPr algn="r" indent="0" marL="0">
+              <a:buNone/>
+            </a:pPr>
+            <a:r>
+              <a:rPr lang="en-US" sz="1400" b="1" dirty="0">
+                <a:solidFill>
+                  <a:srgbClr val="F41C76"/>
+                </a:solidFill>
+                <a:latin typeface="Tenorite (Body)" pitchFamily="34" charset="0"/>
+                <a:ea typeface="Tenorite (Body)" pitchFamily="34" charset="-122"/>
+                <a:cs typeface="Tenorite (Body)" pitchFamily="34" charset="-120"/>
+              </a:rPr>
+              <a:t>Made with Ai Flavoured</a:t>
+            </a:r>
+            <a:endParaRPr lang="en-US" sz="1400" dirty="0"/>
+          </a:p>
+        </p:txBody>
+      </p:sp>
+      <p:sp>
+        <p:nvSpPr>
+          <p:cNvPr id="6" name="Text 1"/>
+          <p:cNvSpPr/>
+          <p:nvPr>
+            <p:ph idx="104" type="body" hasCustomPrompt="1"/>
+          </p:nvPr>
+        </p:nvSpPr>
+        <p:spPr>
+          <a:xfrm>
+            <a:off x="457200" y="6446520"/>
+            <a:ext cx="640080" cy="365760"/>
+          </a:xfrm>
+          <a:prstGeom prst="rect">
+            <a:avLst/>
+          </a:prstGeom>
+          <a:noFill/>
+          <a:ln/>
+        </p:spPr>
+        <p:txBody>
+          <a:bodyPr wrap="square" rtlCol="0"/>
+          <a:lstStyle>
+            <a:lvl1pPr algn="ctr" indent="0" marL="0">
+              <a:buNone/>
+              <a:defRPr lang="en-US" sz="1200" dirty="0">
+                <a:latin typeface="Tenorite (Body)" pitchFamily="34" charset="0"/>
+                <a:ea typeface="Tenorite (Body)" pitchFamily="34" charset="-122"/>
+                <a:cs typeface="Tenorite (Body)" pitchFamily="34" charset="-120"/>
+              </a:defRPr>
+            </a:lvl1pPr>
+          </a:lstStyle>
+          <a:p>
+            <a:pPr algn="ctr" indent="0" marL="0">
+              <a:buNone/>
+            </a:pPr>
+            <a:r>
+              <a:rPr lang="en-US" sz="1200" dirty="0">
+                <a:solidFill>
+                  <a:srgbClr val="000000"/>
+                </a:solidFill>
+                <a:latin typeface="Tenorite (Body)" pitchFamily="34" charset="0"/>
+                <a:ea typeface="Tenorite (Body)" pitchFamily="34" charset="-122"/>
+                <a:cs typeface="Tenorite (Body)" pitchFamily="34" charset="-120"/>
+              </a:rPr>
+              <a:t>SlideNumber Placeholder</a:t>
+            </a:r>
+            <a:endParaRPr lang="en-US" sz="1200" dirty="0"/>
+          </a:p>
+        </p:txBody>
+      </p:sp>
+    </p:spTree>
+  </p:cSld>
+  <p:clrMapOvr>
+    <a:masterClrMapping/>
+  </p:clrMapOvr>
+</p:sldLayout>
+</file>
+
+<file path=ppt/slideLayouts/slideLayout17.xml><?xml version="1.0" encoding="utf-8"?>
 <p:sldLayout xmlns:a="http://schemas.openxmlformats.org/drawingml/2006/main" xmlns:r="http://schemas.openxmlformats.org/officeDocument/2006/relationships" xmlns:p="http://schemas.openxmlformats.org/presentationml/2006/main" preserve="1">
   <p:cSld name="titleAndContent">
     <p:spTree>
@@ -3470,11 +4090,9 @@
       <p:sp>
         <p:nvSpPr>
           <p:cNvPr id="2" name="Text 0"/>
-          <p:cNvSpPr>
-            <a:spLocks noGrp="1"/>
-          </p:cNvSpPr>
-          <p:nvPr>
-            <p:ph type="title" idx="100" hasCustomPrompt="1"/>
+          <p:cNvSpPr/>
+          <p:nvPr>
+            <p:ph idx="100" type="title" hasCustomPrompt="1"/>
           </p:nvPr>
         </p:nvSpPr>
         <p:spPr>
@@ -3491,7 +4109,7 @@
         <p:txBody>
           <a:bodyPr wrap="square" rtlCol="0"/>
           <a:lstStyle>
-            <a:lvl1pPr marL="0" indent="0" algn="ctr">
+            <a:lvl1pPr algn="ctr" indent="0" marL="0">
               <a:buNone/>
               <a:defRPr lang="en-US" sz="3200" b="1" dirty="0">
                 <a:latin typeface="Tenorite (Headings)" pitchFamily="34" charset="0"/>
@@ -3501,7 +4119,7 @@
             </a:lvl1pPr>
           </a:lstStyle>
           <a:p>
-            <a:pPr marL="0" indent="0" algn="ctr">
+            <a:pPr algn="ctr" indent="0" marL="0">
               <a:buNone/>
             </a:pPr>
             <a:r>
@@ -3522,11 +4140,9 @@
       <p:sp>
         <p:nvSpPr>
           <p:cNvPr id="3" name="Text 0"/>
-          <p:cNvSpPr>
-            <a:spLocks noGrp="1"/>
-          </p:cNvSpPr>
-          <p:nvPr>
-            <p:ph type="body" idx="101" hasCustomPrompt="1"/>
+          <p:cNvSpPr/>
+          <p:nvPr>
+            <p:ph idx="101" type="body" hasCustomPrompt="1"/>
           </p:nvPr>
         </p:nvSpPr>
         <p:spPr>
@@ -3543,7 +4159,7 @@
         <p:txBody>
           <a:bodyPr wrap="square" rtlCol="0"/>
           <a:lstStyle>
-            <a:lvl1pPr marL="0" indent="0" algn="l">
+            <a:lvl1pPr algn="l" indent="0" marL="0">
               <a:buNone/>
               <a:defRPr lang="en-US" sz="2000" dirty="0">
                 <a:latin typeface="Tenorite (Body)" pitchFamily="34" charset="0"/>
@@ -3553,7 +4169,7 @@
             </a:lvl1pPr>
           </a:lstStyle>
           <a:p>
-            <a:pPr marL="0" indent="0" algn="l">
+            <a:pPr algn="l" indent="0" marL="0">
               <a:buNone/>
             </a:pPr>
             <a:endParaRPr lang="en-US" sz="2000" dirty="0"/>
@@ -3563,11 +4179,9 @@
       <p:sp>
         <p:nvSpPr>
           <p:cNvPr id="4" name="Text 0"/>
-          <p:cNvSpPr>
-            <a:spLocks noGrp="1"/>
-          </p:cNvSpPr>
-          <p:nvPr>
-            <p:ph type="body" idx="102" hasCustomPrompt="1"/>
+          <p:cNvSpPr/>
+          <p:nvPr>
+            <p:ph idx="102" type="body" hasCustomPrompt="1"/>
           </p:nvPr>
         </p:nvSpPr>
         <p:spPr>
@@ -3584,7 +4198,7 @@
         <p:txBody>
           <a:bodyPr wrap="square" rtlCol="0"/>
           <a:lstStyle>
-            <a:lvl1pPr marL="0" indent="0" algn="l">
+            <a:lvl1pPr algn="l" indent="0" marL="0">
               <a:buNone/>
               <a:defRPr lang="en-US" sz="2000" dirty="0">
                 <a:latin typeface="Tenorite (Body)" pitchFamily="34" charset="0"/>
@@ -3594,7 +4208,7 @@
             </a:lvl1pPr>
           </a:lstStyle>
           <a:p>
-            <a:pPr marL="0" indent="0" algn="l">
+            <a:pPr algn="l" indent="0" marL="0">
               <a:buNone/>
             </a:pPr>
             <a:endParaRPr lang="en-US" sz="2000" dirty="0"/>
@@ -3604,11 +4218,9 @@
       <p:sp>
         <p:nvSpPr>
           <p:cNvPr id="5" name="Text 0"/>
-          <p:cNvSpPr>
-            <a:spLocks noGrp="1"/>
-          </p:cNvSpPr>
-          <p:nvPr>
-            <p:ph type="body" idx="103" hasCustomPrompt="1"/>
+          <p:cNvSpPr/>
+          <p:nvPr>
+            <p:ph idx="103" type="body" hasCustomPrompt="1"/>
           </p:nvPr>
         </p:nvSpPr>
         <p:spPr>
@@ -3625,7 +4237,7 @@
         <p:txBody>
           <a:bodyPr wrap="square" rtlCol="0"/>
           <a:lstStyle>
-            <a:lvl1pPr marL="0" indent="0" algn="l">
+            <a:lvl1pPr algn="l" indent="0" marL="0">
               <a:buNone/>
               <a:defRPr lang="en-US" sz="2000" dirty="0">
                 <a:latin typeface="Tenorite (Body)" pitchFamily="34" charset="0"/>
@@ -3635,7 +4247,7 @@
             </a:lvl1pPr>
           </a:lstStyle>
           <a:p>
-            <a:pPr marL="0" indent="0" algn="l">
+            <a:pPr algn="l" indent="0" marL="0">
               <a:buNone/>
             </a:pPr>
             <a:endParaRPr lang="en-US" sz="2000" dirty="0"/>
@@ -3663,9 +4275,20 @@
           <a:bodyPr wrap="square" rtlCol="0" anchor="ctr"/>
           <a:lstStyle/>
           <a:p>
-            <a:pPr marL="0" indent="0" algn="r">
-              <a:buNone/>
-            </a:pPr>
+            <a:pPr algn="r" indent="0" marL="0">
+              <a:buNone/>
+            </a:pPr>
+            <a:r>
+              <a:rPr lang="en-US" sz="1400" b="1" dirty="0">
+                <a:solidFill>
+                  <a:srgbClr val="F41C76"/>
+                </a:solidFill>
+                <a:latin typeface="Tenorite (Body)" pitchFamily="34" charset="0"/>
+                <a:ea typeface="Tenorite (Body)" pitchFamily="34" charset="-122"/>
+                <a:cs typeface="Tenorite (Body)" pitchFamily="34" charset="-120"/>
+              </a:rPr>
+              <a:t>Made with Ai Flavoured</a:t>
+            </a:r>
             <a:endParaRPr lang="en-US" sz="1400" dirty="0"/>
           </a:p>
         </p:txBody>
@@ -3673,11 +4296,9 @@
       <p:sp>
         <p:nvSpPr>
           <p:cNvPr id="7" name="Text 1"/>
-          <p:cNvSpPr>
-            <a:spLocks noGrp="1"/>
-          </p:cNvSpPr>
-          <p:nvPr>
-            <p:ph type="body" idx="105" hasCustomPrompt="1"/>
+          <p:cNvSpPr/>
+          <p:nvPr>
+            <p:ph idx="105" type="body" hasCustomPrompt="1"/>
           </p:nvPr>
         </p:nvSpPr>
         <p:spPr>
@@ -3694,7 +4315,7 @@
         <p:txBody>
           <a:bodyPr wrap="square" rtlCol="0"/>
           <a:lstStyle>
-            <a:lvl1pPr marL="0" indent="0" algn="ctr">
+            <a:lvl1pPr algn="ctr" indent="0" marL="0">
               <a:buNone/>
               <a:defRPr lang="en-US" sz="1200" dirty="0">
                 <a:latin typeface="Tenorite (Body)" pitchFamily="34" charset="0"/>
@@ -3704,7 +4325,7 @@
             </a:lvl1pPr>
           </a:lstStyle>
           <a:p>
-            <a:pPr marL="0" indent="0" algn="ctr">
+            <a:pPr algn="ctr" indent="0" marL="0">
               <a:buNone/>
             </a:pPr>
             <a:r>
@@ -3730,7 +4351,7 @@
 </p:sldLayout>
 </file>
 
-<file path=ppt/slideLayouts/slideLayout17.xml><?xml version="1.0" encoding="utf-8"?>
+<file path=ppt/slideLayouts/slideLayout18.xml><?xml version="1.0" encoding="utf-8"?>
 <p:sldLayout xmlns:a="http://schemas.openxmlformats.org/drawingml/2006/main" xmlns:r="http://schemas.openxmlformats.org/officeDocument/2006/relationships" xmlns:p="http://schemas.openxmlformats.org/presentationml/2006/main" preserve="1">
   <p:cSld name="titleSlide">
     <p:spTree>
@@ -3750,11 +4371,9 @@
       <p:sp>
         <p:nvSpPr>
           <p:cNvPr id="2" name="Text 0"/>
-          <p:cNvSpPr>
-            <a:spLocks noGrp="1"/>
-          </p:cNvSpPr>
-          <p:nvPr>
-            <p:ph type="title" idx="100" hasCustomPrompt="1"/>
+          <p:cNvSpPr/>
+          <p:nvPr>
+            <p:ph idx="100" type="title" hasCustomPrompt="1"/>
           </p:nvPr>
         </p:nvSpPr>
         <p:spPr>
@@ -3771,7 +4390,7 @@
         <p:txBody>
           <a:bodyPr wrap="square" rtlCol="0"/>
           <a:lstStyle>
-            <a:lvl1pPr marL="0" indent="0" algn="l">
+            <a:lvl1pPr algn="l" indent="0" marL="0">
               <a:buNone/>
               <a:defRPr lang="en-US" sz="6000" b="1" dirty="0">
                 <a:latin typeface="Tenorite (Headings)" pitchFamily="34" charset="0"/>
@@ -3781,7 +4400,7 @@
             </a:lvl1pPr>
           </a:lstStyle>
           <a:p>
-            <a:pPr marL="0" indent="0" algn="l">
+            <a:pPr algn="l" indent="0" marL="0">
               <a:buNone/>
             </a:pPr>
             <a:r>
@@ -3802,11 +4421,9 @@
       <p:sp>
         <p:nvSpPr>
           <p:cNvPr id="3" name="Text 0"/>
-          <p:cNvSpPr>
-            <a:spLocks noGrp="1"/>
-          </p:cNvSpPr>
-          <p:nvPr>
-            <p:ph type="body" idx="101" hasCustomPrompt="1"/>
+          <p:cNvSpPr/>
+          <p:nvPr>
+            <p:ph idx="101" type="body" hasCustomPrompt="1"/>
           </p:nvPr>
         </p:nvSpPr>
         <p:spPr>
@@ -3823,7 +4440,7 @@
         <p:txBody>
           <a:bodyPr wrap="square" rtlCol="0"/>
           <a:lstStyle>
-            <a:lvl1pPr marL="0" indent="0" algn="l">
+            <a:lvl1pPr algn="l" indent="0" marL="0">
               <a:buNone/>
               <a:defRPr lang="en-US" sz="2800" dirty="0">
                 <a:latin typeface="Tenorite (Body)" pitchFamily="34" charset="0"/>
@@ -3833,7 +4450,7 @@
             </a:lvl1pPr>
           </a:lstStyle>
           <a:p>
-            <a:pPr marL="0" indent="0" algn="l">
+            <a:pPr algn="l" indent="0" marL="0">
               <a:buNone/>
             </a:pPr>
             <a:r>
@@ -3872,9 +4489,20 @@
           <a:bodyPr wrap="square" rtlCol="0" anchor="ctr"/>
           <a:lstStyle/>
           <a:p>
-            <a:pPr marL="0" indent="0" algn="r">
-              <a:buNone/>
-            </a:pPr>
+            <a:pPr algn="r" indent="0" marL="0">
+              <a:buNone/>
+            </a:pPr>
+            <a:r>
+              <a:rPr lang="en-US" sz="1400" b="1" dirty="0">
+                <a:solidFill>
+                  <a:srgbClr val="F41C76"/>
+                </a:solidFill>
+                <a:latin typeface="Tenorite (Body)" pitchFamily="34" charset="0"/>
+                <a:ea typeface="Tenorite (Body)" pitchFamily="34" charset="-122"/>
+                <a:cs typeface="Tenorite (Body)" pitchFamily="34" charset="-120"/>
+              </a:rPr>
+              <a:t>Made with Ai Flavoured</a:t>
+            </a:r>
             <a:endParaRPr lang="en-US" sz="1400" dirty="0"/>
           </a:p>
         </p:txBody>
@@ -3882,11 +4510,9 @@
       <p:sp>
         <p:nvSpPr>
           <p:cNvPr id="5" name="Text 1"/>
-          <p:cNvSpPr>
-            <a:spLocks noGrp="1"/>
-          </p:cNvSpPr>
-          <p:nvPr>
-            <p:ph type="body" idx="103" hasCustomPrompt="1"/>
+          <p:cNvSpPr/>
+          <p:nvPr>
+            <p:ph idx="103" type="body" hasCustomPrompt="1"/>
           </p:nvPr>
         </p:nvSpPr>
         <p:spPr>
@@ -3903,7 +4529,7 @@
         <p:txBody>
           <a:bodyPr wrap="square" rtlCol="0"/>
           <a:lstStyle>
-            <a:lvl1pPr marL="0" indent="0" algn="ctr">
+            <a:lvl1pPr algn="ctr" indent="0" marL="0">
               <a:buNone/>
               <a:defRPr lang="en-US" sz="1200" dirty="0">
                 <a:latin typeface="Tenorite (Body)" pitchFamily="34" charset="0"/>
@@ -3913,7 +4539,7 @@
             </a:lvl1pPr>
           </a:lstStyle>
           <a:p>
-            <a:pPr marL="0" indent="0" algn="ctr">
+            <a:pPr algn="ctr" indent="0" marL="0">
               <a:buNone/>
             </a:pPr>
             <a:r>
@@ -3959,11 +4585,9 @@
       <p:sp>
         <p:nvSpPr>
           <p:cNvPr id="2" name="Text 0"/>
-          <p:cNvSpPr>
-            <a:spLocks noGrp="1"/>
-          </p:cNvSpPr>
-          <p:nvPr>
-            <p:ph type="title" idx="100" hasCustomPrompt="1"/>
+          <p:cNvSpPr/>
+          <p:nvPr>
+            <p:ph idx="100" type="title" hasCustomPrompt="1"/>
           </p:nvPr>
         </p:nvSpPr>
         <p:spPr>
@@ -3980,7 +4604,7 @@
         <p:txBody>
           <a:bodyPr wrap="square" rtlCol="0"/>
           <a:lstStyle>
-            <a:lvl1pPr marL="0" indent="0" algn="l">
+            <a:lvl1pPr algn="l" indent="0" marL="0">
               <a:buNone/>
               <a:defRPr lang="en-US" sz="4800" b="1" dirty="0">
                 <a:latin typeface="Tenorite (Headings)" pitchFamily="34" charset="0"/>
@@ -3990,7 +4614,7 @@
             </a:lvl1pPr>
           </a:lstStyle>
           <a:p>
-            <a:pPr marL="0" indent="0" algn="l">
+            <a:pPr algn="l" indent="0" marL="0">
               <a:buNone/>
             </a:pPr>
             <a:r>
@@ -4029,9 +4653,20 @@
           <a:bodyPr wrap="square" rtlCol="0" anchor="ctr"/>
           <a:lstStyle/>
           <a:p>
-            <a:pPr marL="0" indent="0" algn="r">
-              <a:buNone/>
-            </a:pPr>
+            <a:pPr algn="r" indent="0" marL="0">
+              <a:buNone/>
+            </a:pPr>
+            <a:r>
+              <a:rPr lang="en-US" sz="1400" b="1" dirty="0">
+                <a:solidFill>
+                  <a:srgbClr val="F41C76"/>
+                </a:solidFill>
+                <a:latin typeface="Tenorite (Body)" pitchFamily="34" charset="0"/>
+                <a:ea typeface="Tenorite (Body)" pitchFamily="34" charset="-122"/>
+                <a:cs typeface="Tenorite (Body)" pitchFamily="34" charset="-120"/>
+              </a:rPr>
+              <a:t>Made with Ai Flavoured</a:t>
+            </a:r>
             <a:endParaRPr lang="en-US" sz="1400" dirty="0"/>
           </a:p>
         </p:txBody>
@@ -4039,11 +4674,9 @@
       <p:sp>
         <p:nvSpPr>
           <p:cNvPr id="4" name="Text 1"/>
-          <p:cNvSpPr>
-            <a:spLocks noGrp="1"/>
-          </p:cNvSpPr>
-          <p:nvPr>
-            <p:ph type="body" idx="102" hasCustomPrompt="1"/>
+          <p:cNvSpPr/>
+          <p:nvPr>
+            <p:ph idx="102" type="body" hasCustomPrompt="1"/>
           </p:nvPr>
         </p:nvSpPr>
         <p:spPr>
@@ -4060,7 +4693,7 @@
         <p:txBody>
           <a:bodyPr wrap="square" rtlCol="0"/>
           <a:lstStyle>
-            <a:lvl1pPr marL="0" indent="0" algn="ctr">
+            <a:lvl1pPr algn="ctr" indent="0" marL="0">
               <a:buNone/>
               <a:defRPr lang="en-US" sz="1200" dirty="0">
                 <a:latin typeface="Tenorite (Body)" pitchFamily="34" charset="0"/>
@@ -4070,7 +4703,7 @@
             </a:lvl1pPr>
           </a:lstStyle>
           <a:p>
-            <a:pPr marL="0" indent="0" algn="ctr">
+            <a:pPr algn="ctr" indent="0" marL="0">
               <a:buNone/>
             </a:pPr>
             <a:r>
@@ -4097,6 +4730,220 @@
 </file>
 
 <file path=ppt/slideLayouts/slideLayout3.xml><?xml version="1.0" encoding="utf-8"?>
+<p:sldLayout xmlns:a="http://schemas.openxmlformats.org/drawingml/2006/main" xmlns:r="http://schemas.openxmlformats.org/officeDocument/2006/relationships" xmlns:p="http://schemas.openxmlformats.org/presentationml/2006/main" preserve="1">
+  <p:cSld name="intro">
+    <p:spTree>
+      <p:nvGrpSpPr>
+        <p:cNvPr id="1" name=""/>
+        <p:cNvGrpSpPr/>
+        <p:nvPr/>
+      </p:nvGrpSpPr>
+      <p:grpSpPr>
+        <a:xfrm>
+          <a:off x="0" y="0"/>
+          <a:ext cx="0" cy="0"/>
+          <a:chOff x="0" y="0"/>
+          <a:chExt cx="0" cy="0"/>
+        </a:xfrm>
+      </p:grpSpPr>
+      <p:sp>
+        <p:nvSpPr>
+          <p:cNvPr id="2" name="Text 0"/>
+          <p:cNvSpPr/>
+          <p:nvPr>
+            <p:ph idx="100" type="title" hasCustomPrompt="1"/>
+          </p:nvPr>
+        </p:nvSpPr>
+        <p:spPr>
+          <a:xfrm>
+            <a:off x="914400" y="320040"/>
+            <a:ext cx="5184648" cy="2377440"/>
+          </a:xfrm>
+          <a:prstGeom prst="rect">
+            <a:avLst/>
+          </a:prstGeom>
+          <a:noFill/>
+          <a:ln/>
+        </p:spPr>
+        <p:txBody>
+          <a:bodyPr wrap="square" rtlCol="0"/>
+          <a:lstStyle>
+            <a:lvl1pPr algn="ctr" indent="0" marL="0">
+              <a:buNone/>
+              <a:defRPr lang="en-US" sz="3200" b="1" dirty="0">
+                <a:latin typeface="Tenorite (Headings)" pitchFamily="34" charset="0"/>
+                <a:ea typeface="Tenorite (Headings)" pitchFamily="34" charset="-122"/>
+                <a:cs typeface="Tenorite (Headings)" pitchFamily="34" charset="-120"/>
+              </a:defRPr>
+            </a:lvl1pPr>
+          </a:lstStyle>
+          <a:p>
+            <a:pPr algn="ctr" indent="0" marL="0">
+              <a:buNone/>
+            </a:pPr>
+            <a:r>
+              <a:rPr lang="en-US" sz="3200" b="1" dirty="0">
+                <a:solidFill>
+                  <a:srgbClr val="000000"/>
+                </a:solidFill>
+                <a:latin typeface="Tenorite (Headings)" pitchFamily="34" charset="0"/>
+                <a:ea typeface="Tenorite (Headings)" pitchFamily="34" charset="-122"/>
+                <a:cs typeface="Tenorite (Headings)" pitchFamily="34" charset="-120"/>
+              </a:rPr>
+              <a:t>Title Placeholder</a:t>
+            </a:r>
+            <a:endParaRPr lang="en-US" sz="3200" dirty="0"/>
+          </a:p>
+        </p:txBody>
+      </p:sp>
+      <p:sp>
+        <p:nvSpPr>
+          <p:cNvPr id="3" name="Text 0"/>
+          <p:cNvSpPr/>
+          <p:nvPr>
+            <p:ph idx="101" type="body" hasCustomPrompt="1"/>
+          </p:nvPr>
+        </p:nvSpPr>
+        <p:spPr>
+          <a:xfrm>
+            <a:off x="914400" y="2843784"/>
+            <a:ext cx="5184648" cy="3127248"/>
+          </a:xfrm>
+          <a:prstGeom prst="rect">
+            <a:avLst/>
+          </a:prstGeom>
+          <a:noFill/>
+          <a:ln/>
+        </p:spPr>
+        <p:txBody>
+          <a:bodyPr wrap="square" rtlCol="0"/>
+          <a:lstStyle>
+            <a:lvl1pPr algn="l" indent="0" marL="0">
+              <a:buNone/>
+              <a:defRPr lang="en-US" sz="2000" dirty="0">
+                <a:latin typeface="Tenorite (Body)" pitchFamily="34" charset="0"/>
+                <a:ea typeface="Tenorite (Body)" pitchFamily="34" charset="-122"/>
+                <a:cs typeface="Tenorite (Body)" pitchFamily="34" charset="-120"/>
+              </a:defRPr>
+            </a:lvl1pPr>
+          </a:lstStyle>
+          <a:p>
+            <a:pPr algn="l" indent="0" marL="0">
+              <a:buNone/>
+            </a:pPr>
+            <a:r>
+              <a:rPr lang="en-US" sz="2000" dirty="0">
+                <a:solidFill>
+                  <a:srgbClr val="000000"/>
+                </a:solidFill>
+                <a:latin typeface="Tenorite (Body)" pitchFamily="34" charset="0"/>
+                <a:ea typeface="Tenorite (Body)" pitchFamily="34" charset="-122"/>
+                <a:cs typeface="Tenorite (Body)" pitchFamily="34" charset="-120"/>
+              </a:rPr>
+              <a:t>Body Placeholder</a:t>
+            </a:r>
+            <a:endParaRPr lang="en-US" sz="2000" dirty="0"/>
+          </a:p>
+        </p:txBody>
+      </p:sp>
+      <p:sp>
+        <p:nvSpPr>
+          <p:cNvPr id="4" name="Text 0"/>
+          <p:cNvSpPr/>
+          <p:nvPr/>
+        </p:nvSpPr>
+        <p:spPr>
+          <a:xfrm>
+            <a:off x="9144000" y="3657600"/>
+            <a:ext cx="3017520" cy="5943600"/>
+          </a:xfrm>
+          <a:prstGeom prst="rect">
+            <a:avLst/>
+          </a:prstGeom>
+          <a:noFill/>
+          <a:ln/>
+        </p:spPr>
+        <p:txBody>
+          <a:bodyPr wrap="square" rtlCol="0" anchor="ctr"/>
+          <a:lstStyle/>
+          <a:p>
+            <a:pPr algn="r" indent="0" marL="0">
+              <a:buNone/>
+            </a:pPr>
+            <a:r>
+              <a:rPr lang="en-US" sz="1400" b="1" dirty="0">
+                <a:solidFill>
+                  <a:srgbClr val="F41C76"/>
+                </a:solidFill>
+                <a:latin typeface="Tenorite (Body)" pitchFamily="34" charset="0"/>
+                <a:ea typeface="Tenorite (Body)" pitchFamily="34" charset="-122"/>
+                <a:cs typeface="Tenorite (Body)" pitchFamily="34" charset="-120"/>
+              </a:rPr>
+              <a:t>Made with Ai Flavoured</a:t>
+            </a:r>
+            <a:endParaRPr lang="en-US" sz="1400" dirty="0"/>
+          </a:p>
+        </p:txBody>
+      </p:sp>
+      <p:sp>
+        <p:nvSpPr>
+          <p:cNvPr id="5" name="Text 1"/>
+          <p:cNvSpPr/>
+          <p:nvPr>
+            <p:ph idx="103" type="body" hasCustomPrompt="1"/>
+          </p:nvPr>
+        </p:nvSpPr>
+        <p:spPr>
+          <a:xfrm>
+            <a:off x="457200" y="6446520"/>
+            <a:ext cx="640080" cy="365760"/>
+          </a:xfrm>
+          <a:prstGeom prst="rect">
+            <a:avLst/>
+          </a:prstGeom>
+          <a:noFill/>
+          <a:ln/>
+        </p:spPr>
+        <p:txBody>
+          <a:bodyPr wrap="square" rtlCol="0"/>
+          <a:lstStyle>
+            <a:lvl1pPr algn="ctr" indent="0" marL="0">
+              <a:buNone/>
+              <a:defRPr lang="en-US" sz="1200" dirty="0">
+                <a:latin typeface="Tenorite (Body)" pitchFamily="34" charset="0"/>
+                <a:ea typeface="Tenorite (Body)" pitchFamily="34" charset="-122"/>
+                <a:cs typeface="Tenorite (Body)" pitchFamily="34" charset="-120"/>
+              </a:defRPr>
+            </a:lvl1pPr>
+          </a:lstStyle>
+          <a:p>
+            <a:pPr algn="ctr" indent="0" marL="0">
+              <a:buNone/>
+            </a:pPr>
+            <a:r>
+              <a:rPr lang="en-US" sz="1200" dirty="0">
+                <a:solidFill>
+                  <a:srgbClr val="000000"/>
+                </a:solidFill>
+                <a:latin typeface="Tenorite (Body)" pitchFamily="34" charset="0"/>
+                <a:ea typeface="Tenorite (Body)" pitchFamily="34" charset="-122"/>
+                <a:cs typeface="Tenorite (Body)" pitchFamily="34" charset="-120"/>
+              </a:rPr>
+              <a:t>SlideNumber Placeholder</a:t>
+            </a:r>
+            <a:endParaRPr lang="en-US" sz="1200" dirty="0"/>
+          </a:p>
+        </p:txBody>
+      </p:sp>
+    </p:spTree>
+  </p:cSld>
+  <p:clrMapOvr>
+    <a:masterClrMapping/>
+  </p:clrMapOvr>
+</p:sldLayout>
+</file>
+
+<file path=ppt/slideLayouts/slideLayout4.xml><?xml version="1.0" encoding="utf-8"?>
 <p:sldLayout xmlns:a="http://schemas.openxmlformats.org/drawingml/2006/main" xmlns:r="http://schemas.openxmlformats.org/officeDocument/2006/relationships" xmlns:p="http://schemas.openxmlformats.org/presentationml/2006/main" preserve="1">
   <p:cSld name="titleAndContent">
     <p:spTree>
@@ -4116,11 +4963,9 @@
       <p:sp>
         <p:nvSpPr>
           <p:cNvPr id="2" name="Text 0"/>
-          <p:cNvSpPr>
-            <a:spLocks noGrp="1"/>
-          </p:cNvSpPr>
-          <p:nvPr>
-            <p:ph type="title" idx="100" hasCustomPrompt="1"/>
+          <p:cNvSpPr/>
+          <p:nvPr>
+            <p:ph idx="100" type="title" hasCustomPrompt="1"/>
           </p:nvPr>
         </p:nvSpPr>
         <p:spPr>
@@ -4137,7 +4982,7 @@
         <p:txBody>
           <a:bodyPr wrap="square" rtlCol="0"/>
           <a:lstStyle>
-            <a:lvl1pPr marL="0" indent="0" algn="ctr">
+            <a:lvl1pPr algn="ctr" indent="0" marL="0">
               <a:buNone/>
               <a:defRPr lang="en-US" sz="3200" b="1" dirty="0">
                 <a:latin typeface="Tenorite (Headings)" pitchFamily="34" charset="0"/>
@@ -4147,7 +4992,7 @@
             </a:lvl1pPr>
           </a:lstStyle>
           <a:p>
-            <a:pPr marL="0" indent="0" algn="ctr">
+            <a:pPr algn="ctr" indent="0" marL="0">
               <a:buNone/>
             </a:pPr>
             <a:r>
@@ -4168,11 +5013,9 @@
       <p:sp>
         <p:nvSpPr>
           <p:cNvPr id="3" name="Text 0"/>
-          <p:cNvSpPr>
-            <a:spLocks noGrp="1"/>
-          </p:cNvSpPr>
-          <p:nvPr>
-            <p:ph type="body" idx="101" hasCustomPrompt="1"/>
+          <p:cNvSpPr/>
+          <p:nvPr>
+            <p:ph idx="101" type="body" hasCustomPrompt="1"/>
           </p:nvPr>
         </p:nvSpPr>
         <p:spPr>
@@ -4189,7 +5032,7 @@
         <p:txBody>
           <a:bodyPr wrap="square" rtlCol="0"/>
           <a:lstStyle>
-            <a:lvl1pPr marL="0" indent="0" algn="l">
+            <a:lvl1pPr algn="l" indent="0" marL="0">
               <a:buNone/>
               <a:defRPr lang="en-US" sz="2000" dirty="0">
                 <a:latin typeface="Tenorite (Body)" pitchFamily="34" charset="0"/>
@@ -4199,7 +5042,7 @@
             </a:lvl1pPr>
           </a:lstStyle>
           <a:p>
-            <a:pPr marL="0" indent="0" algn="l">
+            <a:pPr algn="l" indent="0" marL="0">
               <a:buNone/>
             </a:pPr>
             <a:endParaRPr lang="en-US" sz="2000" dirty="0"/>
@@ -4209,11 +5052,9 @@
       <p:sp>
         <p:nvSpPr>
           <p:cNvPr id="4" name="Text 0"/>
-          <p:cNvSpPr>
-            <a:spLocks noGrp="1"/>
-          </p:cNvSpPr>
-          <p:nvPr>
-            <p:ph type="body" idx="102" hasCustomPrompt="1"/>
+          <p:cNvSpPr/>
+          <p:nvPr>
+            <p:ph idx="102" type="body" hasCustomPrompt="1"/>
           </p:nvPr>
         </p:nvSpPr>
         <p:spPr>
@@ -4230,7 +5071,7 @@
         <p:txBody>
           <a:bodyPr wrap="square" rtlCol="0"/>
           <a:lstStyle>
-            <a:lvl1pPr marL="0" indent="0" algn="l">
+            <a:lvl1pPr algn="l" indent="0" marL="0">
               <a:buNone/>
               <a:defRPr lang="en-US" sz="2000" dirty="0">
                 <a:latin typeface="Tenorite (Body)" pitchFamily="34" charset="0"/>
@@ -4240,7 +5081,7 @@
             </a:lvl1pPr>
           </a:lstStyle>
           <a:p>
-            <a:pPr marL="0" indent="0" algn="l">
+            <a:pPr algn="l" indent="0" marL="0">
               <a:buNone/>
             </a:pPr>
             <a:endParaRPr lang="en-US" sz="2000" dirty="0"/>
@@ -4250,11 +5091,9 @@
       <p:sp>
         <p:nvSpPr>
           <p:cNvPr id="5" name="Text 0"/>
-          <p:cNvSpPr>
-            <a:spLocks noGrp="1"/>
-          </p:cNvSpPr>
-          <p:nvPr>
-            <p:ph type="body" idx="103" hasCustomPrompt="1"/>
+          <p:cNvSpPr/>
+          <p:nvPr>
+            <p:ph idx="103" type="body" hasCustomPrompt="1"/>
           </p:nvPr>
         </p:nvSpPr>
         <p:spPr>
@@ -4271,7 +5110,7 @@
         <p:txBody>
           <a:bodyPr wrap="square" rtlCol="0"/>
           <a:lstStyle>
-            <a:lvl1pPr marL="0" indent="0" algn="l">
+            <a:lvl1pPr algn="l" indent="0" marL="0">
               <a:buNone/>
               <a:defRPr lang="en-US" sz="2000" dirty="0">
                 <a:latin typeface="Tenorite (Body)" pitchFamily="34" charset="0"/>
@@ -4281,7 +5120,7 @@
             </a:lvl1pPr>
           </a:lstStyle>
           <a:p>
-            <a:pPr marL="0" indent="0" algn="l">
+            <a:pPr algn="l" indent="0" marL="0">
               <a:buNone/>
             </a:pPr>
             <a:endParaRPr lang="en-US" sz="2000" dirty="0"/>
@@ -4309,9 +5148,20 @@
           <a:bodyPr wrap="square" rtlCol="0" anchor="ctr"/>
           <a:lstStyle/>
           <a:p>
-            <a:pPr marL="0" indent="0" algn="r">
-              <a:buNone/>
-            </a:pPr>
+            <a:pPr algn="r" indent="0" marL="0">
+              <a:buNone/>
+            </a:pPr>
+            <a:r>
+              <a:rPr lang="en-US" sz="1400" b="1" dirty="0">
+                <a:solidFill>
+                  <a:srgbClr val="F41C76"/>
+                </a:solidFill>
+                <a:latin typeface="Tenorite (Body)" pitchFamily="34" charset="0"/>
+                <a:ea typeface="Tenorite (Body)" pitchFamily="34" charset="-122"/>
+                <a:cs typeface="Tenorite (Body)" pitchFamily="34" charset="-120"/>
+              </a:rPr>
+              <a:t>Made with Ai Flavoured</a:t>
+            </a:r>
             <a:endParaRPr lang="en-US" sz="1400" dirty="0"/>
           </a:p>
         </p:txBody>
@@ -4319,11 +5169,9 @@
       <p:sp>
         <p:nvSpPr>
           <p:cNvPr id="7" name="Text 1"/>
-          <p:cNvSpPr>
-            <a:spLocks noGrp="1"/>
-          </p:cNvSpPr>
-          <p:nvPr>
-            <p:ph type="body" idx="105" hasCustomPrompt="1"/>
+          <p:cNvSpPr/>
+          <p:nvPr>
+            <p:ph idx="105" type="body" hasCustomPrompt="1"/>
           </p:nvPr>
         </p:nvSpPr>
         <p:spPr>
@@ -4340,7 +5188,7 @@
         <p:txBody>
           <a:bodyPr wrap="square" rtlCol="0"/>
           <a:lstStyle>
-            <a:lvl1pPr marL="0" indent="0" algn="ctr">
+            <a:lvl1pPr algn="ctr" indent="0" marL="0">
               <a:buNone/>
               <a:defRPr lang="en-US" sz="1200" dirty="0">
                 <a:latin typeface="Tenorite (Body)" pitchFamily="34" charset="0"/>
@@ -4350,7 +5198,7 @@
             </a:lvl1pPr>
           </a:lstStyle>
           <a:p>
-            <a:pPr marL="0" indent="0" algn="ctr">
+            <a:pPr algn="ctr" indent="0" marL="0">
               <a:buNone/>
             </a:pPr>
             <a:r>
@@ -4376,7 +5224,7 @@
 </p:sldLayout>
 </file>
 
-<file path=ppt/slideLayouts/slideLayout4.xml><?xml version="1.0" encoding="utf-8"?>
+<file path=ppt/slideLayouts/slideLayout5.xml><?xml version="1.0" encoding="utf-8"?>
 <p:sldLayout xmlns:a="http://schemas.openxmlformats.org/drawingml/2006/main" xmlns:r="http://schemas.openxmlformats.org/officeDocument/2006/relationships" xmlns:p="http://schemas.openxmlformats.org/presentationml/2006/main" preserve="1">
   <p:cSld name="sectionTitle">
     <p:spTree>
@@ -4396,11 +5244,9 @@
       <p:sp>
         <p:nvSpPr>
           <p:cNvPr id="2" name="Text 0"/>
-          <p:cNvSpPr>
-            <a:spLocks noGrp="1"/>
-          </p:cNvSpPr>
-          <p:nvPr>
-            <p:ph type="title" idx="100" hasCustomPrompt="1"/>
+          <p:cNvSpPr/>
+          <p:nvPr>
+            <p:ph idx="100" type="title" hasCustomPrompt="1"/>
           </p:nvPr>
         </p:nvSpPr>
         <p:spPr>
@@ -4417,7 +5263,7 @@
         <p:txBody>
           <a:bodyPr wrap="square" rtlCol="0"/>
           <a:lstStyle>
-            <a:lvl1pPr marL="0" indent="0" algn="ctr">
+            <a:lvl1pPr algn="ctr" indent="0" marL="0">
               <a:buNone/>
               <a:defRPr lang="en-US" sz="4000" b="1" dirty="0">
                 <a:latin typeface="Tenorite (Headings)" pitchFamily="34" charset="0"/>
@@ -4427,7 +5273,7 @@
             </a:lvl1pPr>
           </a:lstStyle>
           <a:p>
-            <a:pPr marL="0" indent="0" algn="ctr">
+            <a:pPr algn="ctr" indent="0" marL="0">
               <a:buNone/>
             </a:pPr>
             <a:r>
@@ -4448,9 +5294,7 @@
       <p:sp>
         <p:nvSpPr>
           <p:cNvPr id="3" name="Text 0"/>
-          <p:cNvSpPr>
-            <a:spLocks noGrp="1"/>
-          </p:cNvSpPr>
+          <p:cNvSpPr/>
           <p:nvPr>
             <p:ph idx="101" hasCustomPrompt="1"/>
           </p:nvPr>
@@ -4469,13 +5313,13 @@
         <p:txBody>
           <a:bodyPr wrap="square" rtlCol="0"/>
           <a:lstStyle>
-            <a:lvl1pPr marL="0" indent="0">
+            <a:lvl1pPr indent="0" marL="0">
               <a:buNone/>
               <a:defRPr lang="en-US" dirty="0"/>
             </a:lvl1pPr>
           </a:lstStyle>
           <a:p>
-            <a:pPr marL="0" indent="0">
+            <a:pPr indent="0" marL="0">
               <a:buNone/>
             </a:pPr>
             <a:r>
@@ -4511,9 +5355,20 @@
           <a:bodyPr wrap="square" rtlCol="0" anchor="ctr"/>
           <a:lstStyle/>
           <a:p>
-            <a:pPr marL="0" indent="0" algn="r">
-              <a:buNone/>
-            </a:pPr>
+            <a:pPr algn="r" indent="0" marL="0">
+              <a:buNone/>
+            </a:pPr>
+            <a:r>
+              <a:rPr lang="en-US" sz="1400" b="1" dirty="0">
+                <a:solidFill>
+                  <a:srgbClr val="F41C76"/>
+                </a:solidFill>
+                <a:latin typeface="Tenorite (Headings)" pitchFamily="34" charset="0"/>
+                <a:ea typeface="Tenorite (Headings)" pitchFamily="34" charset="-122"/>
+                <a:cs typeface="Tenorite (Headings)" pitchFamily="34" charset="-120"/>
+              </a:rPr>
+              <a:t>Made with Ai Flavoured</a:t>
+            </a:r>
             <a:endParaRPr lang="en-US" sz="1400" dirty="0"/>
           </a:p>
         </p:txBody>
@@ -4521,11 +5376,9 @@
       <p:sp>
         <p:nvSpPr>
           <p:cNvPr id="5" name="Text 1"/>
-          <p:cNvSpPr>
-            <a:spLocks noGrp="1"/>
-          </p:cNvSpPr>
-          <p:nvPr>
-            <p:ph type="body" idx="103" hasCustomPrompt="1"/>
+          <p:cNvSpPr/>
+          <p:nvPr>
+            <p:ph idx="103" type="body" hasCustomPrompt="1"/>
           </p:nvPr>
         </p:nvSpPr>
         <p:spPr>
@@ -4542,7 +5395,7 @@
         <p:txBody>
           <a:bodyPr wrap="square" rtlCol="0"/>
           <a:lstStyle>
-            <a:lvl1pPr marL="0" indent="0" algn="ctr">
+            <a:lvl1pPr algn="ctr" indent="0" marL="0">
               <a:buNone/>
               <a:defRPr lang="en-US" sz="1200" dirty="0">
                 <a:latin typeface="Tenorite (Headings)" pitchFamily="34" charset="0"/>
@@ -4552,7 +5405,7 @@
             </a:lvl1pPr>
           </a:lstStyle>
           <a:p>
-            <a:pPr marL="0" indent="0" algn="ctr">
+            <a:pPr algn="ctr" indent="0" marL="0">
               <a:buNone/>
             </a:pPr>
             <a:r>
@@ -4578,7 +5431,7 @@
 </p:sldLayout>
 </file>
 
-<file path=ppt/slideLayouts/slideLayout5.xml><?xml version="1.0" encoding="utf-8"?>
+<file path=ppt/slideLayouts/slideLayout6.xml><?xml version="1.0" encoding="utf-8"?>
 <p:sldLayout xmlns:a="http://schemas.openxmlformats.org/drawingml/2006/main" xmlns:r="http://schemas.openxmlformats.org/officeDocument/2006/relationships" xmlns:p="http://schemas.openxmlformats.org/presentationml/2006/main" preserve="1">
   <p:cSld name="overview">
     <p:spTree>
@@ -4598,11 +5451,52 @@
       <p:sp>
         <p:nvSpPr>
           <p:cNvPr id="2" name="Text 0"/>
-          <p:cNvSpPr>
-            <a:spLocks noGrp="1"/>
-          </p:cNvSpPr>
-          <p:nvPr>
-            <p:ph type="title" idx="100" hasCustomPrompt="1"/>
+          <p:cNvSpPr/>
+          <p:nvPr>
+            <p:ph idx="100" hasCustomPrompt="1"/>
+          </p:nvPr>
+        </p:nvSpPr>
+        <p:spPr>
+          <a:xfrm>
+            <a:off x="0" y="0"/>
+            <a:ext cx="6099048" cy="6858000"/>
+          </a:xfrm>
+          <a:prstGeom prst="rect">
+            <a:avLst/>
+          </a:prstGeom>
+          <a:noFill/>
+          <a:ln/>
+        </p:spPr>
+        <p:txBody>
+          <a:bodyPr wrap="square" rtlCol="0"/>
+          <a:lstStyle>
+            <a:lvl1pPr indent="0" marL="0">
+              <a:buNone/>
+              <a:defRPr lang="en-US" dirty="0"/>
+            </a:lvl1pPr>
+          </a:lstStyle>
+          <a:p>
+            <a:pPr indent="0" marL="0">
+              <a:buNone/>
+            </a:pPr>
+            <a:r>
+              <a:rPr lang="en-US" dirty="0">
+                <a:solidFill>
+                  <a:srgbClr val="000000"/>
+                </a:solidFill>
+              </a:rPr>
+              <a:t>Picture Placeholder</a:t>
+            </a:r>
+            <a:endParaRPr lang="en-US" dirty="0"/>
+          </a:p>
+        </p:txBody>
+      </p:sp>
+      <p:sp>
+        <p:nvSpPr>
+          <p:cNvPr id="3" name="Text 0"/>
+          <p:cNvSpPr/>
+          <p:nvPr>
+            <p:ph idx="101" type="title" hasCustomPrompt="1"/>
           </p:nvPr>
         </p:nvSpPr>
         <p:spPr>
@@ -4619,7 +5513,7 @@
         <p:txBody>
           <a:bodyPr wrap="square" rtlCol="0"/>
           <a:lstStyle>
-            <a:lvl1pPr marL="0" indent="0" algn="ctr">
+            <a:lvl1pPr algn="ctr" indent="0" marL="0">
               <a:buNone/>
               <a:defRPr lang="en-US" sz="4800" b="1" dirty="0">
                 <a:latin typeface="Tenorite (Headings)" pitchFamily="34" charset="0"/>
@@ -4629,7 +5523,7 @@
             </a:lvl1pPr>
           </a:lstStyle>
           <a:p>
-            <a:pPr marL="0" indent="0" algn="ctr">
+            <a:pPr algn="ctr" indent="0" marL="0">
               <a:buNone/>
             </a:pPr>
             <a:r>
@@ -4649,12 +5543,10 @@
       </p:sp>
       <p:sp>
         <p:nvSpPr>
-          <p:cNvPr id="3" name="Text 0"/>
-          <p:cNvSpPr>
-            <a:spLocks noGrp="1"/>
-          </p:cNvSpPr>
-          <p:nvPr>
-            <p:ph type="body" idx="101" hasCustomPrompt="1"/>
+          <p:cNvPr id="4" name="Text 0"/>
+          <p:cNvSpPr/>
+          <p:nvPr>
+            <p:ph idx="102" type="body" hasCustomPrompt="1"/>
           </p:nvPr>
         </p:nvSpPr>
         <p:spPr>
@@ -4671,7 +5563,7 @@
         <p:txBody>
           <a:bodyPr wrap="square" rtlCol="0"/>
           <a:lstStyle>
-            <a:lvl1pPr marL="0" indent="0" algn="ctr">
+            <a:lvl1pPr algn="ctr" indent="0" marL="0">
               <a:buNone/>
               <a:defRPr lang="en-US" sz="2000" dirty="0">
                 <a:latin typeface="Tenorite (Headings)" pitchFamily="34" charset="0"/>
@@ -4681,7 +5573,7 @@
             </a:lvl1pPr>
           </a:lstStyle>
           <a:p>
-            <a:pPr marL="0" indent="0" algn="ctr">
+            <a:pPr algn="ctr" indent="0" marL="0">
               <a:buNone/>
             </a:pPr>
             <a:r>
@@ -4701,18 +5593,55 @@
       </p:sp>
       <p:sp>
         <p:nvSpPr>
-          <p:cNvPr id="4" name="Text 0"/>
-          <p:cNvSpPr>
-            <a:spLocks noGrp="1"/>
-          </p:cNvSpPr>
-          <p:nvPr>
-            <p:ph idx="102" hasCustomPrompt="1"/>
-          </p:nvPr>
-        </p:nvSpPr>
-        <p:spPr>
-          <a:xfrm>
-            <a:off x="0" y="0"/>
-            <a:ext cx="6099048" cy="6858000"/>
+          <p:cNvPr id="5" name="Text 0"/>
+          <p:cNvSpPr/>
+          <p:nvPr/>
+        </p:nvSpPr>
+        <p:spPr>
+          <a:xfrm>
+            <a:off x="9144000" y="3657600"/>
+            <a:ext cx="3017520" cy="5943600"/>
+          </a:xfrm>
+          <a:prstGeom prst="rect">
+            <a:avLst/>
+          </a:prstGeom>
+          <a:noFill/>
+          <a:ln/>
+        </p:spPr>
+        <p:txBody>
+          <a:bodyPr wrap="square" rtlCol="0" anchor="ctr"/>
+          <a:lstStyle/>
+          <a:p>
+            <a:pPr algn="r" indent="0" marL="0">
+              <a:buNone/>
+            </a:pPr>
+            <a:r>
+              <a:rPr lang="en-US" sz="1400" b="1" dirty="0">
+                <a:solidFill>
+                  <a:srgbClr val="F41C76"/>
+                </a:solidFill>
+                <a:latin typeface="Tenorite (Headings)" pitchFamily="34" charset="0"/>
+                <a:ea typeface="Tenorite (Headings)" pitchFamily="34" charset="-122"/>
+                <a:cs typeface="Tenorite (Headings)" pitchFamily="34" charset="-120"/>
+              </a:rPr>
+              <a:t>Made with Ai Flavoured</a:t>
+            </a:r>
+            <a:endParaRPr lang="en-US" sz="1400" dirty="0"/>
+          </a:p>
+        </p:txBody>
+      </p:sp>
+      <p:sp>
+        <p:nvSpPr>
+          <p:cNvPr id="6" name="Text 1"/>
+          <p:cNvSpPr/>
+          <p:nvPr>
+            <p:ph idx="104" type="body" hasCustomPrompt="1"/>
+          </p:nvPr>
+        </p:nvSpPr>
+        <p:spPr>
+          <a:xfrm>
+            <a:off x="457200" y="6446520"/>
+            <a:ext cx="640080" cy="365760"/>
           </a:xfrm>
           <a:prstGeom prst="rect">
             <a:avLst/>
@@ -4723,80 +5652,7 @@
         <p:txBody>
           <a:bodyPr wrap="square" rtlCol="0"/>
           <a:lstStyle>
-            <a:lvl1pPr marL="0" indent="0">
-              <a:buNone/>
-              <a:defRPr lang="en-US" dirty="0"/>
-            </a:lvl1pPr>
-          </a:lstStyle>
-          <a:p>
-            <a:pPr marL="0" indent="0">
-              <a:buNone/>
-            </a:pPr>
-            <a:r>
-              <a:rPr lang="en-US" dirty="0">
-                <a:solidFill>
-                  <a:srgbClr val="000000"/>
-                </a:solidFill>
-              </a:rPr>
-              <a:t>Subtitle Placeholder</a:t>
-            </a:r>
-            <a:endParaRPr lang="en-US" dirty="0"/>
-          </a:p>
-        </p:txBody>
-      </p:sp>
-      <p:sp>
-        <p:nvSpPr>
-          <p:cNvPr id="5" name="Text 0"/>
-          <p:cNvSpPr/>
-          <p:nvPr/>
-        </p:nvSpPr>
-        <p:spPr>
-          <a:xfrm>
-            <a:off x="9144000" y="3657600"/>
-            <a:ext cx="3017520" cy="5943600"/>
-          </a:xfrm>
-          <a:prstGeom prst="rect">
-            <a:avLst/>
-          </a:prstGeom>
-          <a:noFill/>
-          <a:ln/>
-        </p:spPr>
-        <p:txBody>
-          <a:bodyPr wrap="square" rtlCol="0" anchor="ctr"/>
-          <a:lstStyle/>
-          <a:p>
-            <a:pPr marL="0" indent="0" algn="r">
-              <a:buNone/>
-            </a:pPr>
-            <a:endParaRPr lang="en-US" sz="1400" dirty="0"/>
-          </a:p>
-        </p:txBody>
-      </p:sp>
-      <p:sp>
-        <p:nvSpPr>
-          <p:cNvPr id="6" name="Text 1"/>
-          <p:cNvSpPr>
-            <a:spLocks noGrp="1"/>
-          </p:cNvSpPr>
-          <p:nvPr>
-            <p:ph type="body" idx="104" hasCustomPrompt="1"/>
-          </p:nvPr>
-        </p:nvSpPr>
-        <p:spPr>
-          <a:xfrm>
-            <a:off x="457200" y="6446520"/>
-            <a:ext cx="640080" cy="365760"/>
-          </a:xfrm>
-          <a:prstGeom prst="rect">
-            <a:avLst/>
-          </a:prstGeom>
-          <a:noFill/>
-          <a:ln/>
-        </p:spPr>
-        <p:txBody>
-          <a:bodyPr wrap="square" rtlCol="0"/>
-          <a:lstStyle>
-            <a:lvl1pPr marL="0" indent="0" algn="ctr">
+            <a:lvl1pPr algn="ctr" indent="0" marL="0">
               <a:buNone/>
               <a:defRPr lang="en-US" sz="1200" dirty="0">
                 <a:latin typeface="Tenorite (Headings)" pitchFamily="34" charset="0"/>
@@ -4806,7 +5662,7 @@
             </a:lvl1pPr>
           </a:lstStyle>
           <a:p>
-            <a:pPr marL="0" indent="0" algn="ctr">
+            <a:pPr algn="ctr" indent="0" marL="0">
               <a:buNone/>
             </a:pPr>
             <a:r>
@@ -4832,7 +5688,7 @@
 </p:sldLayout>
 </file>
 
-<file path=ppt/slideLayouts/slideLayout6.xml><?xml version="1.0" encoding="utf-8"?>
+<file path=ppt/slideLayouts/slideLayout7.xml><?xml version="1.0" encoding="utf-8"?>
 <p:sldLayout xmlns:a="http://schemas.openxmlformats.org/drawingml/2006/main" xmlns:r="http://schemas.openxmlformats.org/officeDocument/2006/relationships" xmlns:p="http://schemas.openxmlformats.org/presentationml/2006/main" preserve="1">
   <p:cSld name="titleSlide">
     <p:spTree>
@@ -4852,11 +5708,9 @@
       <p:sp>
         <p:nvSpPr>
           <p:cNvPr id="2" name="Text 0"/>
-          <p:cNvSpPr>
-            <a:spLocks noGrp="1"/>
-          </p:cNvSpPr>
-          <p:nvPr>
-            <p:ph type="title" idx="100" hasCustomPrompt="1"/>
+          <p:cNvSpPr/>
+          <p:nvPr>
+            <p:ph idx="100" type="title" hasCustomPrompt="1"/>
           </p:nvPr>
         </p:nvSpPr>
         <p:spPr>
@@ -4873,7 +5727,7 @@
         <p:txBody>
           <a:bodyPr wrap="square" rtlCol="0"/>
           <a:lstStyle>
-            <a:lvl1pPr marL="0" indent="0" algn="l">
+            <a:lvl1pPr algn="l" indent="0" marL="0">
               <a:buNone/>
               <a:defRPr lang="en-US" sz="6000" b="1" dirty="0">
                 <a:latin typeface="Tenorite (Headings)" pitchFamily="34" charset="0"/>
@@ -4883,7 +5737,7 @@
             </a:lvl1pPr>
           </a:lstStyle>
           <a:p>
-            <a:pPr marL="0" indent="0" algn="l">
+            <a:pPr algn="l" indent="0" marL="0">
               <a:buNone/>
             </a:pPr>
             <a:r>
@@ -4904,11 +5758,9 @@
       <p:sp>
         <p:nvSpPr>
           <p:cNvPr id="3" name="Text 0"/>
-          <p:cNvSpPr>
-            <a:spLocks noGrp="1"/>
-          </p:cNvSpPr>
-          <p:nvPr>
-            <p:ph type="body" idx="101" hasCustomPrompt="1"/>
+          <p:cNvSpPr/>
+          <p:nvPr>
+            <p:ph idx="101" type="body" hasCustomPrompt="1"/>
           </p:nvPr>
         </p:nvSpPr>
         <p:spPr>
@@ -4925,7 +5777,7 @@
         <p:txBody>
           <a:bodyPr wrap="square" rtlCol="0"/>
           <a:lstStyle>
-            <a:lvl1pPr marL="0" indent="0" algn="l">
+            <a:lvl1pPr algn="l" indent="0" marL="0">
               <a:buNone/>
               <a:defRPr lang="en-US" sz="2800" dirty="0">
                 <a:latin typeface="Tenorite (Body)" pitchFamily="34" charset="0"/>
@@ -4935,7 +5787,7 @@
             </a:lvl1pPr>
           </a:lstStyle>
           <a:p>
-            <a:pPr marL="0" indent="0" algn="l">
+            <a:pPr algn="l" indent="0" marL="0">
               <a:buNone/>
             </a:pPr>
             <a:r>
@@ -4974,9 +5826,20 @@
           <a:bodyPr wrap="square" rtlCol="0" anchor="ctr"/>
           <a:lstStyle/>
           <a:p>
-            <a:pPr marL="0" indent="0" algn="r">
-              <a:buNone/>
-            </a:pPr>
+            <a:pPr algn="r" indent="0" marL="0">
+              <a:buNone/>
+            </a:pPr>
+            <a:r>
+              <a:rPr lang="en-US" sz="1400" b="1" dirty="0">
+                <a:solidFill>
+                  <a:srgbClr val="F41C76"/>
+                </a:solidFill>
+                <a:latin typeface="Tenorite (Body)" pitchFamily="34" charset="0"/>
+                <a:ea typeface="Tenorite (Body)" pitchFamily="34" charset="-122"/>
+                <a:cs typeface="Tenorite (Body)" pitchFamily="34" charset="-120"/>
+              </a:rPr>
+              <a:t>Made with Ai Flavoured</a:t>
+            </a:r>
             <a:endParaRPr lang="en-US" sz="1400" dirty="0"/>
           </a:p>
         </p:txBody>
@@ -4984,11 +5847,9 @@
       <p:sp>
         <p:nvSpPr>
           <p:cNvPr id="5" name="Text 1"/>
-          <p:cNvSpPr>
-            <a:spLocks noGrp="1"/>
-          </p:cNvSpPr>
-          <p:nvPr>
-            <p:ph type="body" idx="103" hasCustomPrompt="1"/>
+          <p:cNvSpPr/>
+          <p:nvPr>
+            <p:ph idx="103" type="body" hasCustomPrompt="1"/>
           </p:nvPr>
         </p:nvSpPr>
         <p:spPr>
@@ -5005,7 +5866,7 @@
         <p:txBody>
           <a:bodyPr wrap="square" rtlCol="0"/>
           <a:lstStyle>
-            <a:lvl1pPr marL="0" indent="0" algn="ctr">
+            <a:lvl1pPr algn="ctr" indent="0" marL="0">
               <a:buNone/>
               <a:defRPr lang="en-US" sz="1200" dirty="0">
                 <a:latin typeface="Tenorite (Body)" pitchFamily="34" charset="0"/>
@@ -5015,7 +5876,7 @@
             </a:lvl1pPr>
           </a:lstStyle>
           <a:p>
-            <a:pPr marL="0" indent="0" algn="ctr">
+            <a:pPr algn="ctr" indent="0" marL="0">
               <a:buNone/>
             </a:pPr>
             <a:r>
@@ -5041,7 +5902,7 @@
 </p:sldLayout>
 </file>
 
-<file path=ppt/slideLayouts/slideLayout7.xml><?xml version="1.0" encoding="utf-8"?>
+<file path=ppt/slideLayouts/slideLayout8.xml><?xml version="1.0" encoding="utf-8"?>
 <p:sldLayout xmlns:a="http://schemas.openxmlformats.org/drawingml/2006/main" xmlns:r="http://schemas.openxmlformats.org/officeDocument/2006/relationships" xmlns:p="http://schemas.openxmlformats.org/presentationml/2006/main" preserve="1">
   <p:cSld name="titleAndContent">
     <p:spTree>
@@ -5061,11 +5922,9 @@
       <p:sp>
         <p:nvSpPr>
           <p:cNvPr id="2" name="Text 0"/>
-          <p:cNvSpPr>
-            <a:spLocks noGrp="1"/>
-          </p:cNvSpPr>
-          <p:nvPr>
-            <p:ph type="title" idx="100" hasCustomPrompt="1"/>
+          <p:cNvSpPr/>
+          <p:nvPr>
+            <p:ph idx="100" type="title" hasCustomPrompt="1"/>
           </p:nvPr>
         </p:nvSpPr>
         <p:spPr>
@@ -5082,7 +5941,7 @@
         <p:txBody>
           <a:bodyPr wrap="square" rtlCol="0"/>
           <a:lstStyle>
-            <a:lvl1pPr marL="0" indent="0" algn="ctr">
+            <a:lvl1pPr algn="ctr" indent="0" marL="0">
               <a:buNone/>
               <a:defRPr lang="en-US" sz="3200" b="1" dirty="0">
                 <a:latin typeface="Tenorite (Headings)" pitchFamily="34" charset="0"/>
@@ -5092,7 +5951,7 @@
             </a:lvl1pPr>
           </a:lstStyle>
           <a:p>
-            <a:pPr marL="0" indent="0" algn="ctr">
+            <a:pPr algn="ctr" indent="0" marL="0">
               <a:buNone/>
             </a:pPr>
             <a:r>
@@ -5113,11 +5972,9 @@
       <p:sp>
         <p:nvSpPr>
           <p:cNvPr id="3" name="Text 0"/>
-          <p:cNvSpPr>
-            <a:spLocks noGrp="1"/>
-          </p:cNvSpPr>
-          <p:nvPr>
-            <p:ph type="body" idx="101" hasCustomPrompt="1"/>
+          <p:cNvSpPr/>
+          <p:nvPr>
+            <p:ph idx="101" type="body" hasCustomPrompt="1"/>
           </p:nvPr>
         </p:nvSpPr>
         <p:spPr>
@@ -5134,7 +5991,7 @@
         <p:txBody>
           <a:bodyPr wrap="square" rtlCol="0"/>
           <a:lstStyle>
-            <a:lvl1pPr marL="0" indent="0" algn="l">
+            <a:lvl1pPr algn="l" indent="0" marL="0">
               <a:buNone/>
               <a:defRPr lang="en-US" sz="2000" dirty="0">
                 <a:latin typeface="Tenorite (Body)" pitchFamily="34" charset="0"/>
@@ -5144,7 +6001,7 @@
             </a:lvl1pPr>
           </a:lstStyle>
           <a:p>
-            <a:pPr marL="0" indent="0" algn="l">
+            <a:pPr algn="l" indent="0" marL="0">
               <a:buNone/>
             </a:pPr>
             <a:endParaRPr lang="en-US" sz="2000" dirty="0"/>
@@ -5154,11 +6011,9 @@
       <p:sp>
         <p:nvSpPr>
           <p:cNvPr id="4" name="Text 0"/>
-          <p:cNvSpPr>
-            <a:spLocks noGrp="1"/>
-          </p:cNvSpPr>
-          <p:nvPr>
-            <p:ph type="body" idx="102" hasCustomPrompt="1"/>
+          <p:cNvSpPr/>
+          <p:nvPr>
+            <p:ph idx="102" type="body" hasCustomPrompt="1"/>
           </p:nvPr>
         </p:nvSpPr>
         <p:spPr>
@@ -5175,7 +6030,7 @@
         <p:txBody>
           <a:bodyPr wrap="square" rtlCol="0"/>
           <a:lstStyle>
-            <a:lvl1pPr marL="0" indent="0" algn="l">
+            <a:lvl1pPr algn="l" indent="0" marL="0">
               <a:buNone/>
               <a:defRPr lang="en-US" sz="2000" dirty="0">
                 <a:latin typeface="Tenorite (Body)" pitchFamily="34" charset="0"/>
@@ -5185,7 +6040,7 @@
             </a:lvl1pPr>
           </a:lstStyle>
           <a:p>
-            <a:pPr marL="0" indent="0" algn="l">
+            <a:pPr algn="l" indent="0" marL="0">
               <a:buNone/>
             </a:pPr>
             <a:endParaRPr lang="en-US" sz="2000" dirty="0"/>
@@ -5195,11 +6050,9 @@
       <p:sp>
         <p:nvSpPr>
           <p:cNvPr id="5" name="Text 0"/>
-          <p:cNvSpPr>
-            <a:spLocks noGrp="1"/>
-          </p:cNvSpPr>
-          <p:nvPr>
-            <p:ph type="body" idx="103" hasCustomPrompt="1"/>
+          <p:cNvSpPr/>
+          <p:nvPr>
+            <p:ph idx="103" type="body" hasCustomPrompt="1"/>
           </p:nvPr>
         </p:nvSpPr>
         <p:spPr>
@@ -5216,7 +6069,7 @@
         <p:txBody>
           <a:bodyPr wrap="square" rtlCol="0"/>
           <a:lstStyle>
-            <a:lvl1pPr marL="0" indent="0" algn="l">
+            <a:lvl1pPr algn="l" indent="0" marL="0">
               <a:buNone/>
               <a:defRPr lang="en-US" sz="2000" dirty="0">
                 <a:latin typeface="Tenorite (Body)" pitchFamily="34" charset="0"/>
@@ -5226,7 +6079,7 @@
             </a:lvl1pPr>
           </a:lstStyle>
           <a:p>
-            <a:pPr marL="0" indent="0" algn="l">
+            <a:pPr algn="l" indent="0" marL="0">
               <a:buNone/>
             </a:pPr>
             <a:endParaRPr lang="en-US" sz="2000" dirty="0"/>
@@ -5254,9 +6107,20 @@
           <a:bodyPr wrap="square" rtlCol="0" anchor="ctr"/>
           <a:lstStyle/>
           <a:p>
-            <a:pPr marL="0" indent="0" algn="r">
-              <a:buNone/>
-            </a:pPr>
+            <a:pPr algn="r" indent="0" marL="0">
+              <a:buNone/>
+            </a:pPr>
+            <a:r>
+              <a:rPr lang="en-US" sz="1400" b="1" dirty="0">
+                <a:solidFill>
+                  <a:srgbClr val="F41C76"/>
+                </a:solidFill>
+                <a:latin typeface="Tenorite (Body)" pitchFamily="34" charset="0"/>
+                <a:ea typeface="Tenorite (Body)" pitchFamily="34" charset="-122"/>
+                <a:cs typeface="Tenorite (Body)" pitchFamily="34" charset="-120"/>
+              </a:rPr>
+              <a:t>Made with Ai Flavoured</a:t>
+            </a:r>
             <a:endParaRPr lang="en-US" sz="1400" dirty="0"/>
           </a:p>
         </p:txBody>
@@ -5264,11 +6128,9 @@
       <p:sp>
         <p:nvSpPr>
           <p:cNvPr id="7" name="Text 1"/>
-          <p:cNvSpPr>
-            <a:spLocks noGrp="1"/>
-          </p:cNvSpPr>
-          <p:nvPr>
-            <p:ph type="body" idx="105" hasCustomPrompt="1"/>
+          <p:cNvSpPr/>
+          <p:nvPr>
+            <p:ph idx="105" type="body" hasCustomPrompt="1"/>
           </p:nvPr>
         </p:nvSpPr>
         <p:spPr>
@@ -5285,7 +6147,7 @@
         <p:txBody>
           <a:bodyPr wrap="square" rtlCol="0"/>
           <a:lstStyle>
-            <a:lvl1pPr marL="0" indent="0" algn="ctr">
+            <a:lvl1pPr algn="ctr" indent="0" marL="0">
               <a:buNone/>
               <a:defRPr lang="en-US" sz="1200" dirty="0">
                 <a:latin typeface="Tenorite (Body)" pitchFamily="34" charset="0"/>
@@ -5295,7 +6157,7 @@
             </a:lvl1pPr>
           </a:lstStyle>
           <a:p>
-            <a:pPr marL="0" indent="0" algn="ctr">
+            <a:pPr algn="ctr" indent="0" marL="0">
               <a:buNone/>
             </a:pPr>
             <a:r>
@@ -5321,7 +6183,7 @@
 </p:sldLayout>
 </file>
 
-<file path=ppt/slideLayouts/slideLayout8.xml><?xml version="1.0" encoding="utf-8"?>
+<file path=ppt/slideLayouts/slideLayout9.xml><?xml version="1.0" encoding="utf-8"?>
 <p:sldLayout xmlns:a="http://schemas.openxmlformats.org/drawingml/2006/main" xmlns:r="http://schemas.openxmlformats.org/officeDocument/2006/relationships" xmlns:p="http://schemas.openxmlformats.org/presentationml/2006/main" preserve="1">
   <p:cSld name="sectionTitle">
     <p:spTree>
@@ -5341,11 +6203,9 @@
       <p:sp>
         <p:nvSpPr>
           <p:cNvPr id="2" name="Text 0"/>
-          <p:cNvSpPr>
-            <a:spLocks noGrp="1"/>
-          </p:cNvSpPr>
-          <p:nvPr>
-            <p:ph type="title" idx="100" hasCustomPrompt="1"/>
+          <p:cNvSpPr/>
+          <p:nvPr>
+            <p:ph idx="100" type="title" hasCustomPrompt="1"/>
           </p:nvPr>
         </p:nvSpPr>
         <p:spPr>
@@ -5362,7 +6222,7 @@
         <p:txBody>
           <a:bodyPr wrap="square" rtlCol="0"/>
           <a:lstStyle>
-            <a:lvl1pPr marL="0" indent="0" algn="ctr">
+            <a:lvl1pPr algn="ctr" indent="0" marL="0">
               <a:buNone/>
               <a:defRPr lang="en-US" sz="4000" b="1" dirty="0">
                 <a:latin typeface="Tenorite (Headings)" pitchFamily="34" charset="0"/>
@@ -5372,7 +6232,7 @@
             </a:lvl1pPr>
           </a:lstStyle>
           <a:p>
-            <a:pPr marL="0" indent="0" algn="ctr">
+            <a:pPr algn="ctr" indent="0" marL="0">
               <a:buNone/>
             </a:pPr>
             <a:r>
@@ -5393,9 +6253,7 @@
       <p:sp>
         <p:nvSpPr>
           <p:cNvPr id="3" name="Text 0"/>
-          <p:cNvSpPr>
-            <a:spLocks noGrp="1"/>
-          </p:cNvSpPr>
+          <p:cNvSpPr/>
           <p:nvPr>
             <p:ph idx="101" hasCustomPrompt="1"/>
           </p:nvPr>
@@ -5414,13 +6272,13 @@
         <p:txBody>
           <a:bodyPr wrap="square" rtlCol="0"/>
           <a:lstStyle>
-            <a:lvl1pPr marL="0" indent="0">
+            <a:lvl1pPr indent="0" marL="0">
               <a:buNone/>
               <a:defRPr lang="en-US" dirty="0"/>
             </a:lvl1pPr>
           </a:lstStyle>
           <a:p>
-            <a:pPr marL="0" indent="0">
+            <a:pPr indent="0" marL="0">
               <a:buNone/>
             </a:pPr>
             <a:r>
@@ -5456,9 +6314,20 @@
           <a:bodyPr wrap="square" rtlCol="0" anchor="ctr"/>
           <a:lstStyle/>
           <a:p>
-            <a:pPr marL="0" indent="0" algn="r">
-              <a:buNone/>
-            </a:pPr>
+            <a:pPr algn="r" indent="0" marL="0">
+              <a:buNone/>
+            </a:pPr>
+            <a:r>
+              <a:rPr lang="en-US" sz="1400" b="1" dirty="0">
+                <a:solidFill>
+                  <a:srgbClr val="F41C76"/>
+                </a:solidFill>
+                <a:latin typeface="Tenorite (Headings)" pitchFamily="34" charset="0"/>
+                <a:ea typeface="Tenorite (Headings)" pitchFamily="34" charset="-122"/>
+                <a:cs typeface="Tenorite (Headings)" pitchFamily="34" charset="-120"/>
+              </a:rPr>
+              <a:t>Made with Ai Flavoured</a:t>
+            </a:r>
             <a:endParaRPr lang="en-US" sz="1400" dirty="0"/>
           </a:p>
         </p:txBody>
@@ -5466,11 +6335,9 @@
       <p:sp>
         <p:nvSpPr>
           <p:cNvPr id="5" name="Text 1"/>
-          <p:cNvSpPr>
-            <a:spLocks noGrp="1"/>
-          </p:cNvSpPr>
-          <p:nvPr>
-            <p:ph type="body" idx="103" hasCustomPrompt="1"/>
+          <p:cNvSpPr/>
+          <p:nvPr>
+            <p:ph idx="103" type="body" hasCustomPrompt="1"/>
           </p:nvPr>
         </p:nvSpPr>
         <p:spPr>
@@ -5487,7 +6354,7 @@
         <p:txBody>
           <a:bodyPr wrap="square" rtlCol="0"/>
           <a:lstStyle>
-            <a:lvl1pPr marL="0" indent="0" algn="ctr">
+            <a:lvl1pPr algn="ctr" indent="0" marL="0">
               <a:buNone/>
               <a:defRPr lang="en-US" sz="1200" dirty="0">
                 <a:latin typeface="Tenorite (Headings)" pitchFamily="34" charset="0"/>
@@ -5497,7 +6364,7 @@
             </a:lvl1pPr>
           </a:lstStyle>
           <a:p>
-            <a:pPr marL="0" indent="0" algn="ctr">
+            <a:pPr algn="ctr" indent="0" marL="0">
               <a:buNone/>
             </a:pPr>
             <a:r>
@@ -5508,245 +6375,6 @@
                 <a:latin typeface="Tenorite (Headings)" pitchFamily="34" charset="0"/>
                 <a:ea typeface="Tenorite (Headings)" pitchFamily="34" charset="-122"/>
                 <a:cs typeface="Tenorite (Headings)" pitchFamily="34" charset="-120"/>
-              </a:rPr>
-              <a:t>SlideNumber Placeholder</a:t>
-            </a:r>
-            <a:endParaRPr lang="en-US" sz="1200" dirty="0"/>
-          </a:p>
-        </p:txBody>
-      </p:sp>
-    </p:spTree>
-  </p:cSld>
-  <p:clrMapOvr>
-    <a:masterClrMapping/>
-  </p:clrMapOvr>
-</p:sldLayout>
-</file>
-
-<file path=ppt/slideLayouts/slideLayout9.xml><?xml version="1.0" encoding="utf-8"?>
-<p:sldLayout xmlns:a="http://schemas.openxmlformats.org/drawingml/2006/main" xmlns:r="http://schemas.openxmlformats.org/officeDocument/2006/relationships" xmlns:p="http://schemas.openxmlformats.org/presentationml/2006/main" preserve="1">
-  <p:cSld name="twoContent">
-    <p:spTree>
-      <p:nvGrpSpPr>
-        <p:cNvPr id="1" name=""/>
-        <p:cNvGrpSpPr/>
-        <p:nvPr/>
-      </p:nvGrpSpPr>
-      <p:grpSpPr>
-        <a:xfrm>
-          <a:off x="0" y="0"/>
-          <a:ext cx="0" cy="0"/>
-          <a:chOff x="0" y="0"/>
-          <a:chExt cx="0" cy="0"/>
-        </a:xfrm>
-      </p:grpSpPr>
-      <p:sp>
-        <p:nvSpPr>
-          <p:cNvPr id="2" name="Text 0"/>
-          <p:cNvSpPr>
-            <a:spLocks noGrp="1"/>
-          </p:cNvSpPr>
-          <p:nvPr>
-            <p:ph type="title" idx="100" hasCustomPrompt="1"/>
-          </p:nvPr>
-        </p:nvSpPr>
-        <p:spPr>
-          <a:xfrm>
-            <a:off x="914400" y="365760"/>
-            <a:ext cx="10360152" cy="1627632"/>
-          </a:xfrm>
-          <a:prstGeom prst="rect">
-            <a:avLst/>
-          </a:prstGeom>
-          <a:noFill/>
-          <a:ln/>
-        </p:spPr>
-        <p:txBody>
-          <a:bodyPr wrap="square" rtlCol="0"/>
-          <a:lstStyle>
-            <a:lvl1pPr marL="0" indent="0" algn="l">
-              <a:buNone/>
-              <a:defRPr lang="en-US" sz="3200" b="1" dirty="0">
-                <a:latin typeface="Tenorite (Headings)" pitchFamily="34" charset="0"/>
-                <a:ea typeface="Tenorite (Headings)" pitchFamily="34" charset="-122"/>
-                <a:cs typeface="Tenorite (Headings)" pitchFamily="34" charset="-120"/>
-              </a:defRPr>
-            </a:lvl1pPr>
-          </a:lstStyle>
-          <a:p>
-            <a:pPr marL="0" indent="0" algn="l">
-              <a:buNone/>
-            </a:pPr>
-            <a:r>
-              <a:rPr lang="en-US" sz="3200" b="1" dirty="0">
-                <a:solidFill>
-                  <a:srgbClr val="000000"/>
-                </a:solidFill>
-                <a:latin typeface="Tenorite (Headings)" pitchFamily="34" charset="0"/>
-                <a:ea typeface="Tenorite (Headings)" pitchFamily="34" charset="-122"/>
-                <a:cs typeface="Tenorite (Headings)" pitchFamily="34" charset="-120"/>
-              </a:rPr>
-              <a:t>Title Placeholder</a:t>
-            </a:r>
-            <a:endParaRPr lang="en-US" sz="3200" dirty="0"/>
-          </a:p>
-        </p:txBody>
-      </p:sp>
-      <p:sp>
-        <p:nvSpPr>
-          <p:cNvPr id="3" name="Text 0"/>
-          <p:cNvSpPr>
-            <a:spLocks noGrp="1"/>
-          </p:cNvSpPr>
-          <p:nvPr>
-            <p:ph type="body" idx="101" hasCustomPrompt="1"/>
-          </p:nvPr>
-        </p:nvSpPr>
-        <p:spPr>
-          <a:xfrm>
-            <a:off x="914400" y="2020824"/>
-            <a:ext cx="4992624" cy="3749040"/>
-          </a:xfrm>
-          <a:prstGeom prst="rect">
-            <a:avLst/>
-          </a:prstGeom>
-          <a:noFill/>
-          <a:ln/>
-        </p:spPr>
-        <p:txBody>
-          <a:bodyPr wrap="square" rtlCol="0"/>
-          <a:lstStyle>
-            <a:lvl1pPr marL="0" indent="0" algn="l">
-              <a:buNone/>
-              <a:defRPr lang="en-US" sz="1600" dirty="0">
-                <a:latin typeface="Tenorite (Body)" pitchFamily="34" charset="0"/>
-                <a:ea typeface="Tenorite (Body)" pitchFamily="34" charset="-122"/>
-                <a:cs typeface="Tenorite (Body)" pitchFamily="34" charset="-120"/>
-              </a:defRPr>
-            </a:lvl1pPr>
-          </a:lstStyle>
-          <a:p>
-            <a:pPr marL="0" indent="0" algn="l">
-              <a:buNone/>
-            </a:pPr>
-            <a:endParaRPr lang="en-US" sz="1600" dirty="0"/>
-          </a:p>
-        </p:txBody>
-      </p:sp>
-      <p:sp>
-        <p:nvSpPr>
-          <p:cNvPr id="4" name="Text 0"/>
-          <p:cNvSpPr>
-            <a:spLocks noGrp="1"/>
-          </p:cNvSpPr>
-          <p:nvPr>
-            <p:ph type="body" idx="102" hasCustomPrompt="1"/>
-          </p:nvPr>
-        </p:nvSpPr>
-        <p:spPr>
-          <a:xfrm>
-            <a:off x="6281928" y="2020824"/>
-            <a:ext cx="4992624" cy="3749040"/>
-          </a:xfrm>
-          <a:prstGeom prst="rect">
-            <a:avLst/>
-          </a:prstGeom>
-          <a:noFill/>
-          <a:ln/>
-        </p:spPr>
-        <p:txBody>
-          <a:bodyPr wrap="square" rtlCol="0"/>
-          <a:lstStyle>
-            <a:lvl1pPr marL="0" indent="0" algn="l">
-              <a:buNone/>
-              <a:defRPr lang="en-US" sz="1600" dirty="0">
-                <a:latin typeface="Tenorite (Body)" pitchFamily="34" charset="0"/>
-                <a:ea typeface="Tenorite (Body)" pitchFamily="34" charset="-122"/>
-                <a:cs typeface="Tenorite (Body)" pitchFamily="34" charset="-120"/>
-              </a:defRPr>
-            </a:lvl1pPr>
-          </a:lstStyle>
-          <a:p>
-            <a:pPr marL="0" indent="0" algn="l">
-              <a:buNone/>
-            </a:pPr>
-            <a:endParaRPr lang="en-US" sz="1600" dirty="0"/>
-          </a:p>
-        </p:txBody>
-      </p:sp>
-      <p:sp>
-        <p:nvSpPr>
-          <p:cNvPr id="5" name="Text 0"/>
-          <p:cNvSpPr/>
-          <p:nvPr/>
-        </p:nvSpPr>
-        <p:spPr>
-          <a:xfrm>
-            <a:off x="9144000" y="3657600"/>
-            <a:ext cx="3017520" cy="5943600"/>
-          </a:xfrm>
-          <a:prstGeom prst="rect">
-            <a:avLst/>
-          </a:prstGeom>
-          <a:noFill/>
-          <a:ln/>
-        </p:spPr>
-        <p:txBody>
-          <a:bodyPr wrap="square" rtlCol="0" anchor="ctr"/>
-          <a:lstStyle/>
-          <a:p>
-            <a:pPr marL="0" indent="0" algn="r">
-              <a:buNone/>
-            </a:pPr>
-            <a:endParaRPr lang="en-US" sz="1400" dirty="0"/>
-          </a:p>
-        </p:txBody>
-      </p:sp>
-      <p:sp>
-        <p:nvSpPr>
-          <p:cNvPr id="6" name="Text 1"/>
-          <p:cNvSpPr>
-            <a:spLocks noGrp="1"/>
-          </p:cNvSpPr>
-          <p:nvPr>
-            <p:ph type="body" idx="104" hasCustomPrompt="1"/>
-          </p:nvPr>
-        </p:nvSpPr>
-        <p:spPr>
-          <a:xfrm>
-            <a:off x="457200" y="6446520"/>
-            <a:ext cx="640080" cy="365760"/>
-          </a:xfrm>
-          <a:prstGeom prst="rect">
-            <a:avLst/>
-          </a:prstGeom>
-          <a:noFill/>
-          <a:ln/>
-        </p:spPr>
-        <p:txBody>
-          <a:bodyPr wrap="square" rtlCol="0"/>
-          <a:lstStyle>
-            <a:lvl1pPr marL="0" indent="0" algn="ctr">
-              <a:buNone/>
-              <a:defRPr lang="en-US" sz="1200" dirty="0">
-                <a:latin typeface="Tenorite (Body)" pitchFamily="34" charset="0"/>
-                <a:ea typeface="Tenorite (Body)" pitchFamily="34" charset="-122"/>
-                <a:cs typeface="Tenorite (Body)" pitchFamily="34" charset="-120"/>
-              </a:defRPr>
-            </a:lvl1pPr>
-          </a:lstStyle>
-          <a:p>
-            <a:pPr marL="0" indent="0" algn="ctr">
-              <a:buNone/>
-            </a:pPr>
-            <a:r>
-              <a:rPr lang="en-US" sz="1200" dirty="0">
-                <a:solidFill>
-                  <a:srgbClr val="000000"/>
-                </a:solidFill>
-                <a:latin typeface="Tenorite (Body)" pitchFamily="34" charset="0"/>
-                <a:ea typeface="Tenorite (Body)" pitchFamily="34" charset="-122"/>
-                <a:cs typeface="Tenorite (Body)" pitchFamily="34" charset="-120"/>
               </a:rPr>
               <a:t>SlideNumber Placeholder</a:t>
             </a:r>
@@ -5765,11 +6393,6 @@
 <file path=ppt/slideMasters/slideMaster1.xml><?xml version="1.0" encoding="utf-8"?>
 <p:sldMaster xmlns:a="http://schemas.openxmlformats.org/drawingml/2006/main" xmlns:r="http://schemas.openxmlformats.org/officeDocument/2006/relationships" xmlns:p="http://schemas.openxmlformats.org/presentationml/2006/main">
   <p:cSld>
-    <p:bg>
-      <p:bgRef idx="1001">
-        <a:schemeClr val="bg1"/>
-      </p:bgRef>
-    </p:bg>
     <p:spTree>
       <p:nvGrpSpPr>
         <p:cNvPr id="1" name=""/>
@@ -5805,6 +6428,7 @@
     <p:sldLayoutId id="2147483663" r:id="rId15"/>
     <p:sldLayoutId id="2147483664" r:id="rId16"/>
     <p:sldLayoutId id="2147483665" r:id="rId17"/>
+    <p:sldLayoutId id="2147483666" r:id="rId18"/>
   </p:sldLayoutIdLst>
   <p:hf sldNum="0" hdr="0" ftr="0" dt="0"/>
   <p:txStyles>
@@ -6066,7 +6690,7 @@
     <p:bg>
       <p:bgPr>
         <a:blipFill dpi="0" rotWithShape="1">
-          <a:blip r:embed="rId3">
+          <a:blip r:embed="rId1">
             <a:lum/>
           </a:blip>
           <a:srcRect/>
@@ -6094,11 +6718,9 @@
       <p:sp>
         <p:nvSpPr>
           <p:cNvPr id="2" name="Text 0"/>
-          <p:cNvSpPr>
-            <a:spLocks noGrp="1"/>
-          </p:cNvSpPr>
-          <p:nvPr>
-            <p:ph type="title" idx="100" hasCustomPrompt="1"/>
+          <p:cNvSpPr/>
+          <p:nvPr>
+            <p:ph idx="100" type="title" hasCustomPrompt="1"/>
           </p:nvPr>
         </p:nvSpPr>
         <p:spPr>
@@ -6116,7 +6738,7 @@
           <a:bodyPr wrap="square" rtlCol="0" anchor="b"/>
           <a:lstStyle/>
           <a:p>
-            <a:pPr marL="0" indent="0" algn="l">
+            <a:pPr algn="l" indent="0" marL="0">
               <a:buNone/>
             </a:pPr>
             <a:r>
@@ -6137,11 +6759,9 @@
       <p:sp>
         <p:nvSpPr>
           <p:cNvPr id="3" name="Text 1"/>
-          <p:cNvSpPr>
-            <a:spLocks noGrp="1"/>
-          </p:cNvSpPr>
-          <p:nvPr>
-            <p:ph type="body" idx="102" hasCustomPrompt="1"/>
+          <p:cNvSpPr/>
+          <p:nvPr>
+            <p:ph idx="102" type="body" hasCustomPrompt="1"/>
           </p:nvPr>
         </p:nvSpPr>
         <p:spPr>
@@ -6159,7 +6779,7 @@
           <a:bodyPr wrap="square" rtlCol="0" anchor="ctr"/>
           <a:lstStyle/>
           <a:p>
-            <a:pPr marL="0" indent="0" algn="ctr">
+            <a:pPr algn="ctr" indent="0" marL="0">
               <a:buNone/>
             </a:pPr>
             <a:r>
@@ -6191,7 +6811,7 @@
     <p:bg>
       <p:bgPr>
         <a:blipFill dpi="0" rotWithShape="1">
-          <a:blip r:embed="rId3">
+          <a:blip r:embed="rId1">
             <a:lum/>
           </a:blip>
           <a:srcRect/>
@@ -6219,17 +6839,15 @@
       <p:sp>
         <p:nvSpPr>
           <p:cNvPr id="2" name="Text 0"/>
-          <p:cNvSpPr>
-            <a:spLocks noGrp="1"/>
-          </p:cNvSpPr>
-          <p:nvPr>
-            <p:ph type="title" idx="100" hasCustomPrompt="1"/>
-          </p:nvPr>
-        </p:nvSpPr>
-        <p:spPr>
-          <a:xfrm>
-            <a:off x="914400" y="356616"/>
-            <a:ext cx="10360152" cy="1078992"/>
+          <p:cNvSpPr/>
+          <p:nvPr>
+            <p:ph idx="100" type="title" hasCustomPrompt="1"/>
+          </p:nvPr>
+        </p:nvSpPr>
+        <p:spPr>
+          <a:xfrm>
+            <a:off x="914400" y="438912"/>
+            <a:ext cx="10360152" cy="1097280"/>
           </a:xfrm>
           <a:prstGeom prst="rect">
             <a:avLst/>
@@ -6241,11 +6859,11 @@
           <a:bodyPr wrap="square" rtlCol="0" anchor="ctr"/>
           <a:lstStyle/>
           <a:p>
-            <a:pPr marL="0" indent="0" algn="ctr">
-              <a:buNone/>
-            </a:pPr>
-            <a:r>
-              <a:rPr lang="en-US" sz="3600" b="1" dirty="0">
+            <a:pPr algn="ctr" indent="0" marL="0">
+              <a:buNone/>
+            </a:pPr>
+            <a:r>
+              <a:rPr lang="en-US" sz="3200" b="1" dirty="0">
                 <a:solidFill>
                   <a:srgbClr val="000000"/>
                 </a:solidFill>
@@ -6253,26 +6871,24 @@
                 <a:ea typeface="Tenorite (Headings)" pitchFamily="34" charset="-122"/>
                 <a:cs typeface="Tenorite (Headings)" pitchFamily="34" charset="-120"/>
               </a:rPr>
-              <a:t>This is my First ai team</a:t>
-            </a:r>
-            <a:endParaRPr lang="en-US" sz="3600" dirty="0"/>
+              <a:t>Core Functionalities</a:t>
+            </a:r>
+            <a:endParaRPr lang="en-US" sz="3200" dirty="0"/>
           </a:p>
         </p:txBody>
       </p:sp>
       <p:sp>
         <p:nvSpPr>
           <p:cNvPr id="3" name="Text 0"/>
-          <p:cNvSpPr>
-            <a:spLocks noGrp="1"/>
-          </p:cNvSpPr>
-          <p:nvPr>
-            <p:ph type="body" idx="101" hasCustomPrompt="1"/>
-          </p:nvPr>
-        </p:nvSpPr>
-        <p:spPr>
-          <a:xfrm>
-            <a:off x="548640" y="5394960"/>
-            <a:ext cx="2916936" cy="914400"/>
+          <p:cNvSpPr/>
+          <p:nvPr>
+            <p:ph idx="101" type="body" hasCustomPrompt="1"/>
+          </p:nvPr>
+        </p:nvSpPr>
+        <p:spPr>
+          <a:xfrm>
+            <a:off x="658368" y="1581912"/>
+            <a:ext cx="5029200" cy="914400"/>
           </a:xfrm>
           <a:prstGeom prst="rect">
             <a:avLst/>
@@ -6284,38 +6900,36 @@
           <a:bodyPr wrap="square" rtlCol="0" anchor="ctr"/>
           <a:lstStyle/>
           <a:p>
-            <a:pPr marL="0" indent="0" algn="ctr">
-              <a:buNone/>
-            </a:pPr>
-            <a:r>
-              <a:rPr lang="en-US" sz="2000" dirty="0">
-                <a:solidFill>
-                  <a:srgbClr val="000000"/>
-                </a:solidFill>
-                <a:latin typeface="Tenorite (Headings)" pitchFamily="34" charset="0"/>
-                <a:ea typeface="Tenorite (Headings)" pitchFamily="34" charset="-122"/>
-                <a:cs typeface="Tenorite (Headings)" pitchFamily="34" charset="-120"/>
-              </a:rPr>
-              <a:t>Sourav Sharma</a:t>
-            </a:r>
-            <a:endParaRPr lang="en-US" sz="2000" dirty="0"/>
+            <a:pPr algn="ctr" indent="0" marL="0">
+              <a:buNone/>
+            </a:pPr>
+            <a:r>
+              <a:rPr lang="en-US" sz="2400" b="1" dirty="0">
+                <a:solidFill>
+                  <a:srgbClr val="000000"/>
+                </a:solidFill>
+                <a:latin typeface="Tenorite (Body)" pitchFamily="34" charset="0"/>
+                <a:ea typeface="Tenorite (Body)" pitchFamily="34" charset="-122"/>
+                <a:cs typeface="Tenorite (Body)" pitchFamily="34" charset="-120"/>
+              </a:rPr>
+              <a:t>Core Functionalities</a:t>
+            </a:r>
+            <a:endParaRPr lang="en-US" sz="2400" dirty="0"/>
           </a:p>
         </p:txBody>
       </p:sp>
       <p:sp>
         <p:nvSpPr>
           <p:cNvPr id="4" name="Text 0"/>
-          <p:cNvSpPr>
-            <a:spLocks noGrp="1"/>
-          </p:cNvSpPr>
-          <p:nvPr>
-            <p:ph type="body" idx="103" hasCustomPrompt="1"/>
-          </p:nvPr>
-        </p:nvSpPr>
-        <p:spPr>
-          <a:xfrm>
-            <a:off x="4590288" y="4636008"/>
-            <a:ext cx="2916936" cy="914400"/>
+          <p:cNvSpPr/>
+          <p:nvPr>
+            <p:ph idx="102" type="body" hasCustomPrompt="1"/>
+          </p:nvPr>
+        </p:nvSpPr>
+        <p:spPr>
+          <a:xfrm>
+            <a:off x="6583680" y="1581912"/>
+            <a:ext cx="5029200" cy="914400"/>
           </a:xfrm>
           <a:prstGeom prst="rect">
             <a:avLst/>
@@ -6327,66 +6941,48 @@
           <a:bodyPr wrap="square" rtlCol="0" anchor="ctr"/>
           <a:lstStyle/>
           <a:p>
-            <a:pPr marL="0" indent="0" algn="ctr">
-              <a:buNone/>
-            </a:pPr>
-            <a:r>
-              <a:rPr lang="en-US" sz="2000" dirty="0">
-                <a:solidFill>
-                  <a:srgbClr val="000000"/>
-                </a:solidFill>
-                <a:latin typeface="Tenorite (Headings)" pitchFamily="34" charset="0"/>
-                <a:ea typeface="Tenorite (Headings)" pitchFamily="34" charset="-122"/>
-                <a:cs typeface="Tenorite (Headings)" pitchFamily="34" charset="-120"/>
-              </a:rPr>
-              <a:t>Sourav Sharma</a:t>
-            </a:r>
-            <a:endParaRPr lang="en-US" sz="2000" dirty="0"/>
-          </a:p>
-        </p:txBody>
-      </p:sp>
-      <p:sp>
-        <p:nvSpPr>
-          <p:cNvPr id="5" name="Text 0"/>
-          <p:cNvSpPr>
-            <a:spLocks noGrp="1"/>
-          </p:cNvSpPr>
-          <p:nvPr>
-            <p:ph type="body" idx="105" hasCustomPrompt="1"/>
-          </p:nvPr>
-        </p:nvSpPr>
-        <p:spPr>
-          <a:xfrm>
-            <a:off x="8631936" y="5458968"/>
-            <a:ext cx="2916936" cy="914400"/>
-          </a:xfrm>
-          <a:prstGeom prst="rect">
-            <a:avLst/>
-          </a:prstGeom>
-          <a:noFill/>
-          <a:ln/>
-        </p:spPr>
-        <p:txBody>
-          <a:bodyPr wrap="square" rtlCol="0" anchor="ctr"/>
-          <a:lstStyle/>
-          <a:p>
-            <a:pPr marL="0" indent="0" algn="ctr">
-              <a:buNone/>
-            </a:pPr>
-            <a:r>
-              <a:rPr lang="en-US" sz="2000" dirty="0">
-                <a:solidFill>
-                  <a:srgbClr val="000000"/>
-                </a:solidFill>
-                <a:latin typeface="Tenorite (Headings)" pitchFamily="34" charset="0"/>
-                <a:ea typeface="Tenorite (Headings)" pitchFamily="34" charset="-122"/>
-                <a:cs typeface="Tenorite (Headings)" pitchFamily="34" charset="-120"/>
-              </a:rPr>
-              <a:t>Sourav Sharma</a:t>
-            </a:r>
-            <a:endParaRPr lang="en-US" sz="2000" dirty="0"/>
-          </a:p>
-        </p:txBody>
+            <a:pPr algn="ctr" indent="0" marL="0">
+              <a:buNone/>
+            </a:pPr>
+            <a:r>
+              <a:rPr lang="en-US" sz="2400" b="1" dirty="0">
+                <a:solidFill>
+                  <a:srgbClr val="000000"/>
+                </a:solidFill>
+                <a:latin typeface="Tenorite (Body)" pitchFamily="34" charset="0"/>
+                <a:ea typeface="Tenorite (Body)" pitchFamily="34" charset="-122"/>
+                <a:cs typeface="Tenorite (Body)" pitchFamily="34" charset="-120"/>
+              </a:rPr>
+              <a:t>Benefits</a:t>
+            </a:r>
+            <a:endParaRPr lang="en-US" sz="2400" dirty="0"/>
+          </a:p>
+        </p:txBody>
+      </p:sp>
+      <p:sp>
+        <p:nvSpPr>
+          <p:cNvPr id="5" name="Shape 3"/>
+          <p:cNvSpPr/>
+          <p:nvPr/>
+        </p:nvSpPr>
+        <p:spPr>
+          <a:xfrm>
+            <a:off x="4764024" y="1581912"/>
+            <a:ext cx="2660904" cy="0"/>
+          </a:xfrm>
+          <a:prstGeom prst="line">
+            <a:avLst/>
+          </a:prstGeom>
+          <a:solidFill>
+            <a:srgbClr val="000000"/>
+          </a:solidFill>
+          <a:ln w="12700">
+            <a:solidFill>
+              <a:srgbClr val="000000"/>
+            </a:solidFill>
+            <a:prstDash val="solid"/>
+          </a:ln>
+        </p:spPr>
       </p:sp>
       <p:sp>
         <p:nvSpPr>
@@ -6396,165 +6992,213 @@
         </p:nvSpPr>
         <p:spPr>
           <a:xfrm>
-            <a:off x="548640" y="2386584"/>
-            <a:ext cx="2916936" cy="2916936"/>
-          </a:xfrm>
-          <a:prstGeom prst="rect">
+            <a:off x="6099048" y="2496312"/>
+            <a:ext cx="0" cy="3648456"/>
+          </a:xfrm>
+          <a:prstGeom prst="line">
             <a:avLst/>
           </a:prstGeom>
           <a:solidFill>
-            <a:srgbClr val="1E1C1D"/>
+            <a:srgbClr val="000000"/>
           </a:solidFill>
-          <a:ln/>
-          <a:effectLst>
-            <a:outerShdw blurRad="228600" dist="25400" dir="2700000" algn="bl" rotWithShape="0">
-              <a:srgbClr val="1E1C1D">
-                <a:alpha val="50000"/>
-              </a:srgbClr>
-            </a:outerShdw>
-          </a:effectLst>
-        </p:spPr>
-      </p:sp>
-      <p:sp>
-        <p:nvSpPr>
-          <p:cNvPr id="7" name="Shape 5"/>
-          <p:cNvSpPr/>
-          <p:nvPr/>
-        </p:nvSpPr>
-        <p:spPr>
-          <a:xfrm>
-            <a:off x="4636008" y="1517904"/>
-            <a:ext cx="2916936" cy="2916936"/>
-          </a:xfrm>
-          <a:prstGeom prst="rect">
-            <a:avLst/>
-          </a:prstGeom>
-          <a:solidFill>
-            <a:srgbClr val="1E1C1D"/>
-          </a:solidFill>
-          <a:ln/>
-          <a:effectLst>
-            <a:outerShdw blurRad="228600" dist="25400" dir="2700000" algn="bl" rotWithShape="0">
-              <a:srgbClr val="1E1C1D">
-                <a:alpha val="50000"/>
-              </a:srgbClr>
-            </a:outerShdw>
-          </a:effectLst>
-        </p:spPr>
-      </p:sp>
-      <p:sp>
-        <p:nvSpPr>
-          <p:cNvPr id="8" name="Shape 6"/>
-          <p:cNvSpPr/>
-          <p:nvPr/>
-        </p:nvSpPr>
-        <p:spPr>
-          <a:xfrm>
-            <a:off x="8631936" y="2414016"/>
-            <a:ext cx="2916936" cy="2916936"/>
-          </a:xfrm>
-          <a:prstGeom prst="rect">
-            <a:avLst/>
-          </a:prstGeom>
-          <a:solidFill>
-            <a:srgbClr val="1E1C1D"/>
-          </a:solidFill>
-          <a:ln/>
-          <a:effectLst>
-            <a:outerShdw blurRad="228600" dist="25400" dir="2700000" algn="bl" rotWithShape="0">
-              <a:srgbClr val="1E1C1D">
-                <a:alpha val="50000"/>
-              </a:srgbClr>
-            </a:outerShdw>
-          </a:effectLst>
-        </p:spPr>
-      </p:sp>
-      <p:pic>
-        <p:nvPicPr>
-          <p:cNvPr id="9" name="Image 0" descr="preencoded.png"/>
-          <p:cNvPicPr>
-            <a:picLocks noGrp="1" noChangeAspect="1"/>
-          </p:cNvPicPr>
-          <p:nvPr>
-            <p:ph idx="102" hasCustomPrompt="1"/>
-          </p:nvPr>
-        </p:nvPicPr>
-        <p:blipFill>
-          <a:blip r:embed="rId3"/>
-          <a:stretch>
-            <a:fillRect/>
-          </a:stretch>
-        </p:blipFill>
-        <p:spPr>
-          <a:xfrm>
-            <a:off x="548640" y="2386584"/>
-            <a:ext cx="3319272" cy="3319272"/>
-          </a:xfrm>
-          <a:prstGeom prst="rect">
-            <a:avLst/>
-          </a:prstGeom>
-        </p:spPr>
-      </p:pic>
-      <p:pic>
-        <p:nvPicPr>
-          <p:cNvPr id="10" name="Image 1" descr="preencoded.png"/>
-          <p:cNvPicPr>
-            <a:picLocks noGrp="1" noChangeAspect="1"/>
-          </p:cNvPicPr>
-          <p:nvPr>
-            <p:ph idx="104" hasCustomPrompt="1"/>
-          </p:nvPr>
-        </p:nvPicPr>
-        <p:blipFill>
-          <a:blip r:embed="rId3"/>
-          <a:stretch>
-            <a:fillRect/>
-          </a:stretch>
-        </p:blipFill>
-        <p:spPr>
-          <a:xfrm>
-            <a:off x="4636008" y="1517904"/>
-            <a:ext cx="3319272" cy="3319272"/>
-          </a:xfrm>
-          <a:prstGeom prst="rect">
-            <a:avLst/>
-          </a:prstGeom>
-        </p:spPr>
-      </p:pic>
-      <p:pic>
-        <p:nvPicPr>
-          <p:cNvPr id="11" name="Image 2" descr="preencoded.png"/>
-          <p:cNvPicPr>
-            <a:picLocks noGrp="1" noChangeAspect="1"/>
-          </p:cNvPicPr>
-          <p:nvPr>
-            <p:ph idx="106" hasCustomPrompt="1"/>
-          </p:nvPr>
-        </p:nvPicPr>
-        <p:blipFill>
-          <a:blip r:embed="rId3"/>
-          <a:stretch>
-            <a:fillRect/>
-          </a:stretch>
-        </p:blipFill>
-        <p:spPr>
-          <a:xfrm>
-            <a:off x="8631936" y="2414016"/>
-            <a:ext cx="3319272" cy="3291840"/>
-          </a:xfrm>
-          <a:prstGeom prst="rect">
-            <a:avLst/>
-          </a:prstGeom>
-        </p:spPr>
-      </p:pic>
-      <p:sp>
-        <p:nvSpPr>
-          <p:cNvPr id="12" name="Text 1"/>
-          <p:cNvSpPr>
-            <a:spLocks noGrp="1"/>
-          </p:cNvSpPr>
-          <p:nvPr>
-            <p:ph type="body" idx="108" hasCustomPrompt="1"/>
+          <a:ln w="12700">
+            <a:solidFill>
+              <a:srgbClr val="000000"/>
+            </a:solidFill>
+            <a:prstDash val="solid"/>
+          </a:ln>
+        </p:spPr>
+      </p:sp>
+      <p:sp>
+        <p:nvSpPr>
+          <p:cNvPr id="7" name="Text 0"/>
+          <p:cNvSpPr/>
+          <p:nvPr>
+            <p:ph idx="103" type="body" hasCustomPrompt="1"/>
+          </p:nvPr>
+        </p:nvSpPr>
+        <p:spPr>
+          <a:xfrm>
+            <a:off x="731520" y="2633472"/>
+            <a:ext cx="5358384" cy="3310128"/>
+          </a:xfrm>
+          <a:prstGeom prst="rect">
+            <a:avLst/>
+          </a:prstGeom>
+          <a:noFill/>
+          <a:ln/>
+        </p:spPr>
+        <p:txBody>
+          <a:bodyPr wrap="square" rtlCol="0" anchor="t"/>
+          <a:lstStyle/>
+          <a:p>
+            <a:pPr algn="l" indent="0" marL="0">
+              <a:buNone/>
+            </a:pPr>
+            <a:r>
+              <a:rPr lang="en-US" sz="1800" dirty="0">
+                <a:solidFill>
+                  <a:srgbClr val="000000"/>
+                </a:solidFill>
+                <a:latin typeface="Tenorite (Body)" pitchFamily="34" charset="0"/>
+                <a:ea typeface="Tenorite (Body)" pitchFamily="34" charset="-122"/>
+                <a:cs typeface="Tenorite (Body)" pitchFamily="34" charset="-120"/>
+              </a:rPr>
+              <a:t>1. Intelligent Summarization</a:t>
+            </a:r>
+            <a:endParaRPr lang="en-US" sz="1800" dirty="0"/>
+          </a:p>
+          <a:p>
+            <a:pPr algn="l" indent="0" marL="0">
+              <a:buNone/>
+            </a:pPr>
+            <a:r>
+              <a:rPr lang="en-US" sz="1800" dirty="0">
+                <a:solidFill>
+                  <a:srgbClr val="000000"/>
+                </a:solidFill>
+                <a:latin typeface="Tenorite (Body)" pitchFamily="34" charset="0"/>
+                <a:ea typeface="Tenorite (Body)" pitchFamily="34" charset="-122"/>
+                <a:cs typeface="Tenorite (Body)" pitchFamily="34" charset="-120"/>
+              </a:rPr>
+              <a:t>2. Interactive Engagement</a:t>
+            </a:r>
+            <a:endParaRPr lang="en-US" sz="1800" dirty="0"/>
+          </a:p>
+          <a:p>
+            <a:pPr algn="l" indent="0" marL="0">
+              <a:buNone/>
+            </a:pPr>
+            <a:r>
+              <a:rPr lang="en-US" sz="1800" dirty="0">
+                <a:solidFill>
+                  <a:srgbClr val="000000"/>
+                </a:solidFill>
+                <a:latin typeface="Tenorite (Body)" pitchFamily="34" charset="0"/>
+                <a:ea typeface="Tenorite (Body)" pitchFamily="34" charset="-122"/>
+                <a:cs typeface="Tenorite (Body)" pitchFamily="34" charset="-120"/>
+              </a:rPr>
+              <a:t>3. Multilingual Support</a:t>
+            </a:r>
+            <a:endParaRPr lang="en-US" sz="1800" dirty="0"/>
+          </a:p>
+          <a:p>
+            <a:pPr algn="l" indent="0" marL="0">
+              <a:buNone/>
+            </a:pPr>
+            <a:r>
+              <a:rPr lang="en-US" sz="1800" dirty="0">
+                <a:solidFill>
+                  <a:srgbClr val="000000"/>
+                </a:solidFill>
+                <a:latin typeface="Tenorite (Body)" pitchFamily="34" charset="0"/>
+                <a:ea typeface="Tenorite (Body)" pitchFamily="34" charset="-122"/>
+                <a:cs typeface="Tenorite (Body)" pitchFamily="34" charset="-120"/>
+              </a:rPr>
+              <a:t>4. Personalized Learning Experiences</a:t>
+            </a:r>
+            <a:endParaRPr lang="en-US" sz="1800" dirty="0"/>
+          </a:p>
+        </p:txBody>
+      </p:sp>
+      <p:sp>
+        <p:nvSpPr>
+          <p:cNvPr id="8" name="Text 0"/>
+          <p:cNvSpPr/>
+          <p:nvPr>
+            <p:ph idx="104" type="body" hasCustomPrompt="1"/>
+          </p:nvPr>
+        </p:nvSpPr>
+        <p:spPr>
+          <a:xfrm>
+            <a:off x="6245352" y="2624328"/>
+            <a:ext cx="5358384" cy="3310128"/>
+          </a:xfrm>
+          <a:prstGeom prst="rect">
+            <a:avLst/>
+          </a:prstGeom>
+          <a:noFill/>
+          <a:ln/>
+        </p:spPr>
+        <p:txBody>
+          <a:bodyPr wrap="square" rtlCol="0" anchor="t"/>
+          <a:lstStyle/>
+          <a:p>
+            <a:pPr algn="l" indent="0" marL="0">
+              <a:buNone/>
+            </a:pPr>
+            <a:r>
+              <a:rPr lang="en-US" sz="1800" dirty="0">
+                <a:solidFill>
+                  <a:srgbClr val="000000"/>
+                </a:solidFill>
+                <a:latin typeface="Tenorite (Body)" pitchFamily="34" charset="0"/>
+                <a:ea typeface="Tenorite (Body)" pitchFamily="34" charset="-122"/>
+                <a:cs typeface="Tenorite (Body)" pitchFamily="34" charset="-120"/>
+              </a:rPr>
+              <a:t>1. Streamlines information retrieval</a:t>
+            </a:r>
+            <a:endParaRPr lang="en-US" sz="1800" dirty="0"/>
+          </a:p>
+          <a:p>
+            <a:pPr algn="l" indent="0" marL="0">
+              <a:buNone/>
+            </a:pPr>
+            <a:r>
+              <a:rPr lang="en-US" sz="1800" dirty="0">
+                <a:solidFill>
+                  <a:srgbClr val="000000"/>
+                </a:solidFill>
+                <a:latin typeface="Tenorite (Body)" pitchFamily="34" charset="0"/>
+                <a:ea typeface="Tenorite (Body)" pitchFamily="34" charset="-122"/>
+                <a:cs typeface="Tenorite (Body)" pitchFamily="34" charset="-120"/>
+              </a:rPr>
+              <a:t>2. Improves knowledge acquisition</a:t>
+            </a:r>
+            <a:endParaRPr lang="en-US" sz="1800" dirty="0"/>
+          </a:p>
+          <a:p>
+            <a:pPr algn="l" indent="0" marL="0">
+              <a:buNone/>
+            </a:pPr>
+            <a:r>
+              <a:rPr lang="en-US" sz="1800" dirty="0">
+                <a:solidFill>
+                  <a:srgbClr val="000000"/>
+                </a:solidFill>
+                <a:latin typeface="Tenorite (Body)" pitchFamily="34" charset="0"/>
+                <a:ea typeface="Tenorite (Body)" pitchFamily="34" charset="-122"/>
+                <a:cs typeface="Tenorite (Body)" pitchFamily="34" charset="-120"/>
+              </a:rPr>
+              <a:t>3. Fosters collaboration</a:t>
+            </a:r>
+            <a:endParaRPr lang="en-US" sz="1800" dirty="0"/>
+          </a:p>
+          <a:p>
+            <a:pPr algn="l" indent="0" marL="0">
+              <a:buNone/>
+            </a:pPr>
+            <a:r>
+              <a:rPr lang="en-US" sz="1800" dirty="0">
+                <a:solidFill>
+                  <a:srgbClr val="000000"/>
+                </a:solidFill>
+                <a:latin typeface="Tenorite (Body)" pitchFamily="34" charset="0"/>
+                <a:ea typeface="Tenorite (Body)" pitchFamily="34" charset="-122"/>
+                <a:cs typeface="Tenorite (Body)" pitchFamily="34" charset="-120"/>
+              </a:rPr>
+              <a:t>4. Enhances learning environments</a:t>
+            </a:r>
+            <a:endParaRPr lang="en-US" sz="1800" dirty="0"/>
+          </a:p>
+        </p:txBody>
+      </p:sp>
+      <p:sp>
+        <p:nvSpPr>
+          <p:cNvPr id="9" name="Text 1"/>
+          <p:cNvSpPr/>
+          <p:nvPr>
+            <p:ph idx="106" type="body" hasCustomPrompt="1"/>
           </p:nvPr>
         </p:nvSpPr>
         <p:spPr>
@@ -6572,7 +7216,7 @@
           <a:bodyPr wrap="square" rtlCol="0" anchor="ctr"/>
           <a:lstStyle/>
           <a:p>
-            <a:pPr marL="0" indent="0" algn="ctr">
+            <a:pPr algn="ctr" indent="0" marL="0">
               <a:buNone/>
             </a:pPr>
             <a:r>
@@ -6604,7 +7248,7 @@
     <p:bg>
       <p:bgPr>
         <a:blipFill dpi="0" rotWithShape="1">
-          <a:blip r:embed="rId3">
+          <a:blip r:embed="rId1">
             <a:lum/>
           </a:blip>
           <a:srcRect/>
@@ -6632,17 +7276,15 @@
       <p:sp>
         <p:nvSpPr>
           <p:cNvPr id="2" name="Text 0"/>
-          <p:cNvSpPr>
-            <a:spLocks noGrp="1"/>
-          </p:cNvSpPr>
-          <p:nvPr>
-            <p:ph type="title" idx="100" hasCustomPrompt="1"/>
-          </p:nvPr>
-        </p:nvSpPr>
-        <p:spPr>
-          <a:xfrm>
-            <a:off x="914400" y="365760"/>
-            <a:ext cx="10442448" cy="1618488"/>
+          <p:cNvSpPr/>
+          <p:nvPr>
+            <p:ph idx="100" type="title" hasCustomPrompt="1"/>
+          </p:nvPr>
+        </p:nvSpPr>
+        <p:spPr>
+          <a:xfrm>
+            <a:off x="914400" y="356616"/>
+            <a:ext cx="10360152" cy="1078992"/>
           </a:xfrm>
           <a:prstGeom prst="rect">
             <a:avLst/>
@@ -6654,11 +7296,11 @@
           <a:bodyPr wrap="square" rtlCol="0" anchor="ctr"/>
           <a:lstStyle/>
           <a:p>
-            <a:pPr marL="0" indent="0" algn="l">
-              <a:buNone/>
-            </a:pPr>
-            <a:r>
-              <a:rPr lang="en-US" sz="2800" b="1" dirty="0">
+            <a:pPr algn="ctr" indent="0" marL="0">
+              <a:buNone/>
+            </a:pPr>
+            <a:r>
+              <a:rPr lang="en-US" sz="3600" b="1" dirty="0">
                 <a:solidFill>
                   <a:srgbClr val="000000"/>
                 </a:solidFill>
@@ -6666,26 +7308,24 @@
                 <a:ea typeface="Tenorite (Headings)" pitchFamily="34" charset="-122"/>
                 <a:cs typeface="Tenorite (Headings)" pitchFamily="34" charset="-120"/>
               </a:rPr>
-              <a:t>Intelligent Summarization</a:t>
-            </a:r>
-            <a:endParaRPr lang="en-US" sz="2800" dirty="0"/>
+              <a:t>This is my First ai team</a:t>
+            </a:r>
+            <a:endParaRPr lang="en-US" sz="3600" dirty="0"/>
           </a:p>
         </p:txBody>
       </p:sp>
       <p:sp>
         <p:nvSpPr>
           <p:cNvPr id="3" name="Text 0"/>
-          <p:cNvSpPr>
-            <a:spLocks noGrp="1"/>
-          </p:cNvSpPr>
-          <p:nvPr>
-            <p:ph type="body" idx="101" hasCustomPrompt="1"/>
-          </p:nvPr>
-        </p:nvSpPr>
-        <p:spPr>
-          <a:xfrm>
-            <a:off x="4599432" y="2020824"/>
-            <a:ext cx="6748272" cy="3749040"/>
+          <p:cNvSpPr/>
+          <p:nvPr>
+            <p:ph idx="101" type="body" hasCustomPrompt="1"/>
+          </p:nvPr>
+        </p:nvSpPr>
+        <p:spPr>
+          <a:xfrm>
+            <a:off x="548640" y="5394960"/>
+            <a:ext cx="2916936" cy="914400"/>
           </a:xfrm>
           <a:prstGeom prst="rect">
             <a:avLst/>
@@ -6697,77 +7337,271 @@
           <a:bodyPr wrap="square" rtlCol="0" anchor="ctr"/>
           <a:lstStyle/>
           <a:p>
-            <a:pPr marL="0" indent="0" algn="l">
-              <a:buNone/>
-            </a:pPr>
-            <a:r>
-              <a:rPr lang="en-US" sz="1800" dirty="0">
-                <a:solidFill>
-                  <a:srgbClr val="000000"/>
-                </a:solidFill>
-                <a:latin typeface="Tenorite (Body)" pitchFamily="34" charset="0"/>
-                <a:ea typeface="Tenorite (Body)" pitchFamily="34" charset="-122"/>
-                <a:cs typeface="Tenorite (Body)" pitchFamily="34" charset="-120"/>
-              </a:rPr>
-              <a:t>1. AI Flavoured's summarization engine condenses complex documents into concise summaries. 
-2. This feature helps users quickly grasp the essence of lengthy texts. 
-</a:t>
-            </a:r>
-            <a:endParaRPr lang="en-US" sz="1800" dirty="0"/>
+            <a:pPr algn="ctr" indent="0" marL="0">
+              <a:buNone/>
+            </a:pPr>
+            <a:r>
+              <a:rPr lang="en-US" sz="2000" dirty="0">
+                <a:solidFill>
+                  <a:srgbClr val="000000"/>
+                </a:solidFill>
+                <a:latin typeface="Tenorite (Headings)" pitchFamily="34" charset="0"/>
+                <a:ea typeface="Tenorite (Headings)" pitchFamily="34" charset="-122"/>
+                <a:cs typeface="Tenorite (Headings)" pitchFamily="34" charset="-120"/>
+              </a:rPr>
+              <a:t>Sourav Sharma</a:t>
+            </a:r>
+            <a:endParaRPr lang="en-US" sz="2000" dirty="0"/>
           </a:p>
         </p:txBody>
       </p:sp>
       <p:sp>
         <p:nvSpPr>
           <p:cNvPr id="4" name="Text 0"/>
-          <p:cNvSpPr>
-            <a:spLocks noGrp="1"/>
-          </p:cNvSpPr>
-          <p:nvPr>
-            <p:ph type="body" idx="102" hasCustomPrompt="1"/>
-          </p:nvPr>
-        </p:nvSpPr>
-        <p:spPr>
-          <a:xfrm>
-            <a:off x="914400" y="2020824"/>
-            <a:ext cx="3310128" cy="3749040"/>
-          </a:xfrm>
-          <a:prstGeom prst="rect">
-            <a:avLst/>
-          </a:prstGeom>
-          <a:noFill/>
-          <a:ln/>
-        </p:spPr>
-        <p:txBody>
-          <a:bodyPr wrap="square" rtlCol="0" anchor="t"/>
-          <a:lstStyle/>
-          <a:p>
-            <a:pPr marL="0" indent="0" algn="l">
-              <a:buNone/>
-            </a:pPr>
-            <a:r>
-              <a:rPr lang="en-US" sz="1600" b="1" dirty="0">
-                <a:solidFill>
-                  <a:srgbClr val="000000"/>
-                </a:solidFill>
-                <a:latin typeface="Tenorite (Body)" pitchFamily="34" charset="0"/>
-                <a:ea typeface="Tenorite (Body)" pitchFamily="34" charset="-122"/>
-                <a:cs typeface="Tenorite (Body)" pitchFamily="34" charset="-120"/>
-              </a:rPr>
-              <a:t>Efficiently extract key insights from vast amounts of information.</a:t>
-            </a:r>
-            <a:endParaRPr lang="en-US" sz="1600" dirty="0"/>
-          </a:p>
-        </p:txBody>
-      </p:sp>
-      <p:sp>
-        <p:nvSpPr>
-          <p:cNvPr id="5" name="Text 1"/>
-          <p:cNvSpPr>
-            <a:spLocks noGrp="1"/>
-          </p:cNvSpPr>
-          <p:nvPr>
-            <p:ph type="body" idx="104" hasCustomPrompt="1"/>
+          <p:cNvSpPr/>
+          <p:nvPr>
+            <p:ph idx="103" type="body" hasCustomPrompt="1"/>
+          </p:nvPr>
+        </p:nvSpPr>
+        <p:spPr>
+          <a:xfrm>
+            <a:off x="4590288" y="4636008"/>
+            <a:ext cx="2916936" cy="914400"/>
+          </a:xfrm>
+          <a:prstGeom prst="rect">
+            <a:avLst/>
+          </a:prstGeom>
+          <a:noFill/>
+          <a:ln/>
+        </p:spPr>
+        <p:txBody>
+          <a:bodyPr wrap="square" rtlCol="0" anchor="ctr"/>
+          <a:lstStyle/>
+          <a:p>
+            <a:pPr algn="ctr" indent="0" marL="0">
+              <a:buNone/>
+            </a:pPr>
+            <a:r>
+              <a:rPr lang="en-US" sz="2000" dirty="0">
+                <a:solidFill>
+                  <a:srgbClr val="000000"/>
+                </a:solidFill>
+                <a:latin typeface="Tenorite (Headings)" pitchFamily="34" charset="0"/>
+                <a:ea typeface="Tenorite (Headings)" pitchFamily="34" charset="-122"/>
+                <a:cs typeface="Tenorite (Headings)" pitchFamily="34" charset="-120"/>
+              </a:rPr>
+              <a:t>Sourav Sharma</a:t>
+            </a:r>
+            <a:endParaRPr lang="en-US" sz="2000" dirty="0"/>
+          </a:p>
+        </p:txBody>
+      </p:sp>
+      <p:sp>
+        <p:nvSpPr>
+          <p:cNvPr id="5" name="Text 0"/>
+          <p:cNvSpPr/>
+          <p:nvPr>
+            <p:ph idx="105" type="body" hasCustomPrompt="1"/>
+          </p:nvPr>
+        </p:nvSpPr>
+        <p:spPr>
+          <a:xfrm>
+            <a:off x="8631936" y="5458968"/>
+            <a:ext cx="2916936" cy="914400"/>
+          </a:xfrm>
+          <a:prstGeom prst="rect">
+            <a:avLst/>
+          </a:prstGeom>
+          <a:noFill/>
+          <a:ln/>
+        </p:spPr>
+        <p:txBody>
+          <a:bodyPr wrap="square" rtlCol="0" anchor="ctr"/>
+          <a:lstStyle/>
+          <a:p>
+            <a:pPr algn="ctr" indent="0" marL="0">
+              <a:buNone/>
+            </a:pPr>
+            <a:r>
+              <a:rPr lang="en-US" sz="2000" dirty="0">
+                <a:solidFill>
+                  <a:srgbClr val="000000"/>
+                </a:solidFill>
+                <a:latin typeface="Tenorite (Headings)" pitchFamily="34" charset="0"/>
+                <a:ea typeface="Tenorite (Headings)" pitchFamily="34" charset="-122"/>
+                <a:cs typeface="Tenorite (Headings)" pitchFamily="34" charset="-120"/>
+              </a:rPr>
+              <a:t>Sourav Sharma</a:t>
+            </a:r>
+            <a:endParaRPr lang="en-US" sz="2000" dirty="0"/>
+          </a:p>
+        </p:txBody>
+      </p:sp>
+      <p:sp>
+        <p:nvSpPr>
+          <p:cNvPr id="6" name="Shape 4"/>
+          <p:cNvSpPr/>
+          <p:nvPr/>
+        </p:nvSpPr>
+        <p:spPr>
+          <a:xfrm>
+            <a:off x="548640" y="2386584"/>
+            <a:ext cx="2916936" cy="2916936"/>
+          </a:xfrm>
+          <a:prstGeom prst="rect">
+            <a:avLst/>
+          </a:prstGeom>
+          <a:solidFill>
+            <a:srgbClr val="1E1C1D"/>
+          </a:solidFill>
+          <a:ln/>
+          <a:effectLst>
+            <a:outerShdw sx="100000" sy="100000" kx="0" ky="0" algn="bl" rotWithShape="0" blurRad="228600" dist="25400" dir="2700000">
+              <a:srgbClr val="1e1c1d">
+                <a:alpha val="50000"/>
+              </a:srgbClr>
+            </a:outerShdw>
+          </a:effectLst>
+        </p:spPr>
+      </p:sp>
+      <p:sp>
+        <p:nvSpPr>
+          <p:cNvPr id="7" name="Shape 5"/>
+          <p:cNvSpPr/>
+          <p:nvPr/>
+        </p:nvSpPr>
+        <p:spPr>
+          <a:xfrm>
+            <a:off x="4636008" y="1517904"/>
+            <a:ext cx="2916936" cy="2916936"/>
+          </a:xfrm>
+          <a:prstGeom prst="rect">
+            <a:avLst/>
+          </a:prstGeom>
+          <a:solidFill>
+            <a:srgbClr val="1E1C1D"/>
+          </a:solidFill>
+          <a:ln/>
+          <a:effectLst>
+            <a:outerShdw sx="100000" sy="100000" kx="0" ky="0" algn="bl" rotWithShape="0" blurRad="228600" dist="25400" dir="2700000">
+              <a:srgbClr val="1e1c1d">
+                <a:alpha val="50000"/>
+              </a:srgbClr>
+            </a:outerShdw>
+          </a:effectLst>
+        </p:spPr>
+      </p:sp>
+      <p:sp>
+        <p:nvSpPr>
+          <p:cNvPr id="8" name="Shape 6"/>
+          <p:cNvSpPr/>
+          <p:nvPr/>
+        </p:nvSpPr>
+        <p:spPr>
+          <a:xfrm>
+            <a:off x="8631936" y="2414016"/>
+            <a:ext cx="2916936" cy="2916936"/>
+          </a:xfrm>
+          <a:prstGeom prst="rect">
+            <a:avLst/>
+          </a:prstGeom>
+          <a:solidFill>
+            <a:srgbClr val="1E1C1D"/>
+          </a:solidFill>
+          <a:ln/>
+          <a:effectLst>
+            <a:outerShdw sx="100000" sy="100000" kx="0" ky="0" algn="bl" rotWithShape="0" blurRad="228600" dist="25400" dir="2700000">
+              <a:srgbClr val="1e1c1d">
+                <a:alpha val="50000"/>
+              </a:srgbClr>
+            </a:outerShdw>
+          </a:effectLst>
+        </p:spPr>
+      </p:sp>
+      <p:pic>
+        <p:nvPicPr>
+          <p:cNvPr id="9" name="Image 0" descr="preencoded.png">    </p:cNvPr>
+          <p:cNvPicPr>
+            <a:picLocks noChangeAspect="1"/>
+          </p:cNvPicPr>
+          <p:nvPr>
+            <p:ph idx="102" hasCustomPrompt="1"/>
+          </p:nvPr>
+        </p:nvPicPr>
+        <p:blipFill>
+          <a:blip r:embed="rId2"/>
+          <a:stretch>
+            <a:fillRect/>
+          </a:stretch>
+        </p:blipFill>
+        <p:spPr>
+          <a:xfrm>
+            <a:off x="548640" y="2386584"/>
+            <a:ext cx="3319272" cy="3319272"/>
+          </a:xfrm>
+          <a:prstGeom prst="rect">
+            <a:avLst/>
+          </a:prstGeom>
+        </p:spPr>
+      </p:pic>
+      <p:pic>
+        <p:nvPicPr>
+          <p:cNvPr id="10" name="Image 1" descr="preencoded.png">    </p:cNvPr>
+          <p:cNvPicPr>
+            <a:picLocks noChangeAspect="1"/>
+          </p:cNvPicPr>
+          <p:nvPr>
+            <p:ph idx="104" hasCustomPrompt="1"/>
+          </p:nvPr>
+        </p:nvPicPr>
+        <p:blipFill>
+          <a:blip r:embed="rId3"/>
+          <a:stretch>
+            <a:fillRect/>
+          </a:stretch>
+        </p:blipFill>
+        <p:spPr>
+          <a:xfrm>
+            <a:off x="4636008" y="1517904"/>
+            <a:ext cx="3319272" cy="3319272"/>
+          </a:xfrm>
+          <a:prstGeom prst="rect">
+            <a:avLst/>
+          </a:prstGeom>
+        </p:spPr>
+      </p:pic>
+      <p:pic>
+        <p:nvPicPr>
+          <p:cNvPr id="11" name="Image 2" descr="preencoded.png">    </p:cNvPr>
+          <p:cNvPicPr>
+            <a:picLocks noChangeAspect="1"/>
+          </p:cNvPicPr>
+          <p:nvPr>
+            <p:ph idx="106" hasCustomPrompt="1"/>
+          </p:nvPr>
+        </p:nvPicPr>
+        <p:blipFill>
+          <a:blip r:embed="rId4"/>
+          <a:stretch>
+            <a:fillRect/>
+          </a:stretch>
+        </p:blipFill>
+        <p:spPr>
+          <a:xfrm>
+            <a:off x="8631936" y="2414016"/>
+            <a:ext cx="3319272" cy="3291840"/>
+          </a:xfrm>
+          <a:prstGeom prst="rect">
+            <a:avLst/>
+          </a:prstGeom>
+        </p:spPr>
+      </p:pic>
+      <p:sp>
+        <p:nvSpPr>
+          <p:cNvPr id="12" name="Text 1"/>
+          <p:cNvSpPr/>
+          <p:nvPr>
+            <p:ph idx="108" type="body" hasCustomPrompt="1"/>
           </p:nvPr>
         </p:nvSpPr>
         <p:spPr>
@@ -6785,7 +7619,7 @@
           <a:bodyPr wrap="square" rtlCol="0" anchor="ctr"/>
           <a:lstStyle/>
           <a:p>
-            <a:pPr marL="0" indent="0" algn="ctr">
+            <a:pPr algn="ctr" indent="0" marL="0">
               <a:buNone/>
             </a:pPr>
             <a:r>
@@ -6817,7 +7651,7 @@
     <p:bg>
       <p:bgPr>
         <a:blipFill dpi="0" rotWithShape="1">
-          <a:blip r:embed="rId3">
+          <a:blip r:embed="rId1">
             <a:lum/>
           </a:blip>
           <a:srcRect/>
@@ -6845,11 +7679,9 @@
       <p:sp>
         <p:nvSpPr>
           <p:cNvPr id="2" name="Text 0"/>
-          <p:cNvSpPr>
-            <a:spLocks noGrp="1"/>
-          </p:cNvSpPr>
-          <p:nvPr>
-            <p:ph type="title" idx="100" hasCustomPrompt="1"/>
+          <p:cNvSpPr/>
+          <p:nvPr>
+            <p:ph idx="100" type="title" hasCustomPrompt="1"/>
           </p:nvPr>
         </p:nvSpPr>
         <p:spPr>
@@ -6867,7 +7699,7 @@
           <a:bodyPr wrap="square" rtlCol="0" anchor="ctr"/>
           <a:lstStyle/>
           <a:p>
-            <a:pPr marL="0" indent="0" algn="l">
+            <a:pPr algn="l" indent="0" marL="0">
               <a:buNone/>
             </a:pPr>
             <a:r>
@@ -6879,7 +7711,7 @@
                 <a:ea typeface="Tenorite (Headings)" pitchFamily="34" charset="-122"/>
                 <a:cs typeface="Tenorite (Headings)" pitchFamily="34" charset="-120"/>
               </a:rPr>
-              <a:t>Interactive Engagement</a:t>
+              <a:t>Intelligent Summarization</a:t>
             </a:r>
             <a:endParaRPr lang="en-US" sz="2800" dirty="0"/>
           </a:p>
@@ -6888,11 +7720,9 @@
       <p:sp>
         <p:nvSpPr>
           <p:cNvPr id="3" name="Text 0"/>
-          <p:cNvSpPr>
-            <a:spLocks noGrp="1"/>
-          </p:cNvSpPr>
-          <p:nvPr>
-            <p:ph type="body" idx="101" hasCustomPrompt="1"/>
+          <p:cNvSpPr/>
+          <p:nvPr>
+            <p:ph idx="101" type="body" hasCustomPrompt="1"/>
           </p:nvPr>
         </p:nvSpPr>
         <p:spPr>
@@ -6910,7 +7740,7 @@
           <a:bodyPr wrap="square" rtlCol="0" anchor="ctr"/>
           <a:lstStyle/>
           <a:p>
-            <a:pPr marL="0" indent="0" algn="l">
+            <a:pPr algn="l" indent="0" marL="0">
               <a:buNone/>
             </a:pPr>
             <a:r>
@@ -6922,8 +7752,8 @@
                 <a:ea typeface="Tenorite (Body)" pitchFamily="34" charset="-122"/>
                 <a:cs typeface="Tenorite (Body)" pitchFamily="34" charset="-120"/>
               </a:rPr>
-              <a:t>1. The platform offers interactive communication features to enhance user engagement. 
-2. Users can interact with the content, ask questions, and receive instant feedback. 
+              <a:t>1. AI Flavoured's summarization engine condenses complex documents into concise summaries. 
+2. This feature helps users quickly grasp the essence of lengthy texts. 
 </a:t>
             </a:r>
             <a:endParaRPr lang="en-US" sz="1800" dirty="0"/>
@@ -6933,11 +7763,9 @@
       <p:sp>
         <p:nvSpPr>
           <p:cNvPr id="4" name="Text 0"/>
-          <p:cNvSpPr>
-            <a:spLocks noGrp="1"/>
-          </p:cNvSpPr>
-          <p:nvPr>
-            <p:ph type="body" idx="102" hasCustomPrompt="1"/>
+          <p:cNvSpPr/>
+          <p:nvPr>
+            <p:ph idx="102" type="body" hasCustomPrompt="1"/>
           </p:nvPr>
         </p:nvSpPr>
         <p:spPr>
@@ -6955,7 +7783,7 @@
           <a:bodyPr wrap="square" rtlCol="0" anchor="t"/>
           <a:lstStyle/>
           <a:p>
-            <a:pPr marL="0" indent="0" algn="l">
+            <a:pPr algn="l" indent="0" marL="0">
               <a:buNone/>
             </a:pPr>
             <a:r>
@@ -6967,7 +7795,7 @@
                 <a:ea typeface="Tenorite (Body)" pitchFamily="34" charset="-122"/>
                 <a:cs typeface="Tenorite (Body)" pitchFamily="34" charset="-120"/>
               </a:rPr>
-              <a:t>Foster a more engaging and interactive learning experience.</a:t>
+              <a:t>Efficiently extract key insights from vast amounts of information.</a:t>
             </a:r>
             <a:endParaRPr lang="en-US" sz="1600" dirty="0"/>
           </a:p>
@@ -6976,11 +7804,9 @@
       <p:sp>
         <p:nvSpPr>
           <p:cNvPr id="5" name="Text 1"/>
-          <p:cNvSpPr>
-            <a:spLocks noGrp="1"/>
-          </p:cNvSpPr>
-          <p:nvPr>
-            <p:ph type="body" idx="104" hasCustomPrompt="1"/>
+          <p:cNvSpPr/>
+          <p:nvPr>
+            <p:ph idx="104" type="body" hasCustomPrompt="1"/>
           </p:nvPr>
         </p:nvSpPr>
         <p:spPr>
@@ -6998,7 +7824,7 @@
           <a:bodyPr wrap="square" rtlCol="0" anchor="ctr"/>
           <a:lstStyle/>
           <a:p>
-            <a:pPr marL="0" indent="0" algn="ctr">
+            <a:pPr algn="ctr" indent="0" marL="0">
               <a:buNone/>
             </a:pPr>
             <a:r>
@@ -7030,7 +7856,7 @@
     <p:bg>
       <p:bgPr>
         <a:blipFill dpi="0" rotWithShape="1">
-          <a:blip r:embed="rId3">
+          <a:blip r:embed="rId1">
             <a:lum/>
           </a:blip>
           <a:srcRect/>
@@ -7058,11 +7884,9 @@
       <p:sp>
         <p:nvSpPr>
           <p:cNvPr id="2" name="Text 0"/>
-          <p:cNvSpPr>
-            <a:spLocks noGrp="1"/>
-          </p:cNvSpPr>
-          <p:nvPr>
-            <p:ph type="title" idx="100" hasCustomPrompt="1"/>
+          <p:cNvSpPr/>
+          <p:nvPr>
+            <p:ph idx="100" type="title" hasCustomPrompt="1"/>
           </p:nvPr>
         </p:nvSpPr>
         <p:spPr>
@@ -7080,7 +7904,7 @@
           <a:bodyPr wrap="square" rtlCol="0" anchor="ctr"/>
           <a:lstStyle/>
           <a:p>
-            <a:pPr marL="0" indent="0" algn="l">
+            <a:pPr algn="l" indent="0" marL="0">
               <a:buNone/>
             </a:pPr>
             <a:r>
@@ -7092,7 +7916,7 @@
                 <a:ea typeface="Tenorite (Headings)" pitchFamily="34" charset="-122"/>
                 <a:cs typeface="Tenorite (Headings)" pitchFamily="34" charset="-120"/>
               </a:rPr>
-              <a:t>Multilingual Support</a:t>
+              <a:t>Interactive Engagement</a:t>
             </a:r>
             <a:endParaRPr lang="en-US" sz="2800" dirty="0"/>
           </a:p>
@@ -7101,11 +7925,9 @@
       <p:sp>
         <p:nvSpPr>
           <p:cNvPr id="3" name="Text 0"/>
-          <p:cNvSpPr>
-            <a:spLocks noGrp="1"/>
-          </p:cNvSpPr>
-          <p:nvPr>
-            <p:ph type="body" idx="101" hasCustomPrompt="1"/>
+          <p:cNvSpPr/>
+          <p:nvPr>
+            <p:ph idx="101" type="body" hasCustomPrompt="1"/>
           </p:nvPr>
         </p:nvSpPr>
         <p:spPr>
@@ -7123,7 +7945,7 @@
           <a:bodyPr wrap="square" rtlCol="0" anchor="ctr"/>
           <a:lstStyle/>
           <a:p>
-            <a:pPr marL="0" indent="0" algn="l">
+            <a:pPr algn="l" indent="0" marL="0">
               <a:buNone/>
             </a:pPr>
             <a:r>
@@ -7135,8 +7957,8 @@
                 <a:ea typeface="Tenorite (Body)" pitchFamily="34" charset="-122"/>
                 <a:cs typeface="Tenorite (Body)" pitchFamily="34" charset="-120"/>
               </a:rPr>
-              <a:t>1. AI Flavoured supports multiple languages, breaking down language barriers. 
-2. This feature ensures accessibility for a global audience. 
+              <a:t>1. The platform offers interactive communication features to enhance user engagement. 
+2. Users can interact with the content, ask questions, and receive instant feedback. 
 </a:t>
             </a:r>
             <a:endParaRPr lang="en-US" sz="1800" dirty="0"/>
@@ -7146,11 +7968,9 @@
       <p:sp>
         <p:nvSpPr>
           <p:cNvPr id="4" name="Text 0"/>
-          <p:cNvSpPr>
-            <a:spLocks noGrp="1"/>
-          </p:cNvSpPr>
-          <p:nvPr>
-            <p:ph type="body" idx="102" hasCustomPrompt="1"/>
+          <p:cNvSpPr/>
+          <p:nvPr>
+            <p:ph idx="102" type="body" hasCustomPrompt="1"/>
           </p:nvPr>
         </p:nvSpPr>
         <p:spPr>
@@ -7168,7 +7988,7 @@
           <a:bodyPr wrap="square" rtlCol="0" anchor="t"/>
           <a:lstStyle/>
           <a:p>
-            <a:pPr marL="0" indent="0" algn="l">
+            <a:pPr algn="l" indent="0" marL="0">
               <a:buNone/>
             </a:pPr>
             <a:r>
@@ -7180,7 +8000,7 @@
                 <a:ea typeface="Tenorite (Body)" pitchFamily="34" charset="-122"/>
                 <a:cs typeface="Tenorite (Body)" pitchFamily="34" charset="-120"/>
               </a:rPr>
-              <a:t>Promote inclusivity and accessibility in document comprehension.</a:t>
+              <a:t>Foster a more engaging and interactive learning experience.</a:t>
             </a:r>
             <a:endParaRPr lang="en-US" sz="1600" dirty="0"/>
           </a:p>
@@ -7189,11 +8009,9 @@
       <p:sp>
         <p:nvSpPr>
           <p:cNvPr id="5" name="Text 1"/>
-          <p:cNvSpPr>
-            <a:spLocks noGrp="1"/>
-          </p:cNvSpPr>
-          <p:nvPr>
-            <p:ph type="body" idx="104" hasCustomPrompt="1"/>
+          <p:cNvSpPr/>
+          <p:nvPr>
+            <p:ph idx="104" type="body" hasCustomPrompt="1"/>
           </p:nvPr>
         </p:nvSpPr>
         <p:spPr>
@@ -7211,7 +8029,7 @@
           <a:bodyPr wrap="square" rtlCol="0" anchor="ctr"/>
           <a:lstStyle/>
           <a:p>
-            <a:pPr marL="0" indent="0" algn="ctr">
+            <a:pPr algn="ctr" indent="0" marL="0">
               <a:buNone/>
             </a:pPr>
             <a:r>
@@ -7243,7 +8061,7 @@
     <p:bg>
       <p:bgPr>
         <a:blipFill dpi="0" rotWithShape="1">
-          <a:blip r:embed="rId3">
+          <a:blip r:embed="rId1">
             <a:lum/>
           </a:blip>
           <a:srcRect/>
@@ -7271,11 +8089,9 @@
       <p:sp>
         <p:nvSpPr>
           <p:cNvPr id="2" name="Text 0"/>
-          <p:cNvSpPr>
-            <a:spLocks noGrp="1"/>
-          </p:cNvSpPr>
-          <p:nvPr>
-            <p:ph type="title" idx="100" hasCustomPrompt="1"/>
+          <p:cNvSpPr/>
+          <p:nvPr>
+            <p:ph idx="100" type="title" hasCustomPrompt="1"/>
           </p:nvPr>
         </p:nvSpPr>
         <p:spPr>
@@ -7293,7 +8109,7 @@
           <a:bodyPr wrap="square" rtlCol="0" anchor="ctr"/>
           <a:lstStyle/>
           <a:p>
-            <a:pPr marL="0" indent="0" algn="l">
+            <a:pPr algn="l" indent="0" marL="0">
               <a:buNone/>
             </a:pPr>
             <a:r>
@@ -7305,7 +8121,7 @@
                 <a:ea typeface="Tenorite (Headings)" pitchFamily="34" charset="-122"/>
                 <a:cs typeface="Tenorite (Headings)" pitchFamily="34" charset="-120"/>
               </a:rPr>
-              <a:t>Personalized Learning Experiences</a:t>
+              <a:t>Multilingual Support</a:t>
             </a:r>
             <a:endParaRPr lang="en-US" sz="2800" dirty="0"/>
           </a:p>
@@ -7314,11 +8130,9 @@
       <p:sp>
         <p:nvSpPr>
           <p:cNvPr id="3" name="Text 0"/>
-          <p:cNvSpPr>
-            <a:spLocks noGrp="1"/>
-          </p:cNvSpPr>
-          <p:nvPr>
-            <p:ph type="body" idx="101" hasCustomPrompt="1"/>
+          <p:cNvSpPr/>
+          <p:nvPr>
+            <p:ph idx="101" type="body" hasCustomPrompt="1"/>
           </p:nvPr>
         </p:nvSpPr>
         <p:spPr>
@@ -7336,7 +8150,7 @@
           <a:bodyPr wrap="square" rtlCol="0" anchor="ctr"/>
           <a:lstStyle/>
           <a:p>
-            <a:pPr marL="0" indent="0" algn="l">
+            <a:pPr algn="l" indent="0" marL="0">
               <a:buNone/>
             </a:pPr>
             <a:r>
@@ -7348,8 +8162,8 @@
                 <a:ea typeface="Tenorite (Body)" pitchFamily="34" charset="-122"/>
                 <a:cs typeface="Tenorite (Body)" pitchFamily="34" charset="-120"/>
               </a:rPr>
-              <a:t>1. The platform offers personalized learning experiences tailored to individual needs. 
-2. Users receive recommendations and insights based on their preferences and learning patterns. 
+              <a:t>1. AI Flavoured supports multiple languages, breaking down language barriers. 
+2. This feature ensures accessibility for a global audience. 
 </a:t>
             </a:r>
             <a:endParaRPr lang="en-US" sz="1800" dirty="0"/>
@@ -7359,11 +8173,9 @@
       <p:sp>
         <p:nvSpPr>
           <p:cNvPr id="4" name="Text 0"/>
-          <p:cNvSpPr>
-            <a:spLocks noGrp="1"/>
-          </p:cNvSpPr>
-          <p:nvPr>
-            <p:ph type="body" idx="102" hasCustomPrompt="1"/>
+          <p:cNvSpPr/>
+          <p:nvPr>
+            <p:ph idx="102" type="body" hasCustomPrompt="1"/>
           </p:nvPr>
         </p:nvSpPr>
         <p:spPr>
@@ -7381,7 +8193,7 @@
           <a:bodyPr wrap="square" rtlCol="0" anchor="t"/>
           <a:lstStyle/>
           <a:p>
-            <a:pPr marL="0" indent="0" algn="l">
+            <a:pPr algn="l" indent="0" marL="0">
               <a:buNone/>
             </a:pPr>
             <a:r>
@@ -7393,7 +8205,7 @@
                 <a:ea typeface="Tenorite (Body)" pitchFamily="34" charset="-122"/>
                 <a:cs typeface="Tenorite (Body)" pitchFamily="34" charset="-120"/>
               </a:rPr>
-              <a:t>Enhance learning outcomes through personalized content.</a:t>
+              <a:t>Promote inclusivity and accessibility in document comprehension.</a:t>
             </a:r>
             <a:endParaRPr lang="en-US" sz="1600" dirty="0"/>
           </a:p>
@@ -7402,11 +8214,9 @@
       <p:sp>
         <p:nvSpPr>
           <p:cNvPr id="5" name="Text 1"/>
-          <p:cNvSpPr>
-            <a:spLocks noGrp="1"/>
-          </p:cNvSpPr>
-          <p:nvPr>
-            <p:ph type="body" idx="104" hasCustomPrompt="1"/>
+          <p:cNvSpPr/>
+          <p:nvPr>
+            <p:ph idx="104" type="body" hasCustomPrompt="1"/>
           </p:nvPr>
         </p:nvSpPr>
         <p:spPr>
@@ -7424,7 +8234,7 @@
           <a:bodyPr wrap="square" rtlCol="0" anchor="ctr"/>
           <a:lstStyle/>
           <a:p>
-            <a:pPr marL="0" indent="0" algn="ctr">
+            <a:pPr algn="ctr" indent="0" marL="0">
               <a:buNone/>
             </a:pPr>
             <a:r>
@@ -7456,7 +8266,7 @@
     <p:bg>
       <p:bgPr>
         <a:blipFill dpi="0" rotWithShape="1">
-          <a:blip r:embed="rId3">
+          <a:blip r:embed="rId1">
             <a:lum/>
           </a:blip>
           <a:srcRect/>
@@ -7484,17 +8294,15 @@
       <p:sp>
         <p:nvSpPr>
           <p:cNvPr id="2" name="Text 0"/>
-          <p:cNvSpPr>
-            <a:spLocks noGrp="1"/>
-          </p:cNvSpPr>
-          <p:nvPr>
-            <p:ph type="title" idx="100" hasCustomPrompt="1"/>
+          <p:cNvSpPr/>
+          <p:nvPr>
+            <p:ph idx="100" type="title" hasCustomPrompt="1"/>
           </p:nvPr>
         </p:nvSpPr>
         <p:spPr>
           <a:xfrm>
             <a:off x="914400" y="365760"/>
-            <a:ext cx="7278624" cy="1645920"/>
+            <a:ext cx="10442448" cy="1618488"/>
           </a:xfrm>
           <a:prstGeom prst="rect">
             <a:avLst/>
@@ -7506,11 +8314,11 @@
           <a:bodyPr wrap="square" rtlCol="0" anchor="ctr"/>
           <a:lstStyle/>
           <a:p>
-            <a:pPr marL="0" indent="0" algn="ctr">
-              <a:buNone/>
-            </a:pPr>
-            <a:r>
-              <a:rPr lang="en-US" sz="3200" b="1" dirty="0">
+            <a:pPr algn="l" indent="0" marL="0">
+              <a:buNone/>
+            </a:pPr>
+            <a:r>
+              <a:rPr lang="en-US" sz="2800" b="1" dirty="0">
                 <a:solidFill>
                   <a:srgbClr val="000000"/>
                 </a:solidFill>
@@ -7518,26 +8326,67 @@
                 <a:ea typeface="Tenorite (Headings)" pitchFamily="34" charset="-122"/>
                 <a:cs typeface="Tenorite (Headings)" pitchFamily="34" charset="-120"/>
               </a:rPr>
-              <a:t>Technical Aspects and Benefits</a:t>
-            </a:r>
-            <a:endParaRPr lang="en-US" sz="3200" dirty="0"/>
+              <a:t>Personalized Learning Experiences</a:t>
+            </a:r>
+            <a:endParaRPr lang="en-US" sz="2800" dirty="0"/>
           </a:p>
         </p:txBody>
       </p:sp>
       <p:sp>
         <p:nvSpPr>
           <p:cNvPr id="3" name="Text 0"/>
-          <p:cNvSpPr>
-            <a:spLocks noGrp="1"/>
-          </p:cNvSpPr>
-          <p:nvPr>
-            <p:ph type="body" idx="101" hasCustomPrompt="1"/>
-          </p:nvPr>
-        </p:nvSpPr>
-        <p:spPr>
-          <a:xfrm>
-            <a:off x="914400" y="2011680"/>
-            <a:ext cx="7278624" cy="4160520"/>
+          <p:cNvSpPr/>
+          <p:nvPr>
+            <p:ph idx="101" type="body" hasCustomPrompt="1"/>
+          </p:nvPr>
+        </p:nvSpPr>
+        <p:spPr>
+          <a:xfrm>
+            <a:off x="4599432" y="2020824"/>
+            <a:ext cx="6748272" cy="3749040"/>
+          </a:xfrm>
+          <a:prstGeom prst="rect">
+            <a:avLst/>
+          </a:prstGeom>
+          <a:noFill/>
+          <a:ln/>
+        </p:spPr>
+        <p:txBody>
+          <a:bodyPr wrap="square" rtlCol="0" anchor="ctr"/>
+          <a:lstStyle/>
+          <a:p>
+            <a:pPr algn="l" indent="0" marL="0">
+              <a:buNone/>
+            </a:pPr>
+            <a:r>
+              <a:rPr lang="en-US" sz="1800" dirty="0">
+                <a:solidFill>
+                  <a:srgbClr val="000000"/>
+                </a:solidFill>
+                <a:latin typeface="Tenorite (Body)" pitchFamily="34" charset="0"/>
+                <a:ea typeface="Tenorite (Body)" pitchFamily="34" charset="-122"/>
+                <a:cs typeface="Tenorite (Body)" pitchFamily="34" charset="-120"/>
+              </a:rPr>
+              <a:t>1. The platform offers personalized learning experiences tailored to individual needs. 
+2. Users receive recommendations and insights based on their preferences and learning patterns. 
+</a:t>
+            </a:r>
+            <a:endParaRPr lang="en-US" sz="1800" dirty="0"/>
+          </a:p>
+        </p:txBody>
+      </p:sp>
+      <p:sp>
+        <p:nvSpPr>
+          <p:cNvPr id="4" name="Text 0"/>
+          <p:cNvSpPr/>
+          <p:nvPr>
+            <p:ph idx="102" type="body" hasCustomPrompt="1"/>
+          </p:nvPr>
+        </p:nvSpPr>
+        <p:spPr>
+          <a:xfrm>
+            <a:off x="914400" y="2020824"/>
+            <a:ext cx="3310128" cy="3749040"/>
           </a:xfrm>
           <a:prstGeom prst="rect">
             <a:avLst/>
@@ -7549,35 +8398,30 @@
           <a:bodyPr wrap="square" rtlCol="0" anchor="t"/>
           <a:lstStyle/>
           <a:p>
-            <a:pPr marL="0" indent="0" algn="l">
-              <a:buNone/>
-            </a:pPr>
-            <a:r>
-              <a:rPr lang="en-US" sz="2000" dirty="0">
-                <a:solidFill>
-                  <a:srgbClr val="000000"/>
-                </a:solidFill>
-                <a:latin typeface="Tenorite (Body)" pitchFamily="34" charset="0"/>
-                <a:ea typeface="Tenorite (Body)" pitchFamily="34" charset="-122"/>
-                <a:cs typeface="Tenorite (Body)" pitchFamily="34" charset="-120"/>
-              </a:rPr>
-              <a:t>1. AI Flavoured showcases the feasibility and operational benefits of AI in document comprehension. 
-2. It streamlines information retrieval, improves knowledge acquisition, and fosters collaboration. 
-3. The project aims to stay at the forefront of AI-powered education and knowledge sharing. 
-</a:t>
-            </a:r>
-            <a:endParaRPr lang="en-US" sz="2000" dirty="0"/>
-          </a:p>
-        </p:txBody>
-      </p:sp>
-      <p:sp>
-        <p:nvSpPr>
-          <p:cNvPr id="4" name="Text 1"/>
-          <p:cNvSpPr>
-            <a:spLocks noGrp="1"/>
-          </p:cNvSpPr>
-          <p:nvPr>
-            <p:ph type="body" idx="105" hasCustomPrompt="1"/>
+            <a:pPr algn="l" indent="0" marL="0">
+              <a:buNone/>
+            </a:pPr>
+            <a:r>
+              <a:rPr lang="en-US" sz="1600" b="1" dirty="0">
+                <a:solidFill>
+                  <a:srgbClr val="000000"/>
+                </a:solidFill>
+                <a:latin typeface="Tenorite (Body)" pitchFamily="34" charset="0"/>
+                <a:ea typeface="Tenorite (Body)" pitchFamily="34" charset="-122"/>
+                <a:cs typeface="Tenorite (Body)" pitchFamily="34" charset="-120"/>
+              </a:rPr>
+              <a:t>Enhance learning outcomes through personalized content.</a:t>
+            </a:r>
+            <a:endParaRPr lang="en-US" sz="1600" dirty="0"/>
+          </a:p>
+        </p:txBody>
+      </p:sp>
+      <p:sp>
+        <p:nvSpPr>
+          <p:cNvPr id="5" name="Text 1"/>
+          <p:cNvSpPr/>
+          <p:nvPr>
+            <p:ph idx="104" type="body" hasCustomPrompt="1"/>
           </p:nvPr>
         </p:nvSpPr>
         <p:spPr>
@@ -7595,7 +8439,7 @@
           <a:bodyPr wrap="square" rtlCol="0" anchor="ctr"/>
           <a:lstStyle/>
           <a:p>
-            <a:pPr marL="0" indent="0" algn="ctr">
+            <a:pPr algn="ctr" indent="0" marL="0">
               <a:buNone/>
             </a:pPr>
             <a:r>
@@ -7610,70 +8454,6 @@
               <a:t>15</a:t>
             </a:r>
             <a:endParaRPr lang="en-US" sz="1200" dirty="0"/>
-          </a:p>
-        </p:txBody>
-      </p:sp>
-      <p:sp>
-        <p:nvSpPr>
-          <p:cNvPr id="5" name="Text 0"/>
-          <p:cNvSpPr>
-            <a:spLocks noGrp="1"/>
-          </p:cNvSpPr>
-          <p:nvPr>
-            <p:ph type="body" idx="102" hasCustomPrompt="1"/>
-          </p:nvPr>
-        </p:nvSpPr>
-        <p:spPr>
-          <a:xfrm>
-            <a:off x="649224" y="1828800"/>
-            <a:ext cx="5266944" cy="4389120"/>
-          </a:xfrm>
-          <a:prstGeom prst="rect">
-            <a:avLst/>
-          </a:prstGeom>
-          <a:noFill/>
-          <a:ln/>
-        </p:spPr>
-        <p:txBody>
-          <a:bodyPr wrap="square" lIns="2540" tIns="2540" rIns="2540" bIns="2540" rtlCol="0" anchor="t"/>
-          <a:lstStyle/>
-          <a:p>
-            <a:pPr marL="0" indent="0" algn="l">
-              <a:buNone/>
-            </a:pPr>
-            <a:endParaRPr lang="en-US" sz="2000" dirty="0"/>
-          </a:p>
-        </p:txBody>
-      </p:sp>
-      <p:sp>
-        <p:nvSpPr>
-          <p:cNvPr id="6" name="Text 0"/>
-          <p:cNvSpPr>
-            <a:spLocks noGrp="1"/>
-          </p:cNvSpPr>
-          <p:nvPr>
-            <p:ph type="body" idx="103" hasCustomPrompt="1"/>
-          </p:nvPr>
-        </p:nvSpPr>
-        <p:spPr>
-          <a:xfrm>
-            <a:off x="6099048" y="1828800"/>
-            <a:ext cx="5266944" cy="4389120"/>
-          </a:xfrm>
-          <a:prstGeom prst="rect">
-            <a:avLst/>
-          </a:prstGeom>
-          <a:noFill/>
-          <a:ln/>
-        </p:spPr>
-        <p:txBody>
-          <a:bodyPr wrap="square" rtlCol="0" anchor="t"/>
-          <a:lstStyle/>
-          <a:p>
-            <a:pPr marL="0" indent="0" algn="l">
-              <a:buNone/>
-            </a:pPr>
-            <a:endParaRPr lang="en-US" sz="2000" dirty="0"/>
           </a:p>
         </p:txBody>
       </p:sp>
@@ -7691,7 +8471,7 @@
     <p:bg>
       <p:bgPr>
         <a:blipFill dpi="0" rotWithShape="1">
-          <a:blip r:embed="rId3">
+          <a:blip r:embed="rId1">
             <a:lum/>
           </a:blip>
           <a:srcRect/>
@@ -7719,35 +8499,31 @@
       <p:sp>
         <p:nvSpPr>
           <p:cNvPr id="2" name="Text 0"/>
-          <p:cNvSpPr>
-            <a:spLocks noGrp="1"/>
-          </p:cNvSpPr>
-          <p:nvPr>
-            <p:ph type="title" idx="100" hasCustomPrompt="1"/>
-          </p:nvPr>
-        </p:nvSpPr>
-        <p:spPr>
-          <a:xfrm>
-            <a:off x="667512" y="329184"/>
-            <a:ext cx="8650224" cy="2505456"/>
-          </a:xfrm>
-          <a:prstGeom prst="rect">
-            <a:avLst/>
-          </a:prstGeom>
-          <a:noFill/>
-          <a:ln/>
-        </p:spPr>
-        <p:txBody>
-          <a:bodyPr wrap="square" rtlCol="0" anchor="b">
-            <a:normAutofit/>
-          </a:bodyPr>
-          <a:lstStyle/>
-          <a:p>
-            <a:pPr marL="0" indent="0" algn="l">
-              <a:buNone/>
-            </a:pPr>
-            <a:r>
-              <a:rPr lang="en-US" sz="6000" b="1" dirty="0">
+          <p:cNvSpPr/>
+          <p:nvPr>
+            <p:ph idx="100" type="title" hasCustomPrompt="1"/>
+          </p:nvPr>
+        </p:nvSpPr>
+        <p:spPr>
+          <a:xfrm>
+            <a:off x="914400" y="365760"/>
+            <a:ext cx="7278624" cy="1645920"/>
+          </a:xfrm>
+          <a:prstGeom prst="rect">
+            <a:avLst/>
+          </a:prstGeom>
+          <a:noFill/>
+          <a:ln/>
+        </p:spPr>
+        <p:txBody>
+          <a:bodyPr wrap="square" rtlCol="0" anchor="ctr"/>
+          <a:lstStyle/>
+          <a:p>
+            <a:pPr algn="ctr" indent="0" marL="0">
+              <a:buNone/>
+            </a:pPr>
+            <a:r>
+              <a:rPr lang="en-US" sz="3200" b="1" dirty="0">
                 <a:solidFill>
                   <a:srgbClr val="FFFFFF"/>
                 </a:solidFill>
@@ -7755,51 +8531,24 @@
                 <a:ea typeface="Tenorite (Headings)" pitchFamily="34" charset="-122"/>
                 <a:cs typeface="Tenorite (Headings)" pitchFamily="34" charset="-120"/>
               </a:rPr>
-              <a:t>Thank You</a:t>
-            </a:r>
-            <a:endParaRPr lang="en-US" sz="6000" dirty="0"/>
-          </a:p>
-        </p:txBody>
-      </p:sp>
-      <p:sp>
-        <p:nvSpPr>
-          <p:cNvPr id="3" name="Shape 1"/>
-          <p:cNvSpPr/>
-          <p:nvPr/>
-        </p:nvSpPr>
-        <p:spPr>
-          <a:xfrm>
-            <a:off x="2313432" y="3099816"/>
-            <a:ext cx="7790688" cy="0"/>
-          </a:xfrm>
-          <a:prstGeom prst="line">
-            <a:avLst/>
-          </a:prstGeom>
-          <a:solidFill>
-            <a:srgbClr val="FFFFFF"/>
-          </a:solidFill>
-          <a:ln w="12700">
-            <a:solidFill>
-              <a:srgbClr val="FFFFFF"/>
-            </a:solidFill>
-            <a:prstDash val="solid"/>
-          </a:ln>
-        </p:spPr>
-      </p:sp>
-      <p:sp>
-        <p:nvSpPr>
-          <p:cNvPr id="4" name="Text 0"/>
-          <p:cNvSpPr>
-            <a:spLocks noGrp="1"/>
-          </p:cNvSpPr>
-          <p:nvPr>
-            <p:ph type="body" idx="101" hasCustomPrompt="1"/>
-          </p:nvPr>
-        </p:nvSpPr>
-        <p:spPr>
-          <a:xfrm>
-            <a:off x="667512" y="3429000"/>
-            <a:ext cx="10360152" cy="1371600"/>
+              <a:t>Technical Aspects and Benefits</a:t>
+            </a:r>
+            <a:endParaRPr lang="en-US" sz="3200" dirty="0"/>
+          </a:p>
+        </p:txBody>
+      </p:sp>
+      <p:sp>
+        <p:nvSpPr>
+          <p:cNvPr id="3" name="Text 0"/>
+          <p:cNvSpPr/>
+          <p:nvPr>
+            <p:ph idx="101" type="body" hasCustomPrompt="1"/>
+          </p:nvPr>
+        </p:nvSpPr>
+        <p:spPr>
+          <a:xfrm>
+            <a:off x="914400" y="2011680"/>
+            <a:ext cx="7278624" cy="4160520"/>
           </a:xfrm>
           <a:prstGeom prst="rect">
             <a:avLst/>
@@ -7811,11 +8560,11 @@
           <a:bodyPr wrap="square" rtlCol="0" anchor="t"/>
           <a:lstStyle/>
           <a:p>
-            <a:pPr marL="0" indent="0" algn="l">
-              <a:buNone/>
-            </a:pPr>
-            <a:r>
-              <a:rPr lang="en-US" sz="2800" dirty="0">
+            <a:pPr algn="l" indent="0" marL="0">
+              <a:buNone/>
+            </a:pPr>
+            <a:r>
+              <a:rPr lang="en-US" sz="2000" dirty="0">
                 <a:solidFill>
                   <a:srgbClr val="FFFFFF"/>
                 </a:solidFill>
@@ -7823,20 +8572,21 @@
                 <a:ea typeface="Tenorite (Body)" pitchFamily="34" charset="-122"/>
                 <a:cs typeface="Tenorite (Body)" pitchFamily="34" charset="-120"/>
               </a:rPr>
-              <a:t>Thank you for your attention. We hope AI Flavoured will revolutionize your document comprehension and learning experience.</a:t>
-            </a:r>
-            <a:endParaRPr lang="en-US" sz="2800" dirty="0"/>
-          </a:p>
-        </p:txBody>
-      </p:sp>
-      <p:sp>
-        <p:nvSpPr>
-          <p:cNvPr id="5" name="Text 1"/>
-          <p:cNvSpPr>
-            <a:spLocks noGrp="1"/>
-          </p:cNvSpPr>
-          <p:nvPr>
-            <p:ph type="body" idx="103" hasCustomPrompt="1"/>
+              <a:t>1. AI Flavoured showcases the feasibility and operational benefits of AI in document comprehension. 
+2. It streamlines information retrieval, improves knowledge acquisition, and fosters collaboration. 
+3. The project aims to stay at the forefront of AI-powered education and knowledge sharing. 
+</a:t>
+            </a:r>
+            <a:endParaRPr lang="en-US" sz="2000" dirty="0"/>
+          </a:p>
+        </p:txBody>
+      </p:sp>
+      <p:sp>
+        <p:nvSpPr>
+          <p:cNvPr id="4" name="Text 1"/>
+          <p:cNvSpPr/>
+          <p:nvPr>
+            <p:ph idx="105" type="body" hasCustomPrompt="1"/>
           </p:nvPr>
         </p:nvSpPr>
         <p:spPr>
@@ -7854,7 +8604,7 @@
           <a:bodyPr wrap="square" rtlCol="0" anchor="ctr"/>
           <a:lstStyle/>
           <a:p>
-            <a:pPr marL="0" indent="0" algn="ctr">
+            <a:pPr algn="ctr" indent="0" marL="0">
               <a:buNone/>
             </a:pPr>
             <a:r>
@@ -7869,6 +8619,66 @@
               <a:t>16</a:t>
             </a:r>
             <a:endParaRPr lang="en-US" sz="1200" dirty="0"/>
+          </a:p>
+        </p:txBody>
+      </p:sp>
+      <p:sp>
+        <p:nvSpPr>
+          <p:cNvPr id="5" name="Text 0"/>
+          <p:cNvSpPr/>
+          <p:nvPr>
+            <p:ph idx="102" type="body" hasCustomPrompt="1"/>
+          </p:nvPr>
+        </p:nvSpPr>
+        <p:spPr>
+          <a:xfrm>
+            <a:off x="649224" y="1828800"/>
+            <a:ext cx="5266944" cy="4389120"/>
+          </a:xfrm>
+          <a:prstGeom prst="rect">
+            <a:avLst/>
+          </a:prstGeom>
+          <a:noFill/>
+          <a:ln/>
+        </p:spPr>
+        <p:txBody>
+          <a:bodyPr wrap="square" lIns="2540" tIns="2540" rIns="2540" bIns="2540" rtlCol="0" anchor="t"/>
+          <a:lstStyle/>
+          <a:p>
+            <a:pPr algn="l" indent="0" marL="0">
+              <a:buNone/>
+            </a:pPr>
+            <a:endParaRPr lang="en-US" sz="2000" dirty="0"/>
+          </a:p>
+        </p:txBody>
+      </p:sp>
+      <p:sp>
+        <p:nvSpPr>
+          <p:cNvPr id="6" name="Text 0"/>
+          <p:cNvSpPr/>
+          <p:nvPr>
+            <p:ph idx="103" type="body" hasCustomPrompt="1"/>
+          </p:nvPr>
+        </p:nvSpPr>
+        <p:spPr>
+          <a:xfrm>
+            <a:off x="6099048" y="1828800"/>
+            <a:ext cx="5266944" cy="4389120"/>
+          </a:xfrm>
+          <a:prstGeom prst="rect">
+            <a:avLst/>
+          </a:prstGeom>
+          <a:noFill/>
+          <a:ln/>
+        </p:spPr>
+        <p:txBody>
+          <a:bodyPr wrap="square" rtlCol="0" anchor="t"/>
+          <a:lstStyle/>
+          <a:p>
+            <a:pPr algn="l" indent="0" marL="0">
+              <a:buNone/>
+            </a:pPr>
+            <a:endParaRPr lang="en-US" sz="2000" dirty="0"/>
           </a:p>
         </p:txBody>
       </p:sp>
@@ -7880,13 +8690,13 @@
 </p:sld>
 </file>
 
-<file path=ppt/slides/slide2.xml><?xml version="1.0" encoding="utf-8"?>
+<file path=ppt/slides/slide17.xml><?xml version="1.0" encoding="utf-8"?>
 <p:sld xmlns:a="http://schemas.openxmlformats.org/drawingml/2006/main" xmlns:r="http://schemas.openxmlformats.org/officeDocument/2006/relationships" xmlns:p="http://schemas.openxmlformats.org/presentationml/2006/main">
-  <p:cSld name="Slide 2">
+  <p:cSld name="Slide 17">
     <p:bg>
       <p:bgPr>
         <a:blipFill dpi="0" rotWithShape="1">
-          <a:blip r:embed="rId3">
+          <a:blip r:embed="rId1">
             <a:lum/>
           </a:blip>
           <a:srcRect/>
@@ -7914,33 +8724,33 @@
       <p:sp>
         <p:nvSpPr>
           <p:cNvPr id="2" name="Text 0"/>
-          <p:cNvSpPr>
-            <a:spLocks noGrp="1"/>
-          </p:cNvSpPr>
-          <p:nvPr>
-            <p:ph type="title" idx="100" hasCustomPrompt="1"/>
-          </p:nvPr>
-        </p:nvSpPr>
-        <p:spPr>
-          <a:xfrm>
-            <a:off x="914400" y="365760"/>
-            <a:ext cx="7278624" cy="1645920"/>
-          </a:xfrm>
-          <a:prstGeom prst="rect">
-            <a:avLst/>
-          </a:prstGeom>
-          <a:noFill/>
-          <a:ln/>
-        </p:spPr>
-        <p:txBody>
-          <a:bodyPr wrap="square" rtlCol="0" anchor="ctr"/>
-          <a:lstStyle/>
-          <a:p>
-            <a:pPr marL="0" indent="0" algn="ctr">
-              <a:buNone/>
-            </a:pPr>
-            <a:r>
-              <a:rPr lang="en-US" sz="3200" b="1" dirty="0">
+          <p:cNvSpPr/>
+          <p:nvPr>
+            <p:ph idx="100" type="title" hasCustomPrompt="1"/>
+          </p:nvPr>
+        </p:nvSpPr>
+        <p:spPr>
+          <a:xfrm>
+            <a:off x="667512" y="329184"/>
+            <a:ext cx="8650224" cy="2505456"/>
+          </a:xfrm>
+          <a:prstGeom prst="rect">
+            <a:avLst/>
+          </a:prstGeom>
+          <a:noFill/>
+          <a:ln/>
+        </p:spPr>
+        <p:txBody>
+          <a:bodyPr wrap="square" rtlCol="0" anchor="b">
+            <a:normAutofit/>
+          </a:bodyPr>
+          <a:lstStyle/>
+          <a:p>
+            <a:pPr algn="l" indent="0" marL="0">
+              <a:buNone/>
+            </a:pPr>
+            <a:r>
+              <a:rPr lang="en-US" sz="6000" b="1" dirty="0">
                 <a:solidFill>
                   <a:srgbClr val="000000"/>
                 </a:solidFill>
@@ -7948,26 +8758,49 @@
                 <a:ea typeface="Tenorite (Headings)" pitchFamily="34" charset="-122"/>
                 <a:cs typeface="Tenorite (Headings)" pitchFamily="34" charset="-120"/>
               </a:rPr>
-              <a:t>Content List</a:t>
-            </a:r>
-            <a:endParaRPr lang="en-US" sz="3200" dirty="0"/>
-          </a:p>
-        </p:txBody>
-      </p:sp>
-      <p:sp>
-        <p:nvSpPr>
-          <p:cNvPr id="3" name="Text 0"/>
-          <p:cNvSpPr>
-            <a:spLocks noGrp="1"/>
-          </p:cNvSpPr>
-          <p:nvPr>
-            <p:ph type="body" idx="101" hasCustomPrompt="1"/>
-          </p:nvPr>
-        </p:nvSpPr>
-        <p:spPr>
-          <a:xfrm>
-            <a:off x="914400" y="2011680"/>
-            <a:ext cx="7278624" cy="4160520"/>
+              <a:t>Thank You</a:t>
+            </a:r>
+            <a:endParaRPr lang="en-US" sz="6000" dirty="0"/>
+          </a:p>
+        </p:txBody>
+      </p:sp>
+      <p:sp>
+        <p:nvSpPr>
+          <p:cNvPr id="3" name="Shape 1"/>
+          <p:cNvSpPr/>
+          <p:nvPr/>
+        </p:nvSpPr>
+        <p:spPr>
+          <a:xfrm>
+            <a:off x="2313432" y="3099816"/>
+            <a:ext cx="7790688" cy="0"/>
+          </a:xfrm>
+          <a:prstGeom prst="line">
+            <a:avLst/>
+          </a:prstGeom>
+          <a:solidFill>
+            <a:srgbClr val="000000"/>
+          </a:solidFill>
+          <a:ln w="12700">
+            <a:solidFill>
+              <a:srgbClr val="000000"/>
+            </a:solidFill>
+            <a:prstDash val="solid"/>
+          </a:ln>
+        </p:spPr>
+      </p:sp>
+      <p:sp>
+        <p:nvSpPr>
+          <p:cNvPr id="4" name="Text 0"/>
+          <p:cNvSpPr/>
+          <p:nvPr>
+            <p:ph idx="101" type="body" hasCustomPrompt="1"/>
+          </p:nvPr>
+        </p:nvSpPr>
+        <p:spPr>
+          <a:xfrm>
+            <a:off x="667512" y="3429000"/>
+            <a:ext cx="10360152" cy="1371600"/>
           </a:xfrm>
           <a:prstGeom prst="rect">
             <a:avLst/>
@@ -7979,185 +8812,30 @@
           <a:bodyPr wrap="square" rtlCol="0" anchor="t"/>
           <a:lstStyle/>
           <a:p>
-            <a:pPr marL="0" indent="0" algn="l">
-              <a:buNone/>
-            </a:pPr>
-            <a:r>
-              <a:rPr lang="en-US" sz="2000" dirty="0">
-                <a:solidFill>
-                  <a:srgbClr val="000000"/>
-                </a:solidFill>
-                <a:latin typeface="Tenorite (Body)" pitchFamily="34" charset="0"/>
-                <a:ea typeface="Tenorite (Body)" pitchFamily="34" charset="-122"/>
-                <a:cs typeface="Tenorite (Body)" pitchFamily="34" charset="-120"/>
-              </a:rPr>
-              <a:t>1. Introduction to AI Flavoured</a:t>
-            </a:r>
-            <a:endParaRPr lang="en-US" sz="2000" dirty="0"/>
-          </a:p>
-          <a:p>
-            <a:pPr marL="0" indent="0" algn="l">
-              <a:buNone/>
-            </a:pPr>
-            <a:r>
-              <a:rPr lang="en-US" sz="2000" dirty="0">
-                <a:solidFill>
-                  <a:srgbClr val="000000"/>
-                </a:solidFill>
-                <a:latin typeface="Tenorite (Body)" pitchFamily="34" charset="0"/>
-                <a:ea typeface="Tenorite (Body)" pitchFamily="34" charset="-122"/>
-                <a:cs typeface="Tenorite (Body)" pitchFamily="34" charset="-120"/>
-              </a:rPr>
-              <a:t>2. Project Overview</a:t>
-            </a:r>
-            <a:endParaRPr lang="en-US" sz="2000" dirty="0"/>
-          </a:p>
-          <a:p>
-            <a:pPr marL="0" indent="0" algn="l">
-              <a:buNone/>
-            </a:pPr>
-            <a:r>
-              <a:rPr lang="en-US" sz="2000" dirty="0">
-                <a:solidFill>
-                  <a:srgbClr val="000000"/>
-                </a:solidFill>
-                <a:latin typeface="Tenorite (Body)" pitchFamily="34" charset="0"/>
-                <a:ea typeface="Tenorite (Body)" pitchFamily="34" charset="-122"/>
-                <a:cs typeface="Tenorite (Body)" pitchFamily="34" charset="-120"/>
-              </a:rPr>
-              <a:t>3. Core Functionalities</a:t>
-            </a:r>
-            <a:endParaRPr lang="en-US" sz="2000" dirty="0"/>
-          </a:p>
-          <a:p>
-            <a:pPr marL="0" indent="0" algn="l">
-              <a:buNone/>
-            </a:pPr>
-            <a:r>
-              <a:rPr lang="en-US" sz="2000" dirty="0">
-                <a:solidFill>
-                  <a:srgbClr val="000000"/>
-                </a:solidFill>
-                <a:latin typeface="Tenorite (Body)" pitchFamily="34" charset="0"/>
-                <a:ea typeface="Tenorite (Body)" pitchFamily="34" charset="-122"/>
-                <a:cs typeface="Tenorite (Body)" pitchFamily="34" charset="-120"/>
-              </a:rPr>
-              <a:t>4. Intelligent Summarization</a:t>
-            </a:r>
-            <a:endParaRPr lang="en-US" sz="2000" dirty="0"/>
-          </a:p>
-          <a:p>
-            <a:pPr marL="0" indent="0" algn="l">
-              <a:buNone/>
-            </a:pPr>
-            <a:r>
-              <a:rPr lang="en-US" sz="2000" dirty="0">
-                <a:solidFill>
-                  <a:srgbClr val="000000"/>
-                </a:solidFill>
-                <a:latin typeface="Tenorite (Body)" pitchFamily="34" charset="0"/>
-                <a:ea typeface="Tenorite (Body)" pitchFamily="34" charset="-122"/>
-                <a:cs typeface="Tenorite (Body)" pitchFamily="34" charset="-120"/>
-              </a:rPr>
-              <a:t>5. Interactive Engagement</a:t>
-            </a:r>
-            <a:endParaRPr lang="en-US" sz="2000" dirty="0"/>
-          </a:p>
-          <a:p>
-            <a:pPr marL="0" indent="0" algn="l">
-              <a:buNone/>
-            </a:pPr>
-            <a:r>
-              <a:rPr lang="en-US" sz="2000" dirty="0">
-                <a:solidFill>
-                  <a:srgbClr val="000000"/>
-                </a:solidFill>
-                <a:latin typeface="Tenorite (Body)" pitchFamily="34" charset="0"/>
-                <a:ea typeface="Tenorite (Body)" pitchFamily="34" charset="-122"/>
-                <a:cs typeface="Tenorite (Body)" pitchFamily="34" charset="-120"/>
-              </a:rPr>
-              <a:t>6. Multilingual Support</a:t>
-            </a:r>
-            <a:endParaRPr lang="en-US" sz="2000" dirty="0"/>
-          </a:p>
-          <a:p>
-            <a:pPr marL="0" indent="0" algn="l">
-              <a:buNone/>
-            </a:pPr>
-            <a:r>
-              <a:rPr lang="en-US" sz="2000" dirty="0">
-                <a:solidFill>
-                  <a:srgbClr val="000000"/>
-                </a:solidFill>
-                <a:latin typeface="Tenorite (Body)" pitchFamily="34" charset="0"/>
-                <a:ea typeface="Tenorite (Body)" pitchFamily="34" charset="-122"/>
-                <a:cs typeface="Tenorite (Body)" pitchFamily="34" charset="-120"/>
-              </a:rPr>
-              <a:t>7. Personalized Learning Experiences</a:t>
-            </a:r>
-            <a:endParaRPr lang="en-US" sz="2000" dirty="0"/>
-          </a:p>
-          <a:p>
-            <a:pPr marL="0" indent="0" algn="l">
-              <a:buNone/>
-            </a:pPr>
-            <a:r>
-              <a:rPr lang="en-US" sz="2000" dirty="0">
-                <a:solidFill>
-                  <a:srgbClr val="000000"/>
-                </a:solidFill>
-                <a:latin typeface="Tenorite (Body)" pitchFamily="34" charset="0"/>
-                <a:ea typeface="Tenorite (Body)" pitchFamily="34" charset="-122"/>
-                <a:cs typeface="Tenorite (Body)" pitchFamily="34" charset="-120"/>
-              </a:rPr>
-              <a:t>8. Technical Aspects and Benefits</a:t>
-            </a:r>
-            <a:endParaRPr lang="en-US" sz="2000" dirty="0"/>
-          </a:p>
-          <a:p>
-            <a:pPr marL="0" indent="0" algn="l">
-              <a:buNone/>
-            </a:pPr>
-            <a:r>
-              <a:rPr lang="en-US" sz="2000" dirty="0">
-                <a:solidFill>
-                  <a:srgbClr val="000000"/>
-                </a:solidFill>
-                <a:latin typeface="Tenorite (Body)" pitchFamily="34" charset="0"/>
-                <a:ea typeface="Tenorite (Body)" pitchFamily="34" charset="-122"/>
-                <a:cs typeface="Tenorite (Body)" pitchFamily="34" charset="-120"/>
-              </a:rPr>
-              <a:t>9. Future Scopes</a:t>
-            </a:r>
-            <a:endParaRPr lang="en-US" sz="2000" dirty="0"/>
-          </a:p>
-          <a:p>
-            <a:pPr marL="0" indent="0" algn="l">
-              <a:buNone/>
-            </a:pPr>
-            <a:r>
-              <a:rPr lang="en-US" sz="2000" dirty="0">
-                <a:solidFill>
-                  <a:srgbClr val="000000"/>
-                </a:solidFill>
-                <a:latin typeface="Tenorite (Body)" pitchFamily="34" charset="0"/>
-                <a:ea typeface="Tenorite (Body)" pitchFamily="34" charset="-122"/>
-                <a:cs typeface="Tenorite (Body)" pitchFamily="34" charset="-120"/>
-              </a:rPr>
-              <a:t>10. Thank You</a:t>
-            </a:r>
-            <a:endParaRPr lang="en-US" sz="2000" dirty="0"/>
-          </a:p>
-        </p:txBody>
-      </p:sp>
-      <p:sp>
-        <p:nvSpPr>
-          <p:cNvPr id="4" name="Text 1"/>
-          <p:cNvSpPr>
-            <a:spLocks noGrp="1"/>
-          </p:cNvSpPr>
-          <p:nvPr>
-            <p:ph type="body" idx="105" hasCustomPrompt="1"/>
+            <a:pPr algn="l" indent="0" marL="0">
+              <a:buNone/>
+            </a:pPr>
+            <a:r>
+              <a:rPr lang="en-US" sz="2800" dirty="0">
+                <a:solidFill>
+                  <a:srgbClr val="000000"/>
+                </a:solidFill>
+                <a:latin typeface="Tenorite (Body)" pitchFamily="34" charset="0"/>
+                <a:ea typeface="Tenorite (Body)" pitchFamily="34" charset="-122"/>
+                <a:cs typeface="Tenorite (Body)" pitchFamily="34" charset="-120"/>
+              </a:rPr>
+              <a:t>Thank you for your attention. We hope AI Flavoured will revolutionize your document comprehension and learning experience.</a:t>
+            </a:r>
+            <a:endParaRPr lang="en-US" sz="2800" dirty="0"/>
+          </a:p>
+        </p:txBody>
+      </p:sp>
+      <p:sp>
+        <p:nvSpPr>
+          <p:cNvPr id="5" name="Text 1"/>
+          <p:cNvSpPr/>
+          <p:nvPr>
+            <p:ph idx="103" type="body" hasCustomPrompt="1"/>
           </p:nvPr>
         </p:nvSpPr>
         <p:spPr>
@@ -8175,7 +8853,7 @@
           <a:bodyPr wrap="square" rtlCol="0" anchor="ctr"/>
           <a:lstStyle/>
           <a:p>
-            <a:pPr marL="0" indent="0" algn="ctr">
+            <a:pPr algn="ctr" indent="0" marL="0">
               <a:buNone/>
             </a:pPr>
             <a:r>
@@ -8187,73 +8865,9 @@
                 <a:ea typeface="Tenorite (Body)" pitchFamily="34" charset="-122"/>
                 <a:cs typeface="Tenorite (Body)" pitchFamily="34" charset="-120"/>
               </a:rPr>
-              <a:t>2</a:t>
+              <a:t>17</a:t>
             </a:r>
             <a:endParaRPr lang="en-US" sz="1200" dirty="0"/>
-          </a:p>
-        </p:txBody>
-      </p:sp>
-      <p:sp>
-        <p:nvSpPr>
-          <p:cNvPr id="5" name="Text 0"/>
-          <p:cNvSpPr>
-            <a:spLocks noGrp="1"/>
-          </p:cNvSpPr>
-          <p:nvPr>
-            <p:ph type="body" idx="102" hasCustomPrompt="1"/>
-          </p:nvPr>
-        </p:nvSpPr>
-        <p:spPr>
-          <a:xfrm>
-            <a:off x="649224" y="1828800"/>
-            <a:ext cx="5266944" cy="4389120"/>
-          </a:xfrm>
-          <a:prstGeom prst="rect">
-            <a:avLst/>
-          </a:prstGeom>
-          <a:noFill/>
-          <a:ln/>
-        </p:spPr>
-        <p:txBody>
-          <a:bodyPr wrap="square" lIns="2540" tIns="2540" rIns="2540" bIns="2540" rtlCol="0" anchor="t"/>
-          <a:lstStyle/>
-          <a:p>
-            <a:pPr marL="0" indent="0" algn="l">
-              <a:buNone/>
-            </a:pPr>
-            <a:endParaRPr lang="en-US" sz="2000" dirty="0"/>
-          </a:p>
-        </p:txBody>
-      </p:sp>
-      <p:sp>
-        <p:nvSpPr>
-          <p:cNvPr id="6" name="Text 0"/>
-          <p:cNvSpPr>
-            <a:spLocks noGrp="1"/>
-          </p:cNvSpPr>
-          <p:nvPr>
-            <p:ph type="body" idx="103" hasCustomPrompt="1"/>
-          </p:nvPr>
-        </p:nvSpPr>
-        <p:spPr>
-          <a:xfrm>
-            <a:off x="6099048" y="1828800"/>
-            <a:ext cx="5266944" cy="4389120"/>
-          </a:xfrm>
-          <a:prstGeom prst="rect">
-            <a:avLst/>
-          </a:prstGeom>
-          <a:noFill/>
-          <a:ln/>
-        </p:spPr>
-        <p:txBody>
-          <a:bodyPr wrap="square" rtlCol="0" anchor="t"/>
-          <a:lstStyle/>
-          <a:p>
-            <a:pPr marL="0" indent="0" algn="l">
-              <a:buNone/>
-            </a:pPr>
-            <a:endParaRPr lang="en-US" sz="2000" dirty="0"/>
           </a:p>
         </p:txBody>
       </p:sp>
@@ -8265,13 +8879,13 @@
 </p:sld>
 </file>
 
-<file path=ppt/slides/slide3.xml><?xml version="1.0" encoding="utf-8"?>
+<file path=ppt/slides/slide2.xml><?xml version="1.0" encoding="utf-8"?>
 <p:sld xmlns:a="http://schemas.openxmlformats.org/drawingml/2006/main" xmlns:r="http://schemas.openxmlformats.org/officeDocument/2006/relationships" xmlns:p="http://schemas.openxmlformats.org/presentationml/2006/main">
-  <p:cSld name="Slide 3">
+  <p:cSld name="Slide 2">
     <p:bg>
       <p:bgPr>
         <a:blipFill dpi="0" rotWithShape="1">
-          <a:blip r:embed="rId3">
+          <a:blip r:embed="rId1">
             <a:lum/>
           </a:blip>
           <a:srcRect/>
@@ -8299,17 +8913,15 @@
       <p:sp>
         <p:nvSpPr>
           <p:cNvPr id="2" name="Text 0"/>
-          <p:cNvSpPr>
-            <a:spLocks noGrp="1"/>
-          </p:cNvSpPr>
-          <p:nvPr>
-            <p:ph type="title" idx="100" hasCustomPrompt="1"/>
-          </p:nvPr>
-        </p:nvSpPr>
-        <p:spPr>
-          <a:xfrm>
-            <a:off x="914400" y="2560320"/>
-            <a:ext cx="5193792" cy="3364992"/>
+          <p:cNvSpPr/>
+          <p:nvPr>
+            <p:ph idx="100" type="title" hasCustomPrompt="1"/>
+          </p:nvPr>
+        </p:nvSpPr>
+        <p:spPr>
+          <a:xfrm>
+            <a:off x="914400" y="320040"/>
+            <a:ext cx="5184648" cy="2377440"/>
           </a:xfrm>
           <a:prstGeom prst="rect">
             <a:avLst/>
@@ -8321,78 +8933,224 @@
           <a:bodyPr wrap="square" rtlCol="0" anchor="ctr"/>
           <a:lstStyle/>
           <a:p>
-            <a:pPr marL="0" indent="0" algn="ctr">
-              <a:buNone/>
-            </a:pPr>
-            <a:r>
-              <a:rPr lang="en-US" sz="4000" b="1" dirty="0">
-                <a:solidFill>
-                  <a:srgbClr val="FFFFFF"/>
+            <a:pPr algn="ctr" indent="0" marL="0">
+              <a:buNone/>
+            </a:pPr>
+            <a:r>
+              <a:rPr lang="en-US" sz="3200" b="1" dirty="0">
+                <a:solidFill>
+                  <a:srgbClr val="000000"/>
                 </a:solidFill>
                 <a:latin typeface="Tenorite (Headings)" pitchFamily="34" charset="0"/>
                 <a:ea typeface="Tenorite (Headings)" pitchFamily="34" charset="-122"/>
                 <a:cs typeface="Tenorite (Headings)" pitchFamily="34" charset="-120"/>
               </a:rPr>
-              <a:t>Introduction to AI Flavoured</a:t>
-            </a:r>
-            <a:endParaRPr lang="en-US" sz="4000" dirty="0"/>
-          </a:p>
-        </p:txBody>
-      </p:sp>
-      <p:pic>
-        <p:nvPicPr>
-          <p:cNvPr id="3" name="Image 0" descr="preencoded.png"/>
-          <p:cNvPicPr>
-            <a:picLocks noGrp="1" noChangeAspect="1"/>
-          </p:cNvPicPr>
-          <p:nvPr>
-            <p:ph idx="101" hasCustomPrompt="1"/>
-          </p:nvPr>
-        </p:nvPicPr>
-        <p:blipFill>
-          <a:blip r:embed="rId3"/>
-          <a:stretch>
-            <a:fillRect/>
-          </a:stretch>
-        </p:blipFill>
-        <p:spPr>
-          <a:xfrm>
-            <a:off x="6080760" y="0"/>
-            <a:ext cx="6108192" cy="6858000"/>
-          </a:xfrm>
-          <a:prstGeom prst="rect">
-            <a:avLst/>
-          </a:prstGeom>
-        </p:spPr>
-      </p:pic>
-      <p:sp>
-        <p:nvSpPr>
-          <p:cNvPr id="4" name="Shape 1"/>
-          <p:cNvSpPr/>
-          <p:nvPr/>
-        </p:nvSpPr>
-        <p:spPr>
-          <a:xfrm>
-            <a:off x="6080760" y="0"/>
-            <a:ext cx="2377440" cy="6858000"/>
-          </a:xfrm>
-          <a:prstGeom prst="rtTriangle">
-            <a:avLst/>
-          </a:prstGeom>
-          <a:solidFill>
-            <a:srgbClr val="000000"/>
-          </a:solidFill>
-          <a:ln/>
-        </p:spPr>
-      </p:sp>
-      <p:sp>
-        <p:nvSpPr>
-          <p:cNvPr id="5" name="Text 1"/>
-          <p:cNvSpPr>
-            <a:spLocks noGrp="1"/>
-          </p:cNvSpPr>
-          <p:nvPr>
-            <p:ph type="body" idx="103" hasCustomPrompt="1"/>
+              <a:t>Agenda</a:t>
+            </a:r>
+            <a:endParaRPr lang="en-US" sz="3200" dirty="0"/>
+          </a:p>
+        </p:txBody>
+      </p:sp>
+      <p:sp>
+        <p:nvSpPr>
+          <p:cNvPr id="3" name="Text 0"/>
+          <p:cNvSpPr/>
+          <p:nvPr>
+            <p:ph idx="101" type="body" hasCustomPrompt="1"/>
+          </p:nvPr>
+        </p:nvSpPr>
+        <p:spPr>
+          <a:xfrm>
+            <a:off x="914400" y="2843784"/>
+            <a:ext cx="5184648" cy="3127248"/>
+          </a:xfrm>
+          <a:prstGeom prst="rect">
+            <a:avLst/>
+          </a:prstGeom>
+          <a:noFill/>
+          <a:ln/>
+        </p:spPr>
+        <p:txBody>
+          <a:bodyPr wrap="square" rtlCol="0" anchor="ctr"/>
+          <a:lstStyle/>
+          <a:p>
+            <a:pPr algn="l" indent="0" marL="0">
+              <a:buNone/>
+            </a:pPr>
+            <a:r>
+              <a:rPr lang="en-US" sz="2000" dirty="0">
+                <a:solidFill>
+                  <a:srgbClr val="000000"/>
+                </a:solidFill>
+                <a:latin typeface="Tenorite (Body)" pitchFamily="34" charset="0"/>
+                <a:ea typeface="Tenorite (Body)" pitchFamily="34" charset="-122"/>
+                <a:cs typeface="Tenorite (Body)" pitchFamily="34" charset="-120"/>
+              </a:rPr>
+              <a:t>1. Introduction to AI Flavoured</a:t>
+            </a:r>
+            <a:endParaRPr lang="en-US" sz="2000" dirty="0"/>
+          </a:p>
+          <a:p>
+            <a:pPr algn="l" indent="0" marL="0">
+              <a:buNone/>
+            </a:pPr>
+            <a:r>
+              <a:rPr lang="en-US" sz="2000" dirty="0">
+                <a:solidFill>
+                  <a:srgbClr val="000000"/>
+                </a:solidFill>
+                <a:latin typeface="Tenorite (Body)" pitchFamily="34" charset="0"/>
+                <a:ea typeface="Tenorite (Body)" pitchFamily="34" charset="-122"/>
+                <a:cs typeface="Tenorite (Body)" pitchFamily="34" charset="-120"/>
+              </a:rPr>
+              <a:t>2. Project Overview</a:t>
+            </a:r>
+            <a:endParaRPr lang="en-US" sz="2000" dirty="0"/>
+          </a:p>
+          <a:p>
+            <a:pPr algn="l" indent="0" marL="0">
+              <a:buNone/>
+            </a:pPr>
+            <a:r>
+              <a:rPr lang="en-US" sz="2000" dirty="0">
+                <a:solidFill>
+                  <a:srgbClr val="000000"/>
+                </a:solidFill>
+                <a:latin typeface="Tenorite (Body)" pitchFamily="34" charset="0"/>
+                <a:ea typeface="Tenorite (Body)" pitchFamily="34" charset="-122"/>
+                <a:cs typeface="Tenorite (Body)" pitchFamily="34" charset="-120"/>
+              </a:rPr>
+              <a:t>3. Core Functionalities</a:t>
+            </a:r>
+            <a:endParaRPr lang="en-US" sz="2000" dirty="0"/>
+          </a:p>
+          <a:p>
+            <a:pPr algn="l" indent="0" marL="0">
+              <a:buNone/>
+            </a:pPr>
+            <a:r>
+              <a:rPr lang="en-US" sz="2000" dirty="0">
+                <a:solidFill>
+                  <a:srgbClr val="000000"/>
+                </a:solidFill>
+                <a:latin typeface="Tenorite (Body)" pitchFamily="34" charset="0"/>
+                <a:ea typeface="Tenorite (Body)" pitchFamily="34" charset="-122"/>
+                <a:cs typeface="Tenorite (Body)" pitchFamily="34" charset="-120"/>
+              </a:rPr>
+              <a:t>4. Intelligent Summarization</a:t>
+            </a:r>
+            <a:endParaRPr lang="en-US" sz="2000" dirty="0"/>
+          </a:p>
+          <a:p>
+            <a:pPr algn="l" indent="0" marL="0">
+              <a:buNone/>
+            </a:pPr>
+            <a:r>
+              <a:rPr lang="en-US" sz="2000" dirty="0">
+                <a:solidFill>
+                  <a:srgbClr val="000000"/>
+                </a:solidFill>
+                <a:latin typeface="Tenorite (Body)" pitchFamily="34" charset="0"/>
+                <a:ea typeface="Tenorite (Body)" pitchFamily="34" charset="-122"/>
+                <a:cs typeface="Tenorite (Body)" pitchFamily="34" charset="-120"/>
+              </a:rPr>
+              <a:t>5. Interactive Engagement</a:t>
+            </a:r>
+            <a:endParaRPr lang="en-US" sz="2000" dirty="0"/>
+          </a:p>
+          <a:p>
+            <a:pPr algn="l" indent="0" marL="0">
+              <a:buNone/>
+            </a:pPr>
+            <a:r>
+              <a:rPr lang="en-US" sz="2000" dirty="0">
+                <a:solidFill>
+                  <a:srgbClr val="000000"/>
+                </a:solidFill>
+                <a:latin typeface="Tenorite (Body)" pitchFamily="34" charset="0"/>
+                <a:ea typeface="Tenorite (Body)" pitchFamily="34" charset="-122"/>
+                <a:cs typeface="Tenorite (Body)" pitchFamily="34" charset="-120"/>
+              </a:rPr>
+              <a:t>6. Multilingual Support</a:t>
+            </a:r>
+            <a:endParaRPr lang="en-US" sz="2000" dirty="0"/>
+          </a:p>
+          <a:p>
+            <a:pPr algn="l" indent="0" marL="0">
+              <a:buNone/>
+            </a:pPr>
+            <a:r>
+              <a:rPr lang="en-US" sz="2000" dirty="0">
+                <a:solidFill>
+                  <a:srgbClr val="000000"/>
+                </a:solidFill>
+                <a:latin typeface="Tenorite (Body)" pitchFamily="34" charset="0"/>
+                <a:ea typeface="Tenorite (Body)" pitchFamily="34" charset="-122"/>
+                <a:cs typeface="Tenorite (Body)" pitchFamily="34" charset="-120"/>
+              </a:rPr>
+              <a:t>7. Personalized Learning Experiences</a:t>
+            </a:r>
+            <a:endParaRPr lang="en-US" sz="2000" dirty="0"/>
+          </a:p>
+          <a:p>
+            <a:pPr algn="l" indent="0" marL="0">
+              <a:buNone/>
+            </a:pPr>
+            <a:r>
+              <a:rPr lang="en-US" sz="2000" dirty="0">
+                <a:solidFill>
+                  <a:srgbClr val="000000"/>
+                </a:solidFill>
+                <a:latin typeface="Tenorite (Body)" pitchFamily="34" charset="0"/>
+                <a:ea typeface="Tenorite (Body)" pitchFamily="34" charset="-122"/>
+                <a:cs typeface="Tenorite (Body)" pitchFamily="34" charset="-120"/>
+              </a:rPr>
+              <a:t>8. Technical Aspects and Benefits</a:t>
+            </a:r>
+            <a:endParaRPr lang="en-US" sz="2000" dirty="0"/>
+          </a:p>
+          <a:p>
+            <a:pPr algn="l" indent="0" marL="0">
+              <a:buNone/>
+            </a:pPr>
+            <a:r>
+              <a:rPr lang="en-US" sz="2000" dirty="0">
+                <a:solidFill>
+                  <a:srgbClr val="000000"/>
+                </a:solidFill>
+                <a:latin typeface="Tenorite (Body)" pitchFamily="34" charset="0"/>
+                <a:ea typeface="Tenorite (Body)" pitchFamily="34" charset="-122"/>
+                <a:cs typeface="Tenorite (Body)" pitchFamily="34" charset="-120"/>
+              </a:rPr>
+              <a:t>9. Future Scopes</a:t>
+            </a:r>
+            <a:endParaRPr lang="en-US" sz="2000" dirty="0"/>
+          </a:p>
+          <a:p>
+            <a:pPr algn="l" indent="0" marL="0">
+              <a:buNone/>
+            </a:pPr>
+            <a:r>
+              <a:rPr lang="en-US" sz="2000" dirty="0">
+                <a:solidFill>
+                  <a:srgbClr val="000000"/>
+                </a:solidFill>
+                <a:latin typeface="Tenorite (Body)" pitchFamily="34" charset="0"/>
+                <a:ea typeface="Tenorite (Body)" pitchFamily="34" charset="-122"/>
+                <a:cs typeface="Tenorite (Body)" pitchFamily="34" charset="-120"/>
+              </a:rPr>
+              <a:t>10. Thank You</a:t>
+            </a:r>
+            <a:endParaRPr lang="en-US" sz="2000" dirty="0"/>
+          </a:p>
+        </p:txBody>
+      </p:sp>
+      <p:sp>
+        <p:nvSpPr>
+          <p:cNvPr id="4" name="Text 1"/>
+          <p:cNvSpPr/>
+          <p:nvPr>
+            <p:ph idx="103" type="body" hasCustomPrompt="1"/>
           </p:nvPr>
         </p:nvSpPr>
         <p:spPr>
@@ -8410,19 +9168,19 @@
           <a:bodyPr wrap="square" rtlCol="0" anchor="ctr"/>
           <a:lstStyle/>
           <a:p>
-            <a:pPr marL="0" indent="0" algn="ctr">
+            <a:pPr algn="ctr" indent="0" marL="0">
               <a:buNone/>
             </a:pPr>
             <a:r>
               <a:rPr lang="en-US" sz="1200" dirty="0">
                 <a:solidFill>
-                  <a:srgbClr val="FFFFFF"/>
-                </a:solidFill>
-                <a:latin typeface="Tenorite (Headings)" pitchFamily="34" charset="0"/>
-                <a:ea typeface="Tenorite (Headings)" pitchFamily="34" charset="-122"/>
-                <a:cs typeface="Tenorite (Headings)" pitchFamily="34" charset="-120"/>
-              </a:rPr>
-              <a:t>3</a:t>
+                  <a:srgbClr val="000000"/>
+                </a:solidFill>
+                <a:latin typeface="Tenorite (Body)" pitchFamily="34" charset="0"/>
+                <a:ea typeface="Tenorite (Body)" pitchFamily="34" charset="-122"/>
+                <a:cs typeface="Tenorite (Body)" pitchFamily="34" charset="-120"/>
+              </a:rPr>
+              <a:t>2</a:t>
             </a:r>
             <a:endParaRPr lang="en-US" sz="1200" dirty="0"/>
           </a:p>
@@ -8436,13 +9194,13 @@
 </p:sld>
 </file>
 
-<file path=ppt/slides/slide4.xml><?xml version="1.0" encoding="utf-8"?>
+<file path=ppt/slides/slide3.xml><?xml version="1.0" encoding="utf-8"?>
 <p:sld xmlns:a="http://schemas.openxmlformats.org/drawingml/2006/main" xmlns:r="http://schemas.openxmlformats.org/officeDocument/2006/relationships" xmlns:p="http://schemas.openxmlformats.org/presentationml/2006/main">
-  <p:cSld name="Slide 4">
+  <p:cSld name="Slide 3">
     <p:bg>
       <p:bgPr>
         <a:blipFill dpi="0" rotWithShape="1">
-          <a:blip r:embed="rId3">
+          <a:blip r:embed="rId1">
             <a:lum/>
           </a:blip>
           <a:srcRect/>
@@ -8470,17 +9228,15 @@
       <p:sp>
         <p:nvSpPr>
           <p:cNvPr id="2" name="Text 0"/>
-          <p:cNvSpPr>
-            <a:spLocks noGrp="1"/>
-          </p:cNvSpPr>
-          <p:nvPr>
-            <p:ph type="title" idx="100" hasCustomPrompt="1"/>
-          </p:nvPr>
-        </p:nvSpPr>
-        <p:spPr>
-          <a:xfrm>
-            <a:off x="6126480" y="1307592"/>
-            <a:ext cx="4809744" cy="2688336"/>
+          <p:cNvSpPr/>
+          <p:nvPr>
+            <p:ph idx="100" type="title" hasCustomPrompt="1"/>
+          </p:nvPr>
+        </p:nvSpPr>
+        <p:spPr>
+          <a:xfrm>
+            <a:off x="914400" y="365760"/>
+            <a:ext cx="7278624" cy="1645920"/>
           </a:xfrm>
           <a:prstGeom prst="rect">
             <a:avLst/>
@@ -8492,99 +9248,224 @@
           <a:bodyPr wrap="square" rtlCol="0" anchor="ctr"/>
           <a:lstStyle/>
           <a:p>
-            <a:pPr marL="0" indent="0" algn="ctr">
-              <a:buNone/>
-            </a:pPr>
-            <a:r>
-              <a:rPr lang="en-US" sz="4800" b="1" dirty="0">
-                <a:solidFill>
-                  <a:srgbClr val="000000"/>
+            <a:pPr algn="ctr" indent="0" marL="0">
+              <a:buNone/>
+            </a:pPr>
+            <a:r>
+              <a:rPr lang="en-US" sz="3200" b="1" dirty="0">
+                <a:solidFill>
+                  <a:srgbClr val="FFFFFF"/>
                 </a:solidFill>
                 <a:latin typeface="Tenorite (Headings)" pitchFamily="34" charset="0"/>
                 <a:ea typeface="Tenorite (Headings)" pitchFamily="34" charset="-122"/>
                 <a:cs typeface="Tenorite (Headings)" pitchFamily="34" charset="-120"/>
               </a:rPr>
-              <a:t>Project Overview</a:t>
-            </a:r>
-            <a:endParaRPr lang="en-US" sz="4800" dirty="0"/>
+              <a:t>Content List</a:t>
+            </a:r>
+            <a:endParaRPr lang="en-US" sz="3200" dirty="0"/>
           </a:p>
         </p:txBody>
       </p:sp>
       <p:sp>
         <p:nvSpPr>
           <p:cNvPr id="3" name="Text 0"/>
-          <p:cNvSpPr>
-            <a:spLocks noGrp="1"/>
-          </p:cNvSpPr>
-          <p:nvPr>
-            <p:ph type="body" idx="101" hasCustomPrompt="1"/>
-          </p:nvPr>
-        </p:nvSpPr>
-        <p:spPr>
-          <a:xfrm>
-            <a:off x="6126480" y="4169664"/>
-            <a:ext cx="4809744" cy="2386584"/>
-          </a:xfrm>
-          <a:prstGeom prst="rect">
-            <a:avLst/>
-          </a:prstGeom>
-          <a:noFill/>
-          <a:ln/>
-        </p:spPr>
-        <p:txBody>
-          <a:bodyPr wrap="square" lIns="2540" tIns="2540" rIns="2540" bIns="2540" rtlCol="0" anchor="ctr"/>
-          <a:lstStyle/>
-          <a:p>
-            <a:pPr marL="0" indent="0" algn="ctr">
+          <p:cNvSpPr/>
+          <p:nvPr>
+            <p:ph idx="101" type="body" hasCustomPrompt="1"/>
+          </p:nvPr>
+        </p:nvSpPr>
+        <p:spPr>
+          <a:xfrm>
+            <a:off x="914400" y="2011680"/>
+            <a:ext cx="7278624" cy="4160520"/>
+          </a:xfrm>
+          <a:prstGeom prst="rect">
+            <a:avLst/>
+          </a:prstGeom>
+          <a:noFill/>
+          <a:ln/>
+        </p:spPr>
+        <p:txBody>
+          <a:bodyPr wrap="square" rtlCol="0" anchor="t"/>
+          <a:lstStyle/>
+          <a:p>
+            <a:pPr algn="l" indent="0" marL="0">
               <a:buNone/>
             </a:pPr>
             <a:r>
               <a:rPr lang="en-US" sz="2000" dirty="0">
                 <a:solidFill>
-                  <a:srgbClr val="000000"/>
-                </a:solidFill>
-                <a:latin typeface="Tenorite (Headings)" pitchFamily="34" charset="0"/>
-                <a:ea typeface="Tenorite (Headings)" pitchFamily="34" charset="-122"/>
-                <a:cs typeface="Tenorite (Headings)" pitchFamily="34" charset="-120"/>
-              </a:rPr>
-              <a:t>AI Flavoured empowers users to efficiently extract insights from written content.</a:t>
+                  <a:srgbClr val="FFFFFF"/>
+                </a:solidFill>
+                <a:latin typeface="Tenorite (Body)" pitchFamily="34" charset="0"/>
+                <a:ea typeface="Tenorite (Body)" pitchFamily="34" charset="-122"/>
+                <a:cs typeface="Tenorite (Body)" pitchFamily="34" charset="-120"/>
+              </a:rPr>
+              <a:t>1. Introduction to AI Flavoured</a:t>
             </a:r>
             <a:endParaRPr lang="en-US" sz="2000" dirty="0"/>
           </a:p>
-        </p:txBody>
-      </p:sp>
-      <p:pic>
-        <p:nvPicPr>
-          <p:cNvPr id="4" name="Image 0" descr="public/minimalistSalePitchTheme/leftTriangle.png"/>
-          <p:cNvPicPr>
-            <a:picLocks noChangeAspect="1"/>
-          </p:cNvPicPr>
-          <p:nvPr/>
-        </p:nvPicPr>
-        <p:blipFill>
-          <a:blip r:embed="rId4"/>
-          <a:stretch>
-            <a:fillRect/>
-          </a:stretch>
-        </p:blipFill>
-        <p:spPr>
-          <a:xfrm>
-            <a:off x="1072342" y="-45720"/>
-            <a:ext cx="9297785" cy="6858000"/>
-          </a:xfrm>
-          <a:prstGeom prst="rect">
-            <a:avLst/>
-          </a:prstGeom>
-        </p:spPr>
-      </p:pic>
-      <p:sp>
-        <p:nvSpPr>
-          <p:cNvPr id="5" name="Text 1"/>
-          <p:cNvSpPr>
-            <a:spLocks noGrp="1"/>
-          </p:cNvSpPr>
-          <p:nvPr>
-            <p:ph type="body" idx="104" hasCustomPrompt="1"/>
+          <a:p>
+            <a:pPr algn="l" indent="0" marL="0">
+              <a:buNone/>
+            </a:pPr>
+            <a:r>
+              <a:rPr lang="en-US" sz="2000" dirty="0">
+                <a:solidFill>
+                  <a:srgbClr val="FFFFFF"/>
+                </a:solidFill>
+                <a:latin typeface="Tenorite (Body)" pitchFamily="34" charset="0"/>
+                <a:ea typeface="Tenorite (Body)" pitchFamily="34" charset="-122"/>
+                <a:cs typeface="Tenorite (Body)" pitchFamily="34" charset="-120"/>
+              </a:rPr>
+              <a:t>2. Project Overview</a:t>
+            </a:r>
+            <a:endParaRPr lang="en-US" sz="2000" dirty="0"/>
+          </a:p>
+          <a:p>
+            <a:pPr algn="l" indent="0" marL="0">
+              <a:buNone/>
+            </a:pPr>
+            <a:r>
+              <a:rPr lang="en-US" sz="2000" dirty="0">
+                <a:solidFill>
+                  <a:srgbClr val="FFFFFF"/>
+                </a:solidFill>
+                <a:latin typeface="Tenorite (Body)" pitchFamily="34" charset="0"/>
+                <a:ea typeface="Tenorite (Body)" pitchFamily="34" charset="-122"/>
+                <a:cs typeface="Tenorite (Body)" pitchFamily="34" charset="-120"/>
+              </a:rPr>
+              <a:t>3. Core Functionalities</a:t>
+            </a:r>
+            <a:endParaRPr lang="en-US" sz="2000" dirty="0"/>
+          </a:p>
+          <a:p>
+            <a:pPr algn="l" indent="0" marL="0">
+              <a:buNone/>
+            </a:pPr>
+            <a:r>
+              <a:rPr lang="en-US" sz="2000" dirty="0">
+                <a:solidFill>
+                  <a:srgbClr val="FFFFFF"/>
+                </a:solidFill>
+                <a:latin typeface="Tenorite (Body)" pitchFamily="34" charset="0"/>
+                <a:ea typeface="Tenorite (Body)" pitchFamily="34" charset="-122"/>
+                <a:cs typeface="Tenorite (Body)" pitchFamily="34" charset="-120"/>
+              </a:rPr>
+              <a:t>4. Intelligent Summarization</a:t>
+            </a:r>
+            <a:endParaRPr lang="en-US" sz="2000" dirty="0"/>
+          </a:p>
+          <a:p>
+            <a:pPr algn="l" indent="0" marL="0">
+              <a:buNone/>
+            </a:pPr>
+            <a:r>
+              <a:rPr lang="en-US" sz="2000" dirty="0">
+                <a:solidFill>
+                  <a:srgbClr val="FFFFFF"/>
+                </a:solidFill>
+                <a:latin typeface="Tenorite (Body)" pitchFamily="34" charset="0"/>
+                <a:ea typeface="Tenorite (Body)" pitchFamily="34" charset="-122"/>
+                <a:cs typeface="Tenorite (Body)" pitchFamily="34" charset="-120"/>
+              </a:rPr>
+              <a:t>5. Interactive Engagement</a:t>
+            </a:r>
+            <a:endParaRPr lang="en-US" sz="2000" dirty="0"/>
+          </a:p>
+          <a:p>
+            <a:pPr algn="l" indent="0" marL="0">
+              <a:buNone/>
+            </a:pPr>
+            <a:r>
+              <a:rPr lang="en-US" sz="2000" dirty="0">
+                <a:solidFill>
+                  <a:srgbClr val="FFFFFF"/>
+                </a:solidFill>
+                <a:latin typeface="Tenorite (Body)" pitchFamily="34" charset="0"/>
+                <a:ea typeface="Tenorite (Body)" pitchFamily="34" charset="-122"/>
+                <a:cs typeface="Tenorite (Body)" pitchFamily="34" charset="-120"/>
+              </a:rPr>
+              <a:t>6. Multilingual Support</a:t>
+            </a:r>
+            <a:endParaRPr lang="en-US" sz="2000" dirty="0"/>
+          </a:p>
+          <a:p>
+            <a:pPr algn="l" indent="0" marL="0">
+              <a:buNone/>
+            </a:pPr>
+            <a:r>
+              <a:rPr lang="en-US" sz="2000" dirty="0">
+                <a:solidFill>
+                  <a:srgbClr val="FFFFFF"/>
+                </a:solidFill>
+                <a:latin typeface="Tenorite (Body)" pitchFamily="34" charset="0"/>
+                <a:ea typeface="Tenorite (Body)" pitchFamily="34" charset="-122"/>
+                <a:cs typeface="Tenorite (Body)" pitchFamily="34" charset="-120"/>
+              </a:rPr>
+              <a:t>7. Personalized Learning Experiences</a:t>
+            </a:r>
+            <a:endParaRPr lang="en-US" sz="2000" dirty="0"/>
+          </a:p>
+          <a:p>
+            <a:pPr algn="l" indent="0" marL="0">
+              <a:buNone/>
+            </a:pPr>
+            <a:r>
+              <a:rPr lang="en-US" sz="2000" dirty="0">
+                <a:solidFill>
+                  <a:srgbClr val="FFFFFF"/>
+                </a:solidFill>
+                <a:latin typeface="Tenorite (Body)" pitchFamily="34" charset="0"/>
+                <a:ea typeface="Tenorite (Body)" pitchFamily="34" charset="-122"/>
+                <a:cs typeface="Tenorite (Body)" pitchFamily="34" charset="-120"/>
+              </a:rPr>
+              <a:t>8. Technical Aspects and Benefits</a:t>
+            </a:r>
+            <a:endParaRPr lang="en-US" sz="2000" dirty="0"/>
+          </a:p>
+          <a:p>
+            <a:pPr algn="l" indent="0" marL="0">
+              <a:buNone/>
+            </a:pPr>
+            <a:r>
+              <a:rPr lang="en-US" sz="2000" dirty="0">
+                <a:solidFill>
+                  <a:srgbClr val="FFFFFF"/>
+                </a:solidFill>
+                <a:latin typeface="Tenorite (Body)" pitchFamily="34" charset="0"/>
+                <a:ea typeface="Tenorite (Body)" pitchFamily="34" charset="-122"/>
+                <a:cs typeface="Tenorite (Body)" pitchFamily="34" charset="-120"/>
+              </a:rPr>
+              <a:t>9. Future Scopes</a:t>
+            </a:r>
+            <a:endParaRPr lang="en-US" sz="2000" dirty="0"/>
+          </a:p>
+          <a:p>
+            <a:pPr algn="l" indent="0" marL="0">
+              <a:buNone/>
+            </a:pPr>
+            <a:r>
+              <a:rPr lang="en-US" sz="2000" dirty="0">
+                <a:solidFill>
+                  <a:srgbClr val="FFFFFF"/>
+                </a:solidFill>
+                <a:latin typeface="Tenorite (Body)" pitchFamily="34" charset="0"/>
+                <a:ea typeface="Tenorite (Body)" pitchFamily="34" charset="-122"/>
+                <a:cs typeface="Tenorite (Body)" pitchFamily="34" charset="-120"/>
+              </a:rPr>
+              <a:t>10. Thank You</a:t>
+            </a:r>
+            <a:endParaRPr lang="en-US" sz="2000" dirty="0"/>
+          </a:p>
+        </p:txBody>
+      </p:sp>
+      <p:sp>
+        <p:nvSpPr>
+          <p:cNvPr id="4" name="Text 1"/>
+          <p:cNvSpPr/>
+          <p:nvPr>
+            <p:ph idx="105" type="body" hasCustomPrompt="1"/>
           </p:nvPr>
         </p:nvSpPr>
         <p:spPr>
@@ -8602,19 +9483,19 @@
           <a:bodyPr wrap="square" rtlCol="0" anchor="ctr"/>
           <a:lstStyle/>
           <a:p>
-            <a:pPr marL="0" indent="0" algn="ctr">
+            <a:pPr algn="ctr" indent="0" marL="0">
               <a:buNone/>
             </a:pPr>
             <a:r>
               <a:rPr lang="en-US" sz="1200" dirty="0">
                 <a:solidFill>
-                  <a:srgbClr val="000000"/>
-                </a:solidFill>
-                <a:latin typeface="Tenorite (Headings)" pitchFamily="34" charset="0"/>
-                <a:ea typeface="Tenorite (Headings)" pitchFamily="34" charset="-122"/>
-                <a:cs typeface="Tenorite (Headings)" pitchFamily="34" charset="-120"/>
-              </a:rPr>
-              <a:t>4</a:t>
+                  <a:srgbClr val="FFFFFF"/>
+                </a:solidFill>
+                <a:latin typeface="Tenorite (Body)" pitchFamily="34" charset="0"/>
+                <a:ea typeface="Tenorite (Body)" pitchFamily="34" charset="-122"/>
+                <a:cs typeface="Tenorite (Body)" pitchFamily="34" charset="-120"/>
+              </a:rPr>
+              <a:t>3</a:t>
             </a:r>
             <a:endParaRPr lang="en-US" sz="1200" dirty="0"/>
           </a:p>
@@ -8622,33 +9503,61 @@
       </p:sp>
       <p:sp>
         <p:nvSpPr>
+          <p:cNvPr id="5" name="Text 0"/>
+          <p:cNvSpPr/>
+          <p:nvPr>
+            <p:ph idx="102" type="body" hasCustomPrompt="1"/>
+          </p:nvPr>
+        </p:nvSpPr>
+        <p:spPr>
+          <a:xfrm>
+            <a:off x="649224" y="1828800"/>
+            <a:ext cx="5266944" cy="4389120"/>
+          </a:xfrm>
+          <a:prstGeom prst="rect">
+            <a:avLst/>
+          </a:prstGeom>
+          <a:noFill/>
+          <a:ln/>
+        </p:spPr>
+        <p:txBody>
+          <a:bodyPr wrap="square" lIns="2540" tIns="2540" rIns="2540" bIns="2540" rtlCol="0" anchor="t"/>
+          <a:lstStyle/>
+          <a:p>
+            <a:pPr algn="l" indent="0" marL="0">
+              <a:buNone/>
+            </a:pPr>
+            <a:endParaRPr lang="en-US" sz="2000" dirty="0"/>
+          </a:p>
+        </p:txBody>
+      </p:sp>
+      <p:sp>
+        <p:nvSpPr>
           <p:cNvPr id="6" name="Text 0"/>
-          <p:cNvSpPr>
-            <a:spLocks noGrp="1"/>
-          </p:cNvSpPr>
-          <p:nvPr>
-            <p:ph idx="102" hasCustomPrompt="1"/>
-          </p:nvPr>
-        </p:nvSpPr>
-        <p:spPr>
-          <a:xfrm>
-            <a:off x="0" y="0"/>
-            <a:ext cx="4322618" cy="6858000"/>
-          </a:xfrm>
-          <a:prstGeom prst="rect">
-            <a:avLst/>
-          </a:prstGeom>
-          <a:noFill/>
-          <a:ln/>
-        </p:spPr>
-        <p:txBody>
-          <a:bodyPr wrap="square" rtlCol="0"/>
-          <a:lstStyle/>
-          <a:p>
-            <a:pPr marL="0" indent="0">
-              <a:buNone/>
-            </a:pPr>
-            <a:endParaRPr lang="en-US" dirty="0"/>
+          <p:cNvSpPr/>
+          <p:nvPr>
+            <p:ph idx="103" type="body" hasCustomPrompt="1"/>
+          </p:nvPr>
+        </p:nvSpPr>
+        <p:spPr>
+          <a:xfrm>
+            <a:off x="6099048" y="1828800"/>
+            <a:ext cx="5266944" cy="4389120"/>
+          </a:xfrm>
+          <a:prstGeom prst="rect">
+            <a:avLst/>
+          </a:prstGeom>
+          <a:noFill/>
+          <a:ln/>
+        </p:spPr>
+        <p:txBody>
+          <a:bodyPr wrap="square" rtlCol="0" anchor="t"/>
+          <a:lstStyle/>
+          <a:p>
+            <a:pPr algn="l" indent="0" marL="0">
+              <a:buNone/>
+            </a:pPr>
+            <a:endParaRPr lang="en-US" sz="2000" dirty="0"/>
           </a:p>
         </p:txBody>
       </p:sp>
@@ -8660,13 +9569,13 @@
 </p:sld>
 </file>
 
-<file path=ppt/slides/slide5.xml><?xml version="1.0" encoding="utf-8"?>
+<file path=ppt/slides/slide4.xml><?xml version="1.0" encoding="utf-8"?>
 <p:sld xmlns:a="http://schemas.openxmlformats.org/drawingml/2006/main" xmlns:r="http://schemas.openxmlformats.org/officeDocument/2006/relationships" xmlns:p="http://schemas.openxmlformats.org/presentationml/2006/main">
-  <p:cSld name="Slide 5">
+  <p:cSld name="Slide 4">
     <p:bg>
       <p:bgPr>
         <a:blipFill dpi="0" rotWithShape="1">
-          <a:blip r:embed="rId3">
+          <a:blip r:embed="rId1">
             <a:lum/>
           </a:blip>
           <a:srcRect/>
@@ -8694,35 +9603,31 @@
       <p:sp>
         <p:nvSpPr>
           <p:cNvPr id="2" name="Text 0"/>
-          <p:cNvSpPr>
-            <a:spLocks noGrp="1"/>
-          </p:cNvSpPr>
-          <p:nvPr>
-            <p:ph type="title" idx="100" hasCustomPrompt="1"/>
-          </p:nvPr>
-        </p:nvSpPr>
-        <p:spPr>
-          <a:xfrm>
-            <a:off x="667512" y="329184"/>
-            <a:ext cx="8650224" cy="2505456"/>
-          </a:xfrm>
-          <a:prstGeom prst="rect">
-            <a:avLst/>
-          </a:prstGeom>
-          <a:noFill/>
-          <a:ln/>
-        </p:spPr>
-        <p:txBody>
-          <a:bodyPr wrap="square" rtlCol="0" anchor="b">
-            <a:normAutofit/>
-          </a:bodyPr>
-          <a:lstStyle/>
-          <a:p>
-            <a:pPr marL="0" indent="0" algn="l">
-              <a:buNone/>
-            </a:pPr>
-            <a:r>
-              <a:rPr lang="en-US" sz="6000" b="1" dirty="0">
+          <p:cNvSpPr/>
+          <p:nvPr>
+            <p:ph idx="100" type="title" hasCustomPrompt="1"/>
+          </p:nvPr>
+        </p:nvSpPr>
+        <p:spPr>
+          <a:xfrm>
+            <a:off x="914400" y="2560320"/>
+            <a:ext cx="5193792" cy="3364992"/>
+          </a:xfrm>
+          <a:prstGeom prst="rect">
+            <a:avLst/>
+          </a:prstGeom>
+          <a:noFill/>
+          <a:ln/>
+        </p:spPr>
+        <p:txBody>
+          <a:bodyPr wrap="square" rtlCol="0" anchor="ctr"/>
+          <a:lstStyle/>
+          <a:p>
+            <a:pPr algn="ctr" indent="0" marL="0">
+              <a:buNone/>
+            </a:pPr>
+            <a:r>
+              <a:rPr lang="en-US" sz="4000" b="1" dirty="0">
                 <a:solidFill>
                   <a:srgbClr val="000000"/>
                 </a:solidFill>
@@ -8732,86 +9637,62 @@
               </a:rPr>
               <a:t>Introduction to AI Flavoured</a:t>
             </a:r>
-            <a:endParaRPr lang="en-US" sz="6000" dirty="0"/>
-          </a:p>
-        </p:txBody>
-      </p:sp>
-      <p:sp>
-        <p:nvSpPr>
-          <p:cNvPr id="3" name="Shape 1"/>
+            <a:endParaRPr lang="en-US" sz="4000" dirty="0"/>
+          </a:p>
+        </p:txBody>
+      </p:sp>
+      <p:pic>
+        <p:nvPicPr>
+          <p:cNvPr id="3" name="Image 0" descr="public/darkThemeMoon/comparison.jpg">    </p:cNvPr>
+          <p:cNvPicPr>
+            <a:picLocks noChangeAspect="1"/>
+          </p:cNvPicPr>
+          <p:nvPr>
+            <p:ph idx="101" hasCustomPrompt="1"/>
+          </p:nvPr>
+        </p:nvPicPr>
+        <p:blipFill>
+          <a:blip r:embed="rId2"/>
+          <a:stretch>
+            <a:fillRect/>
+          </a:stretch>
+        </p:blipFill>
+        <p:spPr>
+          <a:xfrm>
+            <a:off x="6080760" y="0"/>
+            <a:ext cx="6108192" cy="6858000"/>
+          </a:xfrm>
+          <a:prstGeom prst="rect">
+            <a:avLst/>
+          </a:prstGeom>
+        </p:spPr>
+      </p:pic>
+      <p:sp>
+        <p:nvSpPr>
+          <p:cNvPr id="4" name="Shape 1"/>
           <p:cNvSpPr/>
           <p:nvPr/>
         </p:nvSpPr>
         <p:spPr>
           <a:xfrm>
-            <a:off x="2313432" y="3099816"/>
-            <a:ext cx="7790688" cy="0"/>
-          </a:xfrm>
-          <a:prstGeom prst="line">
+            <a:off x="6080760" y="0"/>
+            <a:ext cx="2377440" cy="6858000"/>
+          </a:xfrm>
+          <a:prstGeom prst="rtTriangle">
             <a:avLst/>
           </a:prstGeom>
           <a:solidFill>
-            <a:srgbClr val="000000"/>
+            <a:srgbClr val="E9E6DF"/>
           </a:solidFill>
-          <a:ln w="12700">
-            <a:solidFill>
-              <a:srgbClr val="000000"/>
-            </a:solidFill>
-            <a:prstDash val="solid"/>
-          </a:ln>
-        </p:spPr>
-      </p:sp>
-      <p:sp>
-        <p:nvSpPr>
-          <p:cNvPr id="4" name="Text 0"/>
-          <p:cNvSpPr>
-            <a:spLocks noGrp="1"/>
-          </p:cNvSpPr>
-          <p:nvPr>
-            <p:ph type="body" idx="101" hasCustomPrompt="1"/>
-          </p:nvPr>
-        </p:nvSpPr>
-        <p:spPr>
-          <a:xfrm>
-            <a:off x="667512" y="3429000"/>
-            <a:ext cx="10360152" cy="1371600"/>
-          </a:xfrm>
-          <a:prstGeom prst="rect">
-            <a:avLst/>
-          </a:prstGeom>
-          <a:noFill/>
-          <a:ln/>
-        </p:spPr>
-        <p:txBody>
-          <a:bodyPr wrap="square" rtlCol="0" anchor="t"/>
-          <a:lstStyle/>
-          <a:p>
-            <a:pPr marL="0" indent="0" algn="l">
-              <a:buNone/>
-            </a:pPr>
-            <a:r>
-              <a:rPr lang="en-US" sz="2800" dirty="0">
-                <a:solidFill>
-                  <a:srgbClr val="000000"/>
-                </a:solidFill>
-                <a:latin typeface="Tenorite (Body)" pitchFamily="34" charset="0"/>
-                <a:ea typeface="Tenorite (Body)" pitchFamily="34" charset="-122"/>
-                <a:cs typeface="Tenorite (Body)" pitchFamily="34" charset="-120"/>
-              </a:rPr>
-              <a:t>AI Flavoured is a project that leverages artificial intelligence to revolutionize document comprehension and learning.</a:t>
-            </a:r>
-            <a:endParaRPr lang="en-US" sz="2800" dirty="0"/>
-          </a:p>
-        </p:txBody>
+          <a:ln/>
+        </p:spPr>
       </p:sp>
       <p:sp>
         <p:nvSpPr>
           <p:cNvPr id="5" name="Text 1"/>
-          <p:cNvSpPr>
-            <a:spLocks noGrp="1"/>
-          </p:cNvSpPr>
-          <p:nvPr>
-            <p:ph type="body" idx="103" hasCustomPrompt="1"/>
+          <p:cNvSpPr/>
+          <p:nvPr>
+            <p:ph idx="103" type="body" hasCustomPrompt="1"/>
           </p:nvPr>
         </p:nvSpPr>
         <p:spPr>
@@ -8829,7 +9710,7 @@
           <a:bodyPr wrap="square" rtlCol="0" anchor="ctr"/>
           <a:lstStyle/>
           <a:p>
-            <a:pPr marL="0" indent="0" algn="ctr">
+            <a:pPr algn="ctr" indent="0" marL="0">
               <a:buNone/>
             </a:pPr>
             <a:r>
@@ -8837,11 +9718,11 @@
                 <a:solidFill>
                   <a:srgbClr val="000000"/>
                 </a:solidFill>
-                <a:latin typeface="Tenorite (Body)" pitchFamily="34" charset="0"/>
-                <a:ea typeface="Tenorite (Body)" pitchFamily="34" charset="-122"/>
-                <a:cs typeface="Tenorite (Body)" pitchFamily="34" charset="-120"/>
-              </a:rPr>
-              <a:t>5</a:t>
+                <a:latin typeface="Tenorite (Headings)" pitchFamily="34" charset="0"/>
+                <a:ea typeface="Tenorite (Headings)" pitchFamily="34" charset="-122"/>
+                <a:cs typeface="Tenorite (Headings)" pitchFamily="34" charset="-120"/>
+              </a:rPr>
+              <a:t>4</a:t>
             </a:r>
             <a:endParaRPr lang="en-US" sz="1200" dirty="0"/>
           </a:p>
@@ -8855,13 +9736,13 @@
 </p:sld>
 </file>
 
-<file path=ppt/slides/slide6.xml><?xml version="1.0" encoding="utf-8"?>
+<file path=ppt/slides/slide5.xml><?xml version="1.0" encoding="utf-8"?>
 <p:sld xmlns:a="http://schemas.openxmlformats.org/drawingml/2006/main" xmlns:r="http://schemas.openxmlformats.org/officeDocument/2006/relationships" xmlns:p="http://schemas.openxmlformats.org/presentationml/2006/main">
-  <p:cSld name="Slide 6">
+  <p:cSld name="Slide 5">
     <p:bg>
       <p:bgPr>
         <a:blipFill dpi="0" rotWithShape="1">
-          <a:blip r:embed="rId3">
+          <a:blip r:embed="rId1">
             <a:lum/>
           </a:blip>
           <a:srcRect/>
@@ -8889,17 +9770,15 @@
       <p:sp>
         <p:nvSpPr>
           <p:cNvPr id="2" name="Text 0"/>
-          <p:cNvSpPr>
-            <a:spLocks noGrp="1"/>
-          </p:cNvSpPr>
-          <p:nvPr>
-            <p:ph type="title" idx="100" hasCustomPrompt="1"/>
-          </p:nvPr>
-        </p:nvSpPr>
-        <p:spPr>
-          <a:xfrm>
-            <a:off x="914400" y="365760"/>
-            <a:ext cx="7278624" cy="1645920"/>
+          <p:cNvSpPr/>
+          <p:nvPr>
+            <p:ph idx="101" type="title" hasCustomPrompt="1"/>
+          </p:nvPr>
+        </p:nvSpPr>
+        <p:spPr>
+          <a:xfrm>
+            <a:off x="6126480" y="1307592"/>
+            <a:ext cx="4809744" cy="2688336"/>
           </a:xfrm>
           <a:prstGeom prst="rect">
             <a:avLst/>
@@ -8911,78 +9790,121 @@
           <a:bodyPr wrap="square" rtlCol="0" anchor="ctr"/>
           <a:lstStyle/>
           <a:p>
-            <a:pPr marL="0" indent="0" algn="ctr">
-              <a:buNone/>
-            </a:pPr>
-            <a:r>
-              <a:rPr lang="en-US" sz="3200" b="1" dirty="0">
-                <a:solidFill>
-                  <a:srgbClr val="FFFFFF"/>
+            <a:pPr algn="ctr" indent="0" marL="0">
+              <a:buNone/>
+            </a:pPr>
+            <a:r>
+              <a:rPr lang="en-US" sz="4800" b="1" dirty="0">
+                <a:solidFill>
+                  <a:srgbClr val="000000"/>
                 </a:solidFill>
                 <a:latin typeface="Tenorite (Headings)" pitchFamily="34" charset="0"/>
                 <a:ea typeface="Tenorite (Headings)" pitchFamily="34" charset="-122"/>
                 <a:cs typeface="Tenorite (Headings)" pitchFamily="34" charset="-120"/>
               </a:rPr>
-              <a:t>Introduction to AI Flavoured</a:t>
-            </a:r>
-            <a:endParaRPr lang="en-US" sz="3200" dirty="0"/>
+              <a:t>Project Overview</a:t>
+            </a:r>
+            <a:endParaRPr lang="en-US" sz="4800" dirty="0"/>
           </a:p>
         </p:txBody>
       </p:sp>
       <p:sp>
         <p:nvSpPr>
           <p:cNvPr id="3" name="Text 0"/>
-          <p:cNvSpPr>
-            <a:spLocks noGrp="1"/>
-          </p:cNvSpPr>
-          <p:nvPr>
-            <p:ph type="body" idx="101" hasCustomPrompt="1"/>
-          </p:nvPr>
-        </p:nvSpPr>
-        <p:spPr>
-          <a:xfrm>
-            <a:off x="914400" y="2011680"/>
-            <a:ext cx="7278624" cy="4160520"/>
-          </a:xfrm>
-          <a:prstGeom prst="rect">
-            <a:avLst/>
-          </a:prstGeom>
-          <a:noFill/>
-          <a:ln/>
-        </p:spPr>
-        <p:txBody>
-          <a:bodyPr wrap="square" rtlCol="0" anchor="t"/>
-          <a:lstStyle/>
-          <a:p>
-            <a:pPr marL="0" indent="0" algn="l">
+          <p:cNvSpPr/>
+          <p:nvPr>
+            <p:ph idx="102" type="body" hasCustomPrompt="1"/>
+          </p:nvPr>
+        </p:nvSpPr>
+        <p:spPr>
+          <a:xfrm>
+            <a:off x="6126480" y="4169664"/>
+            <a:ext cx="4809744" cy="2386584"/>
+          </a:xfrm>
+          <a:prstGeom prst="rect">
+            <a:avLst/>
+          </a:prstGeom>
+          <a:noFill/>
+          <a:ln/>
+        </p:spPr>
+        <p:txBody>
+          <a:bodyPr wrap="square" lIns="2540" tIns="2540" rIns="2540" bIns="2540" rtlCol="0" anchor="ctr"/>
+          <a:lstStyle/>
+          <a:p>
+            <a:pPr algn="ctr" indent="0" marL="0">
               <a:buNone/>
             </a:pPr>
             <a:r>
               <a:rPr lang="en-US" sz="2000" dirty="0">
                 <a:solidFill>
-                  <a:srgbClr val="FFFFFF"/>
-                </a:solidFill>
-                <a:latin typeface="Tenorite (Body)" pitchFamily="34" charset="0"/>
-                <a:ea typeface="Tenorite (Body)" pitchFamily="34" charset="-122"/>
-                <a:cs typeface="Tenorite (Body)" pitchFamily="34" charset="-120"/>
-              </a:rPr>
-              <a:t>1. AI Flavoured is a project that leverages artificial intelligence to revolutionize document comprehension and learning. 
-2. The platform features advanced summarization engines, interactive communication, multilingual support, and personalized learning experiences. 
-3. It aims to address challenges such as information overload, complex documents, and language barriers. 
-</a:t>
+                  <a:srgbClr val="000000"/>
+                </a:solidFill>
+                <a:latin typeface="Tenorite (Headings)" pitchFamily="34" charset="0"/>
+                <a:ea typeface="Tenorite (Headings)" pitchFamily="34" charset="-122"/>
+                <a:cs typeface="Tenorite (Headings)" pitchFamily="34" charset="-120"/>
+              </a:rPr>
+              <a:t>AI Flavoured empowers users to efficiently extract insights from written content.</a:t>
             </a:r>
             <a:endParaRPr lang="en-US" sz="2000" dirty="0"/>
           </a:p>
         </p:txBody>
       </p:sp>
-      <p:sp>
-        <p:nvSpPr>
-          <p:cNvPr id="4" name="Text 1"/>
-          <p:cNvSpPr>
-            <a:spLocks noGrp="1"/>
-          </p:cNvSpPr>
-          <p:nvPr>
-            <p:ph type="body" idx="105" hasCustomPrompt="1"/>
+      <p:pic>
+        <p:nvPicPr>
+          <p:cNvPr id="4" name="Image 0" descr="public/darkThemeMoon/comparison.jpg">    </p:cNvPr>
+          <p:cNvPicPr>
+            <a:picLocks noChangeAspect="1"/>
+          </p:cNvPicPr>
+          <p:nvPr>
+            <p:ph idx="100" hasCustomPrompt="1"/>
+          </p:nvPr>
+        </p:nvPicPr>
+        <p:blipFill>
+          <a:blip r:embed="rId2"/>
+          <a:stretch>
+            <a:fillRect/>
+          </a:stretch>
+        </p:blipFill>
+        <p:spPr>
+          <a:xfrm>
+            <a:off x="0" y="0"/>
+            <a:ext cx="6099048" cy="6858000"/>
+          </a:xfrm>
+          <a:prstGeom prst="rect">
+            <a:avLst/>
+          </a:prstGeom>
+        </p:spPr>
+      </p:pic>
+      <p:pic>
+        <p:nvPicPr>
+          <p:cNvPr id="5" name="Image 1" descr="public/minimalistSalePitchTheme/leftTriangle.png">    </p:cNvPr>
+          <p:cNvPicPr>
+            <a:picLocks noChangeAspect="1"/>
+          </p:cNvPicPr>
+          <p:nvPr/>
+        </p:nvPicPr>
+        <p:blipFill>
+          <a:blip r:embed="rId3"/>
+          <a:stretch>
+            <a:fillRect/>
+          </a:stretch>
+        </p:blipFill>
+        <p:spPr>
+          <a:xfrm>
+            <a:off x="1261872" y="0"/>
+            <a:ext cx="8769096" cy="6858000"/>
+          </a:xfrm>
+          <a:prstGeom prst="rect">
+            <a:avLst/>
+          </a:prstGeom>
+        </p:spPr>
+      </p:pic>
+      <p:sp>
+        <p:nvSpPr>
+          <p:cNvPr id="6" name="Text 1"/>
+          <p:cNvSpPr/>
+          <p:nvPr>
+            <p:ph idx="104" type="body" hasCustomPrompt="1"/>
           </p:nvPr>
         </p:nvSpPr>
         <p:spPr>
@@ -9000,85 +9922,21 @@
           <a:bodyPr wrap="square" rtlCol="0" anchor="ctr"/>
           <a:lstStyle/>
           <a:p>
-            <a:pPr marL="0" indent="0" algn="ctr">
+            <a:pPr algn="ctr" indent="0" marL="0">
               <a:buNone/>
             </a:pPr>
             <a:r>
               <a:rPr lang="en-US" sz="1200" dirty="0">
                 <a:solidFill>
-                  <a:srgbClr val="FFFFFF"/>
-                </a:solidFill>
-                <a:latin typeface="Tenorite (Body)" pitchFamily="34" charset="0"/>
-                <a:ea typeface="Tenorite (Body)" pitchFamily="34" charset="-122"/>
-                <a:cs typeface="Tenorite (Body)" pitchFamily="34" charset="-120"/>
-              </a:rPr>
-              <a:t>6</a:t>
+                  <a:srgbClr val="000000"/>
+                </a:solidFill>
+                <a:latin typeface="Tenorite (Headings)" pitchFamily="34" charset="0"/>
+                <a:ea typeface="Tenorite (Headings)" pitchFamily="34" charset="-122"/>
+                <a:cs typeface="Tenorite (Headings)" pitchFamily="34" charset="-120"/>
+              </a:rPr>
+              <a:t>5</a:t>
             </a:r>
             <a:endParaRPr lang="en-US" sz="1200" dirty="0"/>
-          </a:p>
-        </p:txBody>
-      </p:sp>
-      <p:sp>
-        <p:nvSpPr>
-          <p:cNvPr id="5" name="Text 0"/>
-          <p:cNvSpPr>
-            <a:spLocks noGrp="1"/>
-          </p:cNvSpPr>
-          <p:nvPr>
-            <p:ph type="body" idx="102" hasCustomPrompt="1"/>
-          </p:nvPr>
-        </p:nvSpPr>
-        <p:spPr>
-          <a:xfrm>
-            <a:off x="649224" y="1828800"/>
-            <a:ext cx="5266944" cy="4389120"/>
-          </a:xfrm>
-          <a:prstGeom prst="rect">
-            <a:avLst/>
-          </a:prstGeom>
-          <a:noFill/>
-          <a:ln/>
-        </p:spPr>
-        <p:txBody>
-          <a:bodyPr wrap="square" lIns="2540" tIns="2540" rIns="2540" bIns="2540" rtlCol="0" anchor="t"/>
-          <a:lstStyle/>
-          <a:p>
-            <a:pPr marL="0" indent="0" algn="l">
-              <a:buNone/>
-            </a:pPr>
-            <a:endParaRPr lang="en-US" sz="2000" dirty="0"/>
-          </a:p>
-        </p:txBody>
-      </p:sp>
-      <p:sp>
-        <p:nvSpPr>
-          <p:cNvPr id="6" name="Text 0"/>
-          <p:cNvSpPr>
-            <a:spLocks noGrp="1"/>
-          </p:cNvSpPr>
-          <p:nvPr>
-            <p:ph type="body" idx="103" hasCustomPrompt="1"/>
-          </p:nvPr>
-        </p:nvSpPr>
-        <p:spPr>
-          <a:xfrm>
-            <a:off x="6099048" y="1828800"/>
-            <a:ext cx="5266944" cy="4389120"/>
-          </a:xfrm>
-          <a:prstGeom prst="rect">
-            <a:avLst/>
-          </a:prstGeom>
-          <a:noFill/>
-          <a:ln/>
-        </p:spPr>
-        <p:txBody>
-          <a:bodyPr wrap="square" rtlCol="0" anchor="t"/>
-          <a:lstStyle/>
-          <a:p>
-            <a:pPr marL="0" indent="0" algn="l">
-              <a:buNone/>
-            </a:pPr>
-            <a:endParaRPr lang="en-US" sz="2000" dirty="0"/>
           </a:p>
         </p:txBody>
       </p:sp>
@@ -9090,13 +9948,13 @@
 </p:sld>
 </file>
 
-<file path=ppt/slides/slide7.xml><?xml version="1.0" encoding="utf-8"?>
+<file path=ppt/slides/slide6.xml><?xml version="1.0" encoding="utf-8"?>
 <p:sld xmlns:a="http://schemas.openxmlformats.org/drawingml/2006/main" xmlns:r="http://schemas.openxmlformats.org/officeDocument/2006/relationships" xmlns:p="http://schemas.openxmlformats.org/presentationml/2006/main">
-  <p:cSld name="Slide 7">
+  <p:cSld name="Slide 6">
     <p:bg>
       <p:bgPr>
         <a:blipFill dpi="0" rotWithShape="1">
-          <a:blip r:embed="rId3">
+          <a:blip r:embed="rId1">
             <a:lum/>
           </a:blip>
           <a:srcRect/>
@@ -9124,100 +9982,118 @@
       <p:sp>
         <p:nvSpPr>
           <p:cNvPr id="2" name="Text 0"/>
-          <p:cNvSpPr>
-            <a:spLocks noGrp="1"/>
-          </p:cNvSpPr>
-          <p:nvPr>
-            <p:ph type="title" idx="100" hasCustomPrompt="1"/>
-          </p:nvPr>
-        </p:nvSpPr>
-        <p:spPr>
-          <a:xfrm>
-            <a:off x="914400" y="2560320"/>
-            <a:ext cx="5193792" cy="3364992"/>
-          </a:xfrm>
-          <a:prstGeom prst="rect">
-            <a:avLst/>
-          </a:prstGeom>
-          <a:noFill/>
-          <a:ln/>
-        </p:spPr>
-        <p:txBody>
-          <a:bodyPr wrap="square" rtlCol="0" anchor="ctr"/>
-          <a:lstStyle/>
-          <a:p>
-            <a:pPr marL="0" indent="0" algn="ctr">
-              <a:buNone/>
-            </a:pPr>
-            <a:r>
-              <a:rPr lang="en-US" sz="4000" b="1" dirty="0">
-                <a:solidFill>
-                  <a:srgbClr val="000000"/>
+          <p:cNvSpPr/>
+          <p:nvPr>
+            <p:ph idx="100" type="title" hasCustomPrompt="1"/>
+          </p:nvPr>
+        </p:nvSpPr>
+        <p:spPr>
+          <a:xfrm>
+            <a:off x="667512" y="329184"/>
+            <a:ext cx="8650224" cy="2505456"/>
+          </a:xfrm>
+          <a:prstGeom prst="rect">
+            <a:avLst/>
+          </a:prstGeom>
+          <a:noFill/>
+          <a:ln/>
+        </p:spPr>
+        <p:txBody>
+          <a:bodyPr wrap="square" rtlCol="0" anchor="b">
+            <a:normAutofit/>
+          </a:bodyPr>
+          <a:lstStyle/>
+          <a:p>
+            <a:pPr algn="l" indent="0" marL="0">
+              <a:buNone/>
+            </a:pPr>
+            <a:r>
+              <a:rPr lang="en-US" sz="6000" b="1" dirty="0">
+                <a:solidFill>
+                  <a:srgbClr val="FFFFFF"/>
                 </a:solidFill>
                 <a:latin typeface="Tenorite (Headings)" pitchFamily="34" charset="0"/>
                 <a:ea typeface="Tenorite (Headings)" pitchFamily="34" charset="-122"/>
                 <a:cs typeface="Tenorite (Headings)" pitchFamily="34" charset="-120"/>
               </a:rPr>
-              <a:t>Project Overview</a:t>
-            </a:r>
-            <a:endParaRPr lang="en-US" sz="4000" dirty="0"/>
-          </a:p>
-        </p:txBody>
-      </p:sp>
-      <p:pic>
-        <p:nvPicPr>
-          <p:cNvPr id="3" name="Image 0" descr="preencoded.png"/>
-          <p:cNvPicPr>
-            <a:picLocks noGrp="1" noChangeAspect="1"/>
-          </p:cNvPicPr>
-          <p:nvPr>
-            <p:ph idx="101" hasCustomPrompt="1"/>
-          </p:nvPr>
-        </p:nvPicPr>
-        <p:blipFill>
-          <a:blip r:embed="rId3"/>
-          <a:stretch>
-            <a:fillRect/>
-          </a:stretch>
-        </p:blipFill>
-        <p:spPr>
-          <a:xfrm>
-            <a:off x="6080760" y="0"/>
-            <a:ext cx="6108192" cy="6858000"/>
-          </a:xfrm>
-          <a:prstGeom prst="rect">
-            <a:avLst/>
-          </a:prstGeom>
-        </p:spPr>
-      </p:pic>
-      <p:sp>
-        <p:nvSpPr>
-          <p:cNvPr id="4" name="Shape 1"/>
+              <a:t>Introduction to AI Flavoured</a:t>
+            </a:r>
+            <a:endParaRPr lang="en-US" sz="6000" dirty="0"/>
+          </a:p>
+        </p:txBody>
+      </p:sp>
+      <p:sp>
+        <p:nvSpPr>
+          <p:cNvPr id="3" name="Shape 1"/>
           <p:cNvSpPr/>
           <p:nvPr/>
         </p:nvSpPr>
         <p:spPr>
           <a:xfrm>
-            <a:off x="6080760" y="0"/>
-            <a:ext cx="2377440" cy="6858000"/>
-          </a:xfrm>
-          <a:prstGeom prst="rtTriangle">
+            <a:off x="2313432" y="3099816"/>
+            <a:ext cx="7790688" cy="0"/>
+          </a:xfrm>
+          <a:prstGeom prst="line">
             <a:avLst/>
           </a:prstGeom>
           <a:solidFill>
             <a:srgbClr val="FFFFFF"/>
           </a:solidFill>
-          <a:ln/>
-        </p:spPr>
+          <a:ln w="12700">
+            <a:solidFill>
+              <a:srgbClr val="FFFFFF"/>
+            </a:solidFill>
+            <a:prstDash val="solid"/>
+          </a:ln>
+        </p:spPr>
+      </p:sp>
+      <p:sp>
+        <p:nvSpPr>
+          <p:cNvPr id="4" name="Text 0"/>
+          <p:cNvSpPr/>
+          <p:nvPr>
+            <p:ph idx="101" type="body" hasCustomPrompt="1"/>
+          </p:nvPr>
+        </p:nvSpPr>
+        <p:spPr>
+          <a:xfrm>
+            <a:off x="667512" y="3429000"/>
+            <a:ext cx="10360152" cy="1371600"/>
+          </a:xfrm>
+          <a:prstGeom prst="rect">
+            <a:avLst/>
+          </a:prstGeom>
+          <a:noFill/>
+          <a:ln/>
+        </p:spPr>
+        <p:txBody>
+          <a:bodyPr wrap="square" rtlCol="0" anchor="t"/>
+          <a:lstStyle/>
+          <a:p>
+            <a:pPr algn="l" indent="0" marL="0">
+              <a:buNone/>
+            </a:pPr>
+            <a:r>
+              <a:rPr lang="en-US" sz="2800" dirty="0">
+                <a:solidFill>
+                  <a:srgbClr val="FFFFFF"/>
+                </a:solidFill>
+                <a:latin typeface="Tenorite (Body)" pitchFamily="34" charset="0"/>
+                <a:ea typeface="Tenorite (Body)" pitchFamily="34" charset="-122"/>
+                <a:cs typeface="Tenorite (Body)" pitchFamily="34" charset="-120"/>
+              </a:rPr>
+              <a:t>AI Flavoured is a project that leverages artificial intelligence to revolutionize document comprehension and learning.</a:t>
+            </a:r>
+            <a:endParaRPr lang="en-US" sz="2800" dirty="0"/>
+          </a:p>
+        </p:txBody>
       </p:sp>
       <p:sp>
         <p:nvSpPr>
           <p:cNvPr id="5" name="Text 1"/>
-          <p:cNvSpPr>
-            <a:spLocks noGrp="1"/>
-          </p:cNvSpPr>
-          <p:nvPr>
-            <p:ph type="body" idx="103" hasCustomPrompt="1"/>
+          <p:cNvSpPr/>
+          <p:nvPr>
+            <p:ph idx="103" type="body" hasCustomPrompt="1"/>
           </p:nvPr>
         </p:nvSpPr>
         <p:spPr>
@@ -9235,19 +10111,19 @@
           <a:bodyPr wrap="square" rtlCol="0" anchor="ctr"/>
           <a:lstStyle/>
           <a:p>
-            <a:pPr marL="0" indent="0" algn="ctr">
+            <a:pPr algn="ctr" indent="0" marL="0">
               <a:buNone/>
             </a:pPr>
             <a:r>
               <a:rPr lang="en-US" sz="1200" dirty="0">
                 <a:solidFill>
-                  <a:srgbClr val="000000"/>
-                </a:solidFill>
-                <a:latin typeface="Tenorite (Headings)" pitchFamily="34" charset="0"/>
-                <a:ea typeface="Tenorite (Headings)" pitchFamily="34" charset="-122"/>
-                <a:cs typeface="Tenorite (Headings)" pitchFamily="34" charset="-120"/>
-              </a:rPr>
-              <a:t>7</a:t>
+                  <a:srgbClr val="FFFFFF"/>
+                </a:solidFill>
+                <a:latin typeface="Tenorite (Body)" pitchFamily="34" charset="0"/>
+                <a:ea typeface="Tenorite (Body)" pitchFamily="34" charset="-122"/>
+                <a:cs typeface="Tenorite (Body)" pitchFamily="34" charset="-120"/>
+              </a:rPr>
+              <a:t>6</a:t>
             </a:r>
             <a:endParaRPr lang="en-US" sz="1200" dirty="0"/>
           </a:p>
@@ -9261,13 +10137,13 @@
 </p:sld>
 </file>
 
-<file path=ppt/slides/slide8.xml><?xml version="1.0" encoding="utf-8"?>
+<file path=ppt/slides/slide7.xml><?xml version="1.0" encoding="utf-8"?>
 <p:sld xmlns:a="http://schemas.openxmlformats.org/drawingml/2006/main" xmlns:r="http://schemas.openxmlformats.org/officeDocument/2006/relationships" xmlns:p="http://schemas.openxmlformats.org/presentationml/2006/main">
-  <p:cSld name="Slide 8">
+  <p:cSld name="Slide 7">
     <p:bg>
       <p:bgPr>
         <a:blipFill dpi="0" rotWithShape="1">
-          <a:blip r:embed="rId3">
+          <a:blip r:embed="rId1">
             <a:lum/>
           </a:blip>
           <a:srcRect/>
@@ -9295,17 +10171,15 @@
       <p:sp>
         <p:nvSpPr>
           <p:cNvPr id="2" name="Text 0"/>
-          <p:cNvSpPr>
-            <a:spLocks noGrp="1"/>
-          </p:cNvSpPr>
-          <p:nvPr>
-            <p:ph type="title" idx="100" hasCustomPrompt="1"/>
+          <p:cNvSpPr/>
+          <p:nvPr>
+            <p:ph idx="100" type="title" hasCustomPrompt="1"/>
           </p:nvPr>
         </p:nvSpPr>
         <p:spPr>
           <a:xfrm>
             <a:off x="914400" y="365760"/>
-            <a:ext cx="10360152" cy="1627632"/>
+            <a:ext cx="7278624" cy="1645920"/>
           </a:xfrm>
           <a:prstGeom prst="rect">
             <a:avLst/>
@@ -9317,7 +10191,7 @@
           <a:bodyPr wrap="square" rtlCol="0" anchor="ctr"/>
           <a:lstStyle/>
           <a:p>
-            <a:pPr marL="0" indent="0" algn="l">
+            <a:pPr algn="ctr" indent="0" marL="0">
               <a:buNone/>
             </a:pPr>
             <a:r>
@@ -9329,7 +10203,7 @@
                 <a:ea typeface="Tenorite (Headings)" pitchFamily="34" charset="-122"/>
                 <a:cs typeface="Tenorite (Headings)" pitchFamily="34" charset="-120"/>
               </a:rPr>
-              <a:t>Core Functionalities</a:t>
+              <a:t>Introduction to AI Flavoured</a:t>
             </a:r>
             <a:endParaRPr lang="en-US" sz="3200" dirty="0"/>
           </a:p>
@@ -9337,43 +10211,16 @@
       </p:sp>
       <p:sp>
         <p:nvSpPr>
-          <p:cNvPr id="3" name="Shape 1"/>
-          <p:cNvSpPr/>
-          <p:nvPr/>
-        </p:nvSpPr>
-        <p:spPr>
-          <a:xfrm>
-            <a:off x="6099048" y="713232"/>
-            <a:ext cx="0" cy="5577840"/>
-          </a:xfrm>
-          <a:prstGeom prst="line">
-            <a:avLst/>
-          </a:prstGeom>
-          <a:solidFill>
-            <a:srgbClr val="000000"/>
-          </a:solidFill>
-          <a:ln w="12700">
-            <a:solidFill>
-              <a:srgbClr val="000000"/>
-            </a:solidFill>
-            <a:prstDash val="solid"/>
-          </a:ln>
-        </p:spPr>
-      </p:sp>
-      <p:sp>
-        <p:nvSpPr>
-          <p:cNvPr id="4" name="Text 0"/>
-          <p:cNvSpPr>
-            <a:spLocks noGrp="1"/>
-          </p:cNvSpPr>
-          <p:nvPr>
-            <p:ph type="body" idx="101" hasCustomPrompt="1"/>
-          </p:nvPr>
-        </p:nvSpPr>
-        <p:spPr>
-          <a:xfrm>
-            <a:off x="914400" y="2020824"/>
-            <a:ext cx="4992624" cy="3749040"/>
+          <p:cNvPr id="3" name="Text 0"/>
+          <p:cNvSpPr/>
+          <p:nvPr>
+            <p:ph idx="101" type="body" hasCustomPrompt="1"/>
+          </p:nvPr>
+        </p:nvSpPr>
+        <p:spPr>
+          <a:xfrm>
+            <a:off x="914400" y="2011680"/>
+            <a:ext cx="7278624" cy="4160520"/>
           </a:xfrm>
           <a:prstGeom prst="rect">
             <a:avLst/>
@@ -9385,177 +10232,33 @@
           <a:bodyPr wrap="square" rtlCol="0" anchor="t"/>
           <a:lstStyle/>
           <a:p>
-            <a:pPr marL="0" indent="0" algn="l">
-              <a:buNone/>
-            </a:pPr>
-            <a:r>
-              <a:rPr lang="en-US" sz="1600" dirty="0">
-                <a:solidFill>
-                  <a:srgbClr val="000000"/>
-                </a:solidFill>
-                <a:latin typeface="Tenorite (Body)" pitchFamily="34" charset="0"/>
-                <a:ea typeface="Tenorite (Body)" pitchFamily="34" charset="-122"/>
-                <a:cs typeface="Tenorite (Body)" pitchFamily="34" charset="-120"/>
-              </a:rPr>
-              <a:t>1. Intelligent Summarization</a:t>
-            </a:r>
-            <a:endParaRPr lang="en-US" sz="1600" dirty="0"/>
-          </a:p>
-          <a:p>
-            <a:pPr marL="0" indent="0" algn="l">
-              <a:buNone/>
-            </a:pPr>
-            <a:r>
-              <a:rPr lang="en-US" sz="1600" dirty="0">
-                <a:solidFill>
-                  <a:srgbClr val="000000"/>
-                </a:solidFill>
-                <a:latin typeface="Tenorite (Body)" pitchFamily="34" charset="0"/>
-                <a:ea typeface="Tenorite (Body)" pitchFamily="34" charset="-122"/>
-                <a:cs typeface="Tenorite (Body)" pitchFamily="34" charset="-120"/>
-              </a:rPr>
-              <a:t>2. Interactive Engagement</a:t>
-            </a:r>
-            <a:endParaRPr lang="en-US" sz="1600" dirty="0"/>
-          </a:p>
-          <a:p>
-            <a:pPr marL="0" indent="0" algn="l">
-              <a:buNone/>
-            </a:pPr>
-            <a:r>
-              <a:rPr lang="en-US" sz="1600" dirty="0">
-                <a:solidFill>
-                  <a:srgbClr val="000000"/>
-                </a:solidFill>
-                <a:latin typeface="Tenorite (Body)" pitchFamily="34" charset="0"/>
-                <a:ea typeface="Tenorite (Body)" pitchFamily="34" charset="-122"/>
-                <a:cs typeface="Tenorite (Body)" pitchFamily="34" charset="-120"/>
-              </a:rPr>
-              <a:t>3. Multilingual Support</a:t>
-            </a:r>
-            <a:endParaRPr lang="en-US" sz="1600" dirty="0"/>
-          </a:p>
-          <a:p>
-            <a:pPr marL="0" indent="0" algn="l">
-              <a:buNone/>
-            </a:pPr>
-            <a:r>
-              <a:rPr lang="en-US" sz="1600" dirty="0">
-                <a:solidFill>
-                  <a:srgbClr val="000000"/>
-                </a:solidFill>
-                <a:latin typeface="Tenorite (Body)" pitchFamily="34" charset="0"/>
-                <a:ea typeface="Tenorite (Body)" pitchFamily="34" charset="-122"/>
-                <a:cs typeface="Tenorite (Body)" pitchFamily="34" charset="-120"/>
-              </a:rPr>
-              <a:t>4. Personalized Learning Experiences</a:t>
-            </a:r>
-            <a:endParaRPr lang="en-US" sz="1600" dirty="0"/>
-          </a:p>
-        </p:txBody>
-      </p:sp>
-      <p:sp>
-        <p:nvSpPr>
-          <p:cNvPr id="5" name="Text 0"/>
-          <p:cNvSpPr>
-            <a:spLocks noGrp="1"/>
-          </p:cNvSpPr>
-          <p:nvPr>
-            <p:ph type="body" idx="102" hasCustomPrompt="1"/>
-          </p:nvPr>
-        </p:nvSpPr>
-        <p:spPr>
-          <a:xfrm>
-            <a:off x="6281928" y="2020824"/>
-            <a:ext cx="4992624" cy="3749040"/>
-          </a:xfrm>
-          <a:prstGeom prst="rect">
-            <a:avLst/>
-          </a:prstGeom>
-          <a:noFill/>
-          <a:ln/>
-        </p:spPr>
-        <p:txBody>
-          <a:bodyPr wrap="square" rtlCol="0" anchor="t"/>
-          <a:lstStyle/>
-          <a:p>
-            <a:pPr marL="0" indent="0" algn="l">
-              <a:buNone/>
-            </a:pPr>
-            <a:r>
-              <a:rPr lang="en-US" sz="1600" dirty="0">
-                <a:solidFill>
-                  <a:srgbClr val="000000"/>
-                </a:solidFill>
-                <a:latin typeface="Tenorite (Body)" pitchFamily="34" charset="0"/>
-                <a:ea typeface="Tenorite (Body)" pitchFamily="34" charset="-122"/>
-                <a:cs typeface="Tenorite (Body)" pitchFamily="34" charset="-120"/>
-              </a:rPr>
-              <a:t>1. Streamlines information retrieval</a:t>
-            </a:r>
-            <a:endParaRPr lang="en-US" sz="1600" dirty="0"/>
-          </a:p>
-          <a:p>
-            <a:pPr marL="0" indent="0" algn="l">
-              <a:buNone/>
-            </a:pPr>
-            <a:r>
-              <a:rPr lang="en-US" sz="1600" dirty="0">
-                <a:solidFill>
-                  <a:srgbClr val="000000"/>
-                </a:solidFill>
-                <a:latin typeface="Tenorite (Body)" pitchFamily="34" charset="0"/>
-                <a:ea typeface="Tenorite (Body)" pitchFamily="34" charset="-122"/>
-                <a:cs typeface="Tenorite (Body)" pitchFamily="34" charset="-120"/>
-              </a:rPr>
-              <a:t>2. Improves knowledge acquisition</a:t>
-            </a:r>
-            <a:endParaRPr lang="en-US" sz="1600" dirty="0"/>
-          </a:p>
-          <a:p>
-            <a:pPr marL="0" indent="0" algn="l">
-              <a:buNone/>
-            </a:pPr>
-            <a:r>
-              <a:rPr lang="en-US" sz="1600" dirty="0">
-                <a:solidFill>
-                  <a:srgbClr val="000000"/>
-                </a:solidFill>
-                <a:latin typeface="Tenorite (Body)" pitchFamily="34" charset="0"/>
-                <a:ea typeface="Tenorite (Body)" pitchFamily="34" charset="-122"/>
-                <a:cs typeface="Tenorite (Body)" pitchFamily="34" charset="-120"/>
-              </a:rPr>
-              <a:t>3. Fosters collaboration</a:t>
-            </a:r>
-            <a:endParaRPr lang="en-US" sz="1600" dirty="0"/>
-          </a:p>
-          <a:p>
-            <a:pPr marL="0" indent="0" algn="l">
-              <a:buNone/>
-            </a:pPr>
-            <a:r>
-              <a:rPr lang="en-US" sz="1600" dirty="0">
-                <a:solidFill>
-                  <a:srgbClr val="000000"/>
-                </a:solidFill>
-                <a:latin typeface="Tenorite (Body)" pitchFamily="34" charset="0"/>
-                <a:ea typeface="Tenorite (Body)" pitchFamily="34" charset="-122"/>
-                <a:cs typeface="Tenorite (Body)" pitchFamily="34" charset="-120"/>
-              </a:rPr>
-              <a:t>4. Enhances learning environments</a:t>
-            </a:r>
-            <a:endParaRPr lang="en-US" sz="1600" dirty="0"/>
-          </a:p>
-        </p:txBody>
-      </p:sp>
-      <p:sp>
-        <p:nvSpPr>
-          <p:cNvPr id="6" name="Text 1"/>
-          <p:cNvSpPr>
-            <a:spLocks noGrp="1"/>
-          </p:cNvSpPr>
-          <p:nvPr>
-            <p:ph type="body" idx="104" hasCustomPrompt="1"/>
+            <a:pPr algn="l" indent="0" marL="0">
+              <a:buNone/>
+            </a:pPr>
+            <a:r>
+              <a:rPr lang="en-US" sz="2000" dirty="0">
+                <a:solidFill>
+                  <a:srgbClr val="000000"/>
+                </a:solidFill>
+                <a:latin typeface="Tenorite (Body)" pitchFamily="34" charset="0"/>
+                <a:ea typeface="Tenorite (Body)" pitchFamily="34" charset="-122"/>
+                <a:cs typeface="Tenorite (Body)" pitchFamily="34" charset="-120"/>
+              </a:rPr>
+              <a:t>1. AI Flavoured is a project that leverages artificial intelligence to revolutionize document comprehension and learning. 
+2. The platform features advanced summarization engines, interactive communication, multilingual support, and personalized learning experiences. 
+3. It aims to address challenges such as information overload, complex documents, and language barriers. 
+</a:t>
+            </a:r>
+            <a:endParaRPr lang="en-US" sz="2000" dirty="0"/>
+          </a:p>
+        </p:txBody>
+      </p:sp>
+      <p:sp>
+        <p:nvSpPr>
+          <p:cNvPr id="4" name="Text 1"/>
+          <p:cNvSpPr/>
+          <p:nvPr>
+            <p:ph idx="105" type="body" hasCustomPrompt="1"/>
           </p:nvPr>
         </p:nvSpPr>
         <p:spPr>
@@ -9573,7 +10276,7 @@
           <a:bodyPr wrap="square" rtlCol="0" anchor="ctr"/>
           <a:lstStyle/>
           <a:p>
-            <a:pPr marL="0" indent="0" algn="ctr">
+            <a:pPr algn="ctr" indent="0" marL="0">
               <a:buNone/>
             </a:pPr>
             <a:r>
@@ -9585,9 +10288,69 @@
                 <a:ea typeface="Tenorite (Body)" pitchFamily="34" charset="-122"/>
                 <a:cs typeface="Tenorite (Body)" pitchFamily="34" charset="-120"/>
               </a:rPr>
-              <a:t>8</a:t>
+              <a:t>7</a:t>
             </a:r>
             <a:endParaRPr lang="en-US" sz="1200" dirty="0"/>
+          </a:p>
+        </p:txBody>
+      </p:sp>
+      <p:sp>
+        <p:nvSpPr>
+          <p:cNvPr id="5" name="Text 0"/>
+          <p:cNvSpPr/>
+          <p:nvPr>
+            <p:ph idx="102" type="body" hasCustomPrompt="1"/>
+          </p:nvPr>
+        </p:nvSpPr>
+        <p:spPr>
+          <a:xfrm>
+            <a:off x="649224" y="1828800"/>
+            <a:ext cx="5266944" cy="4389120"/>
+          </a:xfrm>
+          <a:prstGeom prst="rect">
+            <a:avLst/>
+          </a:prstGeom>
+          <a:noFill/>
+          <a:ln/>
+        </p:spPr>
+        <p:txBody>
+          <a:bodyPr wrap="square" lIns="2540" tIns="2540" rIns="2540" bIns="2540" rtlCol="0" anchor="t"/>
+          <a:lstStyle/>
+          <a:p>
+            <a:pPr algn="l" indent="0" marL="0">
+              <a:buNone/>
+            </a:pPr>
+            <a:endParaRPr lang="en-US" sz="2000" dirty="0"/>
+          </a:p>
+        </p:txBody>
+      </p:sp>
+      <p:sp>
+        <p:nvSpPr>
+          <p:cNvPr id="6" name="Text 0"/>
+          <p:cNvSpPr/>
+          <p:nvPr>
+            <p:ph idx="103" type="body" hasCustomPrompt="1"/>
+          </p:nvPr>
+        </p:nvSpPr>
+        <p:spPr>
+          <a:xfrm>
+            <a:off x="6099048" y="1828800"/>
+            <a:ext cx="5266944" cy="4389120"/>
+          </a:xfrm>
+          <a:prstGeom prst="rect">
+            <a:avLst/>
+          </a:prstGeom>
+          <a:noFill/>
+          <a:ln/>
+        </p:spPr>
+        <p:txBody>
+          <a:bodyPr wrap="square" rtlCol="0" anchor="t"/>
+          <a:lstStyle/>
+          <a:p>
+            <a:pPr algn="l" indent="0" marL="0">
+              <a:buNone/>
+            </a:pPr>
+            <a:endParaRPr lang="en-US" sz="2000" dirty="0"/>
           </a:p>
         </p:txBody>
       </p:sp>
@@ -9599,13 +10362,13 @@
 </p:sld>
 </file>
 
-<file path=ppt/slides/slide9.xml><?xml version="1.0" encoding="utf-8"?>
+<file path=ppt/slides/slide8.xml><?xml version="1.0" encoding="utf-8"?>
 <p:sld xmlns:a="http://schemas.openxmlformats.org/drawingml/2006/main" xmlns:r="http://schemas.openxmlformats.org/officeDocument/2006/relationships" xmlns:p="http://schemas.openxmlformats.org/presentationml/2006/main">
-  <p:cSld name="Slide 9">
+  <p:cSld name="Slide 8">
     <p:bg>
       <p:bgPr>
         <a:blipFill dpi="0" rotWithShape="1">
-          <a:blip r:embed="rId3">
+          <a:blip r:embed="rId1">
             <a:lum/>
           </a:blip>
           <a:srcRect/>
@@ -9633,17 +10396,15 @@
       <p:sp>
         <p:nvSpPr>
           <p:cNvPr id="2" name="Text 0"/>
-          <p:cNvSpPr>
-            <a:spLocks noGrp="1"/>
-          </p:cNvSpPr>
-          <p:nvPr>
-            <p:ph type="title" idx="100" hasCustomPrompt="1"/>
-          </p:nvPr>
-        </p:nvSpPr>
-        <p:spPr>
-          <a:xfrm>
-            <a:off x="914400" y="438912"/>
-            <a:ext cx="10360152" cy="1097280"/>
+          <p:cNvSpPr/>
+          <p:nvPr>
+            <p:ph idx="100" type="title" hasCustomPrompt="1"/>
+          </p:nvPr>
+        </p:nvSpPr>
+        <p:spPr>
+          <a:xfrm>
+            <a:off x="914400" y="2560320"/>
+            <a:ext cx="5193792" cy="3364992"/>
           </a:xfrm>
           <a:prstGeom prst="rect">
             <a:avLst/>
@@ -9655,11 +10416,11 @@
           <a:bodyPr wrap="square" rtlCol="0" anchor="ctr"/>
           <a:lstStyle/>
           <a:p>
-            <a:pPr marL="0" indent="0" algn="ctr">
-              <a:buNone/>
-            </a:pPr>
-            <a:r>
-              <a:rPr lang="en-US" sz="3200" b="1" dirty="0">
+            <a:pPr algn="ctr" indent="0" marL="0">
+              <a:buNone/>
+            </a:pPr>
+            <a:r>
+              <a:rPr lang="en-US" sz="4000" b="1" dirty="0">
                 <a:solidFill>
                   <a:srgbClr val="000000"/>
                 </a:solidFill>
@@ -9667,6 +10428,173 @@
                 <a:ea typeface="Tenorite (Headings)" pitchFamily="34" charset="-122"/>
                 <a:cs typeface="Tenorite (Headings)" pitchFamily="34" charset="-120"/>
               </a:rPr>
+              <a:t>Project Overview</a:t>
+            </a:r>
+            <a:endParaRPr lang="en-US" sz="4000" dirty="0"/>
+          </a:p>
+        </p:txBody>
+      </p:sp>
+      <p:pic>
+        <p:nvPicPr>
+          <p:cNvPr id="3" name="Image 0" descr="public/darkThemeMoon/comparison.jpg">    </p:cNvPr>
+          <p:cNvPicPr>
+            <a:picLocks noChangeAspect="1"/>
+          </p:cNvPicPr>
+          <p:nvPr>
+            <p:ph idx="101" hasCustomPrompt="1"/>
+          </p:nvPr>
+        </p:nvPicPr>
+        <p:blipFill>
+          <a:blip r:embed="rId2"/>
+          <a:stretch>
+            <a:fillRect/>
+          </a:stretch>
+        </p:blipFill>
+        <p:spPr>
+          <a:xfrm>
+            <a:off x="6080760" y="0"/>
+            <a:ext cx="6108192" cy="6858000"/>
+          </a:xfrm>
+          <a:prstGeom prst="rect">
+            <a:avLst/>
+          </a:prstGeom>
+        </p:spPr>
+      </p:pic>
+      <p:sp>
+        <p:nvSpPr>
+          <p:cNvPr id="4" name="Shape 1"/>
+          <p:cNvSpPr/>
+          <p:nvPr/>
+        </p:nvSpPr>
+        <p:spPr>
+          <a:xfrm>
+            <a:off x="6080760" y="0"/>
+            <a:ext cx="2377440" cy="6858000"/>
+          </a:xfrm>
+          <a:prstGeom prst="rtTriangle">
+            <a:avLst/>
+          </a:prstGeom>
+          <a:solidFill>
+            <a:srgbClr val="FFFFFF"/>
+          </a:solidFill>
+          <a:ln/>
+        </p:spPr>
+      </p:sp>
+      <p:sp>
+        <p:nvSpPr>
+          <p:cNvPr id="5" name="Text 1"/>
+          <p:cNvSpPr/>
+          <p:nvPr>
+            <p:ph idx="103" type="body" hasCustomPrompt="1"/>
+          </p:nvPr>
+        </p:nvSpPr>
+        <p:spPr>
+          <a:xfrm>
+            <a:off x="457200" y="6446520"/>
+            <a:ext cx="640080" cy="365760"/>
+          </a:xfrm>
+          <a:prstGeom prst="rect">
+            <a:avLst/>
+          </a:prstGeom>
+          <a:noFill/>
+          <a:ln/>
+        </p:spPr>
+        <p:txBody>
+          <a:bodyPr wrap="square" rtlCol="0" anchor="ctr"/>
+          <a:lstStyle/>
+          <a:p>
+            <a:pPr algn="ctr" indent="0" marL="0">
+              <a:buNone/>
+            </a:pPr>
+            <a:r>
+              <a:rPr lang="en-US" sz="1200" dirty="0">
+                <a:solidFill>
+                  <a:srgbClr val="000000"/>
+                </a:solidFill>
+                <a:latin typeface="Tenorite (Headings)" pitchFamily="34" charset="0"/>
+                <a:ea typeface="Tenorite (Headings)" pitchFamily="34" charset="-122"/>
+                <a:cs typeface="Tenorite (Headings)" pitchFamily="34" charset="-120"/>
+              </a:rPr>
+              <a:t>8</a:t>
+            </a:r>
+            <a:endParaRPr lang="en-US" sz="1200" dirty="0"/>
+          </a:p>
+        </p:txBody>
+      </p:sp>
+    </p:spTree>
+  </p:cSld>
+  <p:clrMapOvr>
+    <a:masterClrMapping/>
+  </p:clrMapOvr>
+</p:sld>
+</file>
+
+<file path=ppt/slides/slide9.xml><?xml version="1.0" encoding="utf-8"?>
+<p:sld xmlns:a="http://schemas.openxmlformats.org/drawingml/2006/main" xmlns:r="http://schemas.openxmlformats.org/officeDocument/2006/relationships" xmlns:p="http://schemas.openxmlformats.org/presentationml/2006/main">
+  <p:cSld name="Slide 9">
+    <p:bg>
+      <p:bgPr>
+        <a:blipFill dpi="0" rotWithShape="1">
+          <a:blip r:embed="rId1">
+            <a:lum/>
+          </a:blip>
+          <a:srcRect/>
+          <a:stretch>
+            <a:fillRect/>
+          </a:stretch>
+        </a:blipFill>
+        <a:effectLst/>
+      </p:bgPr>
+    </p:bg>
+    <p:spTree>
+      <p:nvGrpSpPr>
+        <p:cNvPr id="1" name=""/>
+        <p:cNvGrpSpPr/>
+        <p:nvPr/>
+      </p:nvGrpSpPr>
+      <p:grpSpPr>
+        <a:xfrm>
+          <a:off x="0" y="0"/>
+          <a:ext cx="0" cy="0"/>
+          <a:chOff x="0" y="0"/>
+          <a:chExt cx="0" cy="0"/>
+        </a:xfrm>
+      </p:grpSpPr>
+      <p:sp>
+        <p:nvSpPr>
+          <p:cNvPr id="2" name="Text 0"/>
+          <p:cNvSpPr/>
+          <p:nvPr>
+            <p:ph idx="100" type="title" hasCustomPrompt="1"/>
+          </p:nvPr>
+        </p:nvSpPr>
+        <p:spPr>
+          <a:xfrm>
+            <a:off x="914400" y="365760"/>
+            <a:ext cx="10360152" cy="1627632"/>
+          </a:xfrm>
+          <a:prstGeom prst="rect">
+            <a:avLst/>
+          </a:prstGeom>
+          <a:noFill/>
+          <a:ln/>
+        </p:spPr>
+        <p:txBody>
+          <a:bodyPr wrap="square" rtlCol="0" anchor="ctr"/>
+          <a:lstStyle/>
+          <a:p>
+            <a:pPr algn="l" indent="0" marL="0">
+              <a:buNone/>
+            </a:pPr>
+            <a:r>
+              <a:rPr lang="en-US" sz="3200" b="1" dirty="0">
+                <a:solidFill>
+                  <a:srgbClr val="000000"/>
+                </a:solidFill>
+                <a:latin typeface="Tenorite (Headings)" pitchFamily="34" charset="0"/>
+                <a:ea typeface="Tenorite (Headings)" pitchFamily="34" charset="-122"/>
+                <a:cs typeface="Tenorite (Headings)" pitchFamily="34" charset="-120"/>
+              </a:rPr>
               <a:t>Core Functionalities</a:t>
             </a:r>
             <a:endParaRPr lang="en-US" sz="3200" dirty="0"/>
@@ -9675,100 +10603,14 @@
       </p:sp>
       <p:sp>
         <p:nvSpPr>
-          <p:cNvPr id="3" name="Text 0"/>
-          <p:cNvSpPr>
-            <a:spLocks noGrp="1"/>
-          </p:cNvSpPr>
-          <p:nvPr>
-            <p:ph type="body" idx="101" hasCustomPrompt="1"/>
-          </p:nvPr>
-        </p:nvSpPr>
-        <p:spPr>
-          <a:xfrm>
-            <a:off x="658368" y="1581912"/>
-            <a:ext cx="5029200" cy="914400"/>
-          </a:xfrm>
-          <a:prstGeom prst="rect">
-            <a:avLst/>
-          </a:prstGeom>
-          <a:noFill/>
-          <a:ln/>
-        </p:spPr>
-        <p:txBody>
-          <a:bodyPr wrap="square" rtlCol="0" anchor="ctr"/>
-          <a:lstStyle/>
-          <a:p>
-            <a:pPr marL="0" indent="0" algn="ctr">
-              <a:buNone/>
-            </a:pPr>
-            <a:r>
-              <a:rPr lang="en-US" sz="2400" b="1" dirty="0">
-                <a:solidFill>
-                  <a:srgbClr val="000000"/>
-                </a:solidFill>
-                <a:latin typeface="Tenorite (Body)" pitchFamily="34" charset="0"/>
-                <a:ea typeface="Tenorite (Body)" pitchFamily="34" charset="-122"/>
-                <a:cs typeface="Tenorite (Body)" pitchFamily="34" charset="-120"/>
-              </a:rPr>
-              <a:t>Core Functionalities</a:t>
-            </a:r>
-            <a:endParaRPr lang="en-US" sz="2400" dirty="0"/>
-          </a:p>
-        </p:txBody>
-      </p:sp>
-      <p:sp>
-        <p:nvSpPr>
-          <p:cNvPr id="4" name="Text 0"/>
-          <p:cNvSpPr>
-            <a:spLocks noGrp="1"/>
-          </p:cNvSpPr>
-          <p:nvPr>
-            <p:ph type="body" idx="102" hasCustomPrompt="1"/>
-          </p:nvPr>
-        </p:nvSpPr>
-        <p:spPr>
-          <a:xfrm>
-            <a:off x="6583680" y="1581912"/>
-            <a:ext cx="5029200" cy="914400"/>
-          </a:xfrm>
-          <a:prstGeom prst="rect">
-            <a:avLst/>
-          </a:prstGeom>
-          <a:noFill/>
-          <a:ln/>
-        </p:spPr>
-        <p:txBody>
-          <a:bodyPr wrap="square" rtlCol="0" anchor="ctr"/>
-          <a:lstStyle/>
-          <a:p>
-            <a:pPr marL="0" indent="0" algn="ctr">
-              <a:buNone/>
-            </a:pPr>
-            <a:r>
-              <a:rPr lang="en-US" sz="2400" b="1" dirty="0">
-                <a:solidFill>
-                  <a:srgbClr val="000000"/>
-                </a:solidFill>
-                <a:latin typeface="Tenorite (Body)" pitchFamily="34" charset="0"/>
-                <a:ea typeface="Tenorite (Body)" pitchFamily="34" charset="-122"/>
-                <a:cs typeface="Tenorite (Body)" pitchFamily="34" charset="-120"/>
-              </a:rPr>
-              <a:t>Benefits</a:t>
-            </a:r>
-            <a:endParaRPr lang="en-US" sz="2400" dirty="0"/>
-          </a:p>
-        </p:txBody>
-      </p:sp>
-      <p:sp>
-        <p:nvSpPr>
-          <p:cNvPr id="5" name="Shape 3"/>
+          <p:cNvPr id="3" name="Shape 1"/>
           <p:cNvSpPr/>
           <p:nvPr/>
         </p:nvSpPr>
         <p:spPr>
           <a:xfrm>
-            <a:off x="4764024" y="1581912"/>
-            <a:ext cx="2660904" cy="0"/>
+            <a:off x="6099048" y="713232"/>
+            <a:ext cx="0" cy="5577840"/>
           </a:xfrm>
           <a:prstGeom prst="line">
             <a:avLst/>
@@ -9786,43 +10628,16 @@
       </p:sp>
       <p:sp>
         <p:nvSpPr>
-          <p:cNvPr id="6" name="Shape 4"/>
-          <p:cNvSpPr/>
-          <p:nvPr/>
-        </p:nvSpPr>
-        <p:spPr>
-          <a:xfrm>
-            <a:off x="6099048" y="2496312"/>
-            <a:ext cx="0" cy="3648456"/>
-          </a:xfrm>
-          <a:prstGeom prst="line">
-            <a:avLst/>
-          </a:prstGeom>
-          <a:solidFill>
-            <a:srgbClr val="000000"/>
-          </a:solidFill>
-          <a:ln w="12700">
-            <a:solidFill>
-              <a:srgbClr val="000000"/>
-            </a:solidFill>
-            <a:prstDash val="solid"/>
-          </a:ln>
-        </p:spPr>
-      </p:sp>
-      <p:sp>
-        <p:nvSpPr>
-          <p:cNvPr id="7" name="Text 0"/>
-          <p:cNvSpPr>
-            <a:spLocks noGrp="1"/>
-          </p:cNvSpPr>
-          <p:nvPr>
-            <p:ph type="body" idx="103" hasCustomPrompt="1"/>
-          </p:nvPr>
-        </p:nvSpPr>
-        <p:spPr>
-          <a:xfrm>
-            <a:off x="731520" y="2633472"/>
-            <a:ext cx="5358384" cy="3310128"/>
+          <p:cNvPr id="4" name="Text 0"/>
+          <p:cNvSpPr/>
+          <p:nvPr>
+            <p:ph idx="101" type="body" hasCustomPrompt="1"/>
+          </p:nvPr>
+        </p:nvSpPr>
+        <p:spPr>
+          <a:xfrm>
+            <a:off x="914400" y="2020824"/>
+            <a:ext cx="4992624" cy="3749040"/>
           </a:xfrm>
           <a:prstGeom prst="rect">
             <a:avLst/>
@@ -9834,11 +10649,11 @@
           <a:bodyPr wrap="square" rtlCol="0" anchor="t"/>
           <a:lstStyle/>
           <a:p>
-            <a:pPr marL="0" indent="0" algn="l">
-              <a:buNone/>
-            </a:pPr>
-            <a:r>
-              <a:rPr lang="en-US" sz="1800" dirty="0">
+            <a:pPr algn="l" indent="0" marL="0">
+              <a:buNone/>
+            </a:pPr>
+            <a:r>
+              <a:rPr lang="en-US" sz="1600" dirty="0">
                 <a:solidFill>
                   <a:srgbClr val="000000"/>
                 </a:solidFill>
@@ -9848,14 +10663,14 @@
               </a:rPr>
               <a:t>1. Intelligent Summarization</a:t>
             </a:r>
-            <a:endParaRPr lang="en-US" sz="1800" dirty="0"/>
-          </a:p>
-          <a:p>
-            <a:pPr marL="0" indent="0" algn="l">
-              <a:buNone/>
-            </a:pPr>
-            <a:r>
-              <a:rPr lang="en-US" sz="1800" dirty="0">
+            <a:endParaRPr lang="en-US" sz="1600" dirty="0"/>
+          </a:p>
+          <a:p>
+            <a:pPr algn="l" indent="0" marL="0">
+              <a:buNone/>
+            </a:pPr>
+            <a:r>
+              <a:rPr lang="en-US" sz="1600" dirty="0">
                 <a:solidFill>
                   <a:srgbClr val="000000"/>
                 </a:solidFill>
@@ -9865,14 +10680,14 @@
               </a:rPr>
               <a:t>2. Interactive Engagement</a:t>
             </a:r>
-            <a:endParaRPr lang="en-US" sz="1800" dirty="0"/>
-          </a:p>
-          <a:p>
-            <a:pPr marL="0" indent="0" algn="l">
-              <a:buNone/>
-            </a:pPr>
-            <a:r>
-              <a:rPr lang="en-US" sz="1800" dirty="0">
+            <a:endParaRPr lang="en-US" sz="1600" dirty="0"/>
+          </a:p>
+          <a:p>
+            <a:pPr algn="l" indent="0" marL="0">
+              <a:buNone/>
+            </a:pPr>
+            <a:r>
+              <a:rPr lang="en-US" sz="1600" dirty="0">
                 <a:solidFill>
                   <a:srgbClr val="000000"/>
                 </a:solidFill>
@@ -9882,14 +10697,14 @@
               </a:rPr>
               <a:t>3. Multilingual Support</a:t>
             </a:r>
-            <a:endParaRPr lang="en-US" sz="1800" dirty="0"/>
-          </a:p>
-          <a:p>
-            <a:pPr marL="0" indent="0" algn="l">
-              <a:buNone/>
-            </a:pPr>
-            <a:r>
-              <a:rPr lang="en-US" sz="1800" dirty="0">
+            <a:endParaRPr lang="en-US" sz="1600" dirty="0"/>
+          </a:p>
+          <a:p>
+            <a:pPr algn="l" indent="0" marL="0">
+              <a:buNone/>
+            </a:pPr>
+            <a:r>
+              <a:rPr lang="en-US" sz="1600" dirty="0">
                 <a:solidFill>
                   <a:srgbClr val="000000"/>
                 </a:solidFill>
@@ -9899,24 +10714,22 @@
               </a:rPr>
               <a:t>4. Personalized Learning Experiences</a:t>
             </a:r>
-            <a:endParaRPr lang="en-US" sz="1800" dirty="0"/>
-          </a:p>
-        </p:txBody>
-      </p:sp>
-      <p:sp>
-        <p:nvSpPr>
-          <p:cNvPr id="8" name="Text 0"/>
-          <p:cNvSpPr>
-            <a:spLocks noGrp="1"/>
-          </p:cNvSpPr>
-          <p:nvPr>
-            <p:ph type="body" idx="104" hasCustomPrompt="1"/>
-          </p:nvPr>
-        </p:nvSpPr>
-        <p:spPr>
-          <a:xfrm>
-            <a:off x="6245352" y="2624328"/>
-            <a:ext cx="5358384" cy="3310128"/>
+            <a:endParaRPr lang="en-US" sz="1600" dirty="0"/>
+          </a:p>
+        </p:txBody>
+      </p:sp>
+      <p:sp>
+        <p:nvSpPr>
+          <p:cNvPr id="5" name="Text 0"/>
+          <p:cNvSpPr/>
+          <p:nvPr>
+            <p:ph idx="102" type="body" hasCustomPrompt="1"/>
+          </p:nvPr>
+        </p:nvSpPr>
+        <p:spPr>
+          <a:xfrm>
+            <a:off x="6281928" y="2020824"/>
+            <a:ext cx="4992624" cy="3749040"/>
           </a:xfrm>
           <a:prstGeom prst="rect">
             <a:avLst/>
@@ -9928,11 +10741,11 @@
           <a:bodyPr wrap="square" rtlCol="0" anchor="t"/>
           <a:lstStyle/>
           <a:p>
-            <a:pPr marL="0" indent="0" algn="l">
-              <a:buNone/>
-            </a:pPr>
-            <a:r>
-              <a:rPr lang="en-US" sz="1800" dirty="0">
+            <a:pPr algn="l" indent="0" marL="0">
+              <a:buNone/>
+            </a:pPr>
+            <a:r>
+              <a:rPr lang="en-US" sz="1600" dirty="0">
                 <a:solidFill>
                   <a:srgbClr val="000000"/>
                 </a:solidFill>
@@ -9942,14 +10755,14 @@
               </a:rPr>
               <a:t>1. Streamlines information retrieval</a:t>
             </a:r>
-            <a:endParaRPr lang="en-US" sz="1800" dirty="0"/>
-          </a:p>
-          <a:p>
-            <a:pPr marL="0" indent="0" algn="l">
-              <a:buNone/>
-            </a:pPr>
-            <a:r>
-              <a:rPr lang="en-US" sz="1800" dirty="0">
+            <a:endParaRPr lang="en-US" sz="1600" dirty="0"/>
+          </a:p>
+          <a:p>
+            <a:pPr algn="l" indent="0" marL="0">
+              <a:buNone/>
+            </a:pPr>
+            <a:r>
+              <a:rPr lang="en-US" sz="1600" dirty="0">
                 <a:solidFill>
                   <a:srgbClr val="000000"/>
                 </a:solidFill>
@@ -9959,14 +10772,14 @@
               </a:rPr>
               <a:t>2. Improves knowledge acquisition</a:t>
             </a:r>
-            <a:endParaRPr lang="en-US" sz="1800" dirty="0"/>
-          </a:p>
-          <a:p>
-            <a:pPr marL="0" indent="0" algn="l">
-              <a:buNone/>
-            </a:pPr>
-            <a:r>
-              <a:rPr lang="en-US" sz="1800" dirty="0">
+            <a:endParaRPr lang="en-US" sz="1600" dirty="0"/>
+          </a:p>
+          <a:p>
+            <a:pPr algn="l" indent="0" marL="0">
+              <a:buNone/>
+            </a:pPr>
+            <a:r>
+              <a:rPr lang="en-US" sz="1600" dirty="0">
                 <a:solidFill>
                   <a:srgbClr val="000000"/>
                 </a:solidFill>
@@ -9976,14 +10789,14 @@
               </a:rPr>
               <a:t>3. Fosters collaboration</a:t>
             </a:r>
-            <a:endParaRPr lang="en-US" sz="1800" dirty="0"/>
-          </a:p>
-          <a:p>
-            <a:pPr marL="0" indent="0" algn="l">
-              <a:buNone/>
-            </a:pPr>
-            <a:r>
-              <a:rPr lang="en-US" sz="1800" dirty="0">
+            <a:endParaRPr lang="en-US" sz="1600" dirty="0"/>
+          </a:p>
+          <a:p>
+            <a:pPr algn="l" indent="0" marL="0">
+              <a:buNone/>
+            </a:pPr>
+            <a:r>
+              <a:rPr lang="en-US" sz="1600" dirty="0">
                 <a:solidFill>
                   <a:srgbClr val="000000"/>
                 </a:solidFill>
@@ -9993,18 +10806,16 @@
               </a:rPr>
               <a:t>4. Enhances learning environments</a:t>
             </a:r>
-            <a:endParaRPr lang="en-US" sz="1800" dirty="0"/>
-          </a:p>
-        </p:txBody>
-      </p:sp>
-      <p:sp>
-        <p:nvSpPr>
-          <p:cNvPr id="9" name="Text 1"/>
-          <p:cNvSpPr>
-            <a:spLocks noGrp="1"/>
-          </p:cNvSpPr>
-          <p:nvPr>
-            <p:ph type="body" idx="106" hasCustomPrompt="1"/>
+            <a:endParaRPr lang="en-US" sz="1600" dirty="0"/>
+          </a:p>
+        </p:txBody>
+      </p:sp>
+      <p:sp>
+        <p:nvSpPr>
+          <p:cNvPr id="6" name="Text 1"/>
+          <p:cNvSpPr/>
+          <p:nvPr>
+            <p:ph idx="104" type="body" hasCustomPrompt="1"/>
           </p:nvPr>
         </p:nvSpPr>
         <p:spPr>
@@ -10022,7 +10833,7 @@
           <a:bodyPr wrap="square" rtlCol="0" anchor="ctr"/>
           <a:lstStyle/>
           <a:p>
-            <a:pPr marL="0" indent="0" algn="ctr">
+            <a:pPr algn="ctr" indent="0" marL="0">
               <a:buNone/>
             </a:pPr>
             <a:r>
@@ -10341,299 +11152,4 @@
     </a:ext>
   </a:extLst>
 </a:theme>
-</file>
-
-<file path=ppt/theme/theme2.xml><?xml version="1.0" encoding="utf-8"?>
-<a:theme xmlns:a="http://schemas.openxmlformats.org/drawingml/2006/main" name="Office Theme">
-  <a:themeElements>
-    <a:clrScheme name="Office">
-      <a:dk1>
-        <a:sysClr val="windowText" lastClr="000000"/>
-      </a:dk1>
-      <a:lt1>
-        <a:sysClr val="window" lastClr="FFFFFF"/>
-      </a:lt1>
-      <a:dk2>
-        <a:srgbClr val="44546A"/>
-      </a:dk2>
-      <a:lt2>
-        <a:srgbClr val="E7E6E6"/>
-      </a:lt2>
-      <a:accent1>
-        <a:srgbClr val="4472C4"/>
-      </a:accent1>
-      <a:accent2>
-        <a:srgbClr val="ED7D31"/>
-      </a:accent2>
-      <a:accent3>
-        <a:srgbClr val="A5A5A5"/>
-      </a:accent3>
-      <a:accent4>
-        <a:srgbClr val="FFC000"/>
-      </a:accent4>
-      <a:accent5>
-        <a:srgbClr val="5B9BD5"/>
-      </a:accent5>
-      <a:accent6>
-        <a:srgbClr val="70AD47"/>
-      </a:accent6>
-      <a:hlink>
-        <a:srgbClr val="0563C1"/>
-      </a:hlink>
-      <a:folHlink>
-        <a:srgbClr val="954F72"/>
-      </a:folHlink>
-    </a:clrScheme>
-    <a:fontScheme name="Office">
-      <a:majorFont>
-        <a:latin typeface="Calibri Light" panose="020F0302020204030204"/>
-        <a:ea typeface=""/>
-        <a:cs typeface=""/>
-        <a:font script="Jpan" typeface="游ゴシック Light"/>
-        <a:font script="Hang" typeface="맑은 고딕"/>
-        <a:font script="Hans" typeface="等线 Light"/>
-        <a:font script="Hant" typeface="新細明體"/>
-        <a:font script="Arab" typeface="Times New Roman"/>
-        <a:font script="Hebr" typeface="Times New Roman"/>
-        <a:font script="Thai" typeface="Angsana New"/>
-        <a:font script="Ethi" typeface="Nyala"/>
-        <a:font script="Beng" typeface="Vrinda"/>
-        <a:font script="Gujr" typeface="Shruti"/>
-        <a:font script="Khmr" typeface="MoolBoran"/>
-        <a:font script="Knda" typeface="Tunga"/>
-        <a:font script="Guru" typeface="Raavi"/>
-        <a:font script="Cans" typeface="Euphemia"/>
-        <a:font script="Cher" typeface="Plantagenet Cherokee"/>
-        <a:font script="Yiii" typeface="Microsoft Yi Baiti"/>
-        <a:font script="Tibt" typeface="Microsoft Himalaya"/>
-        <a:font script="Thaa" typeface="MV Boli"/>
-        <a:font script="Deva" typeface="Mangal"/>
-        <a:font script="Telu" typeface="Gautami"/>
-        <a:font script="Taml" typeface="Latha"/>
-        <a:font script="Syrc" typeface="Estrangelo Edessa"/>
-        <a:font script="Orya" typeface="Kalinga"/>
-        <a:font script="Mlym" typeface="Kartika"/>
-        <a:font script="Laoo" typeface="DokChampa"/>
-        <a:font script="Sinh" typeface="Iskoola Pota"/>
-        <a:font script="Mong" typeface="Mongolian Baiti"/>
-        <a:font script="Viet" typeface="Times New Roman"/>
-        <a:font script="Uigh" typeface="Microsoft Uighur"/>
-        <a:font script="Geor" typeface="Sylfaen"/>
-        <a:font script="Armn" typeface="Arial"/>
-        <a:font script="Bugi" typeface="Leelawadee UI"/>
-        <a:font script="Bopo" typeface="Microsoft JhengHei"/>
-        <a:font script="Java" typeface="Javanese Text"/>
-        <a:font script="Lisu" typeface="Segoe UI"/>
-        <a:font script="Mymr" typeface="Myanmar Text"/>
-        <a:font script="Nkoo" typeface="Ebrima"/>
-        <a:font script="Olck" typeface="Nirmala UI"/>
-        <a:font script="Osma" typeface="Ebrima"/>
-        <a:font script="Phag" typeface="Phagspa"/>
-        <a:font script="Syrn" typeface="Estrangelo Edessa"/>
-        <a:font script="Syrj" typeface="Estrangelo Edessa"/>
-        <a:font script="Syre" typeface="Estrangelo Edessa"/>
-        <a:font script="Sora" typeface="Nirmala UI"/>
-        <a:font script="Tale" typeface="Microsoft Tai Le"/>
-        <a:font script="Talu" typeface="Microsoft New Tai Lue"/>
-        <a:font script="Tfng" typeface="Ebrima"/>
-      </a:majorFont>
-      <a:minorFont>
-        <a:latin typeface="Calibri" panose="020F0502020204030204"/>
-        <a:ea typeface=""/>
-        <a:cs typeface=""/>
-        <a:font script="Jpan" typeface="游ゴシック"/>
-        <a:font script="Hang" typeface="맑은 고딕"/>
-        <a:font script="Hans" typeface="等线"/>
-        <a:font script="Hant" typeface="新細明體"/>
-        <a:font script="Arab" typeface="Arial"/>
-        <a:font script="Hebr" typeface="Arial"/>
-        <a:font script="Thai" typeface="Cordia New"/>
-        <a:font script="Ethi" typeface="Nyala"/>
-        <a:font script="Beng" typeface="Vrinda"/>
-        <a:font script="Gujr" typeface="Shruti"/>
-        <a:font script="Khmr" typeface="DaunPenh"/>
-        <a:font script="Knda" typeface="Tunga"/>
-        <a:font script="Guru" typeface="Raavi"/>
-        <a:font script="Cans" typeface="Euphemia"/>
-        <a:font script="Cher" typeface="Plantagenet Cherokee"/>
-        <a:font script="Yiii" typeface="Microsoft Yi Baiti"/>
-        <a:font script="Tibt" typeface="Microsoft Himalaya"/>
-        <a:font script="Thaa" typeface="MV Boli"/>
-        <a:font script="Deva" typeface="Mangal"/>
-        <a:font script="Telu" typeface="Gautami"/>
-        <a:font script="Taml" typeface="Latha"/>
-        <a:font script="Syrc" typeface="Estrangelo Edessa"/>
-        <a:font script="Orya" typeface="Kalinga"/>
-        <a:font script="Mlym" typeface="Kartika"/>
-        <a:font script="Laoo" typeface="DokChampa"/>
-        <a:font script="Sinh" typeface="Iskoola Pota"/>
-        <a:font script="Mong" typeface="Mongolian Baiti"/>
-        <a:font script="Viet" typeface="Arial"/>
-        <a:font script="Uigh" typeface="Microsoft Uighur"/>
-        <a:font script="Geor" typeface="Sylfaen"/>
-        <a:font script="Armn" typeface="Arial"/>
-        <a:font script="Bugi" typeface="Leelawadee UI"/>
-        <a:font script="Bopo" typeface="Microsoft JhengHei"/>
-        <a:font script="Java" typeface="Javanese Text"/>
-        <a:font script="Lisu" typeface="Segoe UI"/>
-        <a:font script="Mymr" typeface="Myanmar Text"/>
-        <a:font script="Nkoo" typeface="Ebrima"/>
-        <a:font script="Olck" typeface="Nirmala UI"/>
-        <a:font script="Osma" typeface="Ebrima"/>
-        <a:font script="Phag" typeface="Phagspa"/>
-        <a:font script="Syrn" typeface="Estrangelo Edessa"/>
-        <a:font script="Syrj" typeface="Estrangelo Edessa"/>
-        <a:font script="Syre" typeface="Estrangelo Edessa"/>
-        <a:font script="Sora" typeface="Nirmala UI"/>
-        <a:font script="Tale" typeface="Microsoft Tai Le"/>
-        <a:font script="Talu" typeface="Microsoft New Tai Lue"/>
-        <a:font script="Tfng" typeface="Ebrima"/>
-      </a:minorFont>
-    </a:fontScheme>
-    <a:fmtScheme name="Office">
-      <a:fillStyleLst>
-        <a:solidFill>
-          <a:schemeClr val="phClr"/>
-        </a:solidFill>
-        <a:gradFill rotWithShape="1">
-          <a:gsLst>
-            <a:gs pos="0">
-              <a:schemeClr val="phClr">
-                <a:lumMod val="110000"/>
-                <a:satMod val="105000"/>
-                <a:tint val="67000"/>
-              </a:schemeClr>
-            </a:gs>
-            <a:gs pos="50000">
-              <a:schemeClr val="phClr">
-                <a:lumMod val="105000"/>
-                <a:satMod val="103000"/>
-                <a:tint val="73000"/>
-              </a:schemeClr>
-            </a:gs>
-            <a:gs pos="100000">
-              <a:schemeClr val="phClr">
-                <a:lumMod val="105000"/>
-                <a:satMod val="109000"/>
-                <a:tint val="81000"/>
-              </a:schemeClr>
-            </a:gs>
-          </a:gsLst>
-          <a:lin ang="5400000" scaled="0"/>
-        </a:gradFill>
-        <a:gradFill rotWithShape="1">
-          <a:gsLst>
-            <a:gs pos="0">
-              <a:schemeClr val="phClr">
-                <a:satMod val="103000"/>
-                <a:lumMod val="102000"/>
-                <a:tint val="94000"/>
-              </a:schemeClr>
-            </a:gs>
-            <a:gs pos="50000">
-              <a:schemeClr val="phClr">
-                <a:satMod val="110000"/>
-                <a:lumMod val="100000"/>
-                <a:shade val="100000"/>
-              </a:schemeClr>
-            </a:gs>
-            <a:gs pos="100000">
-              <a:schemeClr val="phClr">
-                <a:lumMod val="99000"/>
-                <a:satMod val="120000"/>
-                <a:shade val="78000"/>
-              </a:schemeClr>
-            </a:gs>
-          </a:gsLst>
-          <a:lin ang="5400000" scaled="0"/>
-        </a:gradFill>
-      </a:fillStyleLst>
-      <a:lnStyleLst>
-        <a:ln w="6350" cap="flat" cmpd="sng" algn="ctr">
-          <a:solidFill>
-            <a:schemeClr val="phClr"/>
-          </a:solidFill>
-          <a:prstDash val="solid"/>
-          <a:miter lim="800000"/>
-        </a:ln>
-        <a:ln w="12700" cap="flat" cmpd="sng" algn="ctr">
-          <a:solidFill>
-            <a:schemeClr val="phClr"/>
-          </a:solidFill>
-          <a:prstDash val="solid"/>
-          <a:miter lim="800000"/>
-        </a:ln>
-        <a:ln w="19050" cap="flat" cmpd="sng" algn="ctr">
-          <a:solidFill>
-            <a:schemeClr val="phClr"/>
-          </a:solidFill>
-          <a:prstDash val="solid"/>
-          <a:miter lim="800000"/>
-        </a:ln>
-      </a:lnStyleLst>
-      <a:effectStyleLst>
-        <a:effectStyle>
-          <a:effectLst/>
-        </a:effectStyle>
-        <a:effectStyle>
-          <a:effectLst/>
-        </a:effectStyle>
-        <a:effectStyle>
-          <a:effectLst>
-            <a:outerShdw blurRad="57150" dist="19050" dir="5400000" algn="ctr" rotWithShape="0">
-              <a:srgbClr val="000000">
-                <a:alpha val="63000"/>
-              </a:srgbClr>
-            </a:outerShdw>
-          </a:effectLst>
-        </a:effectStyle>
-      </a:effectStyleLst>
-      <a:bgFillStyleLst>
-        <a:solidFill>
-          <a:schemeClr val="phClr"/>
-        </a:solidFill>
-        <a:solidFill>
-          <a:schemeClr val="phClr">
-            <a:tint val="95000"/>
-            <a:satMod val="170000"/>
-          </a:schemeClr>
-        </a:solidFill>
-        <a:gradFill rotWithShape="1">
-          <a:gsLst>
-            <a:gs pos="0">
-              <a:schemeClr val="phClr">
-                <a:tint val="93000"/>
-                <a:satMod val="150000"/>
-                <a:shade val="98000"/>
-                <a:lumMod val="102000"/>
-              </a:schemeClr>
-            </a:gs>
-            <a:gs pos="50000">
-              <a:schemeClr val="phClr">
-                <a:tint val="98000"/>
-                <a:satMod val="130000"/>
-                <a:shade val="90000"/>
-                <a:lumMod val="103000"/>
-              </a:schemeClr>
-            </a:gs>
-            <a:gs pos="100000">
-              <a:schemeClr val="phClr">
-                <a:shade val="63000"/>
-                <a:satMod val="120000"/>
-              </a:schemeClr>
-            </a:gs>
-          </a:gsLst>
-          <a:lin ang="5400000" scaled="0"/>
-        </a:gradFill>
-      </a:bgFillStyleLst>
-    </a:fmtScheme>
-  </a:themeElements>
-  <a:objectDefaults/>
-  <a:extraClrSchemeLst/>
-  <a:extLst>
-    <a:ext uri="{05A4C25C-085E-4340-85A3-A5531E510DB2}">
-      <thm15:themeFamily xmlns:thm15="http://schemas.microsoft.com/office/thememl/2012/main" name="Office Theme" id="{62F939B6-93AF-4DB8-9C6B-D6C7DFDC589F}" vid="{4A3C46E8-61CC-4603-A589-7422A47A8E4A}"/>
-    </a:ext>
-  </a:extLst>
-</a:theme>
 </file>